--- a/help/data-sheets/assets/StandardSupportDatasheet.pptx
+++ b/help/data-sheets/assets/StandardSupportDatasheet.pptx
@@ -273,30 +273,6 @@
     </pc:docChg>
   </pc:docChgLst>
   <pc:docChgLst>
-    <pc:chgData name="Ankita Sood" userId="S::asood@adobe.com::c93a62e3-2a47-429d-82c6-c2a8fd110ae7" providerId="AD" clId="Web-{50BEA215-43CC-DCCF-058B-AC2C3A37AC06}"/>
-    <pc:docChg chg="modSld">
-      <pc:chgData name="Ankita Sood" userId="S::asood@adobe.com::c93a62e3-2a47-429d-82c6-c2a8fd110ae7" providerId="AD" clId="Web-{50BEA215-43CC-DCCF-058B-AC2C3A37AC06}" dt="2022-01-20T19:40:10.448" v="1"/>
-      <pc:docMkLst>
-        <pc:docMk/>
-      </pc:docMkLst>
-      <pc:sldChg chg="modSp">
-        <pc:chgData name="Ankita Sood" userId="S::asood@adobe.com::c93a62e3-2a47-429d-82c6-c2a8fd110ae7" providerId="AD" clId="Web-{50BEA215-43CC-DCCF-058B-AC2C3A37AC06}" dt="2022-01-20T19:40:10.448" v="1"/>
-        <pc:sldMkLst>
-          <pc:docMk/>
-          <pc:sldMk cId="0" sldId="256"/>
-        </pc:sldMkLst>
-        <pc:graphicFrameChg chg="mod modGraphic">
-          <ac:chgData name="Ankita Sood" userId="S::asood@adobe.com::c93a62e3-2a47-429d-82c6-c2a8fd110ae7" providerId="AD" clId="Web-{50BEA215-43CC-DCCF-058B-AC2C3A37AC06}" dt="2022-01-20T19:40:10.448" v="1"/>
-          <ac:graphicFrameMkLst>
-            <pc:docMk/>
-            <pc:sldMk cId="0" sldId="256"/>
-            <ac:graphicFrameMk id="9" creationId="{00000000-0000-0000-0000-000000000000}"/>
-          </ac:graphicFrameMkLst>
-        </pc:graphicFrameChg>
-      </pc:sldChg>
-    </pc:docChg>
-  </pc:docChgLst>
-  <pc:docChgLst>
     <pc:chgData name="Akilah Johnson" userId="S::akjohnso@adobe.com::2fa3aa60-0c9c-4d06-bae2-795983241227" providerId="AD" clId="Web-{CF46E89E-48FC-BA32-13C5-654DDA452FDC}"/>
     <pc:docChg chg="modSld">
       <pc:chgData name="Akilah Johnson" userId="S::akjohnso@adobe.com::2fa3aa60-0c9c-4d06-bae2-795983241227" providerId="AD" clId="Web-{CF46E89E-48FC-BA32-13C5-654DDA452FDC}" dt="2021-10-12T17:00:50.675" v="21" actId="20577"/>
@@ -371,6 +347,30 @@
             <ac:spMk id="56" creationId="{00000000-0000-0000-0000-000000000000}"/>
           </ac:spMkLst>
         </pc:spChg>
+      </pc:sldChg>
+    </pc:docChg>
+  </pc:docChgLst>
+  <pc:docChgLst>
+    <pc:chgData name="Ankita Sood" userId="S::asood@adobe.com::c93a62e3-2a47-429d-82c6-c2a8fd110ae7" providerId="AD" clId="Web-{50BEA215-43CC-DCCF-058B-AC2C3A37AC06}"/>
+    <pc:docChg chg="modSld">
+      <pc:chgData name="Ankita Sood" userId="S::asood@adobe.com::c93a62e3-2a47-429d-82c6-c2a8fd110ae7" providerId="AD" clId="Web-{50BEA215-43CC-DCCF-058B-AC2C3A37AC06}" dt="2022-01-20T19:40:10.448" v="1"/>
+      <pc:docMkLst>
+        <pc:docMk/>
+      </pc:docMkLst>
+      <pc:sldChg chg="modSp">
+        <pc:chgData name="Ankita Sood" userId="S::asood@adobe.com::c93a62e3-2a47-429d-82c6-c2a8fd110ae7" providerId="AD" clId="Web-{50BEA215-43CC-DCCF-058B-AC2C3A37AC06}" dt="2022-01-20T19:40:10.448" v="1"/>
+        <pc:sldMkLst>
+          <pc:docMk/>
+          <pc:sldMk cId="0" sldId="256"/>
+        </pc:sldMkLst>
+        <pc:graphicFrameChg chg="mod modGraphic">
+          <ac:chgData name="Ankita Sood" userId="S::asood@adobe.com::c93a62e3-2a47-429d-82c6-c2a8fd110ae7" providerId="AD" clId="Web-{50BEA215-43CC-DCCF-058B-AC2C3A37AC06}" dt="2022-01-20T19:40:10.448" v="1"/>
+          <ac:graphicFrameMkLst>
+            <pc:docMk/>
+            <pc:sldMk cId="0" sldId="256"/>
+            <ac:graphicFrameMk id="9" creationId="{00000000-0000-0000-0000-000000000000}"/>
+          </ac:graphicFrameMkLst>
+        </pc:graphicFrameChg>
       </pc:sldChg>
     </pc:docChg>
   </pc:docChgLst>
@@ -515,7 +515,7 @@
           <a:p>
             <a:fld id="{A438815C-EDE5-F947-A55F-7634403F36C4}" type="datetimeFigureOut">
               <a:rPr lang="en-US" smtClean="0"/>
-              <a:t>1/20/2022</a:t>
+              <a:t>2/15/2022</a:t>
             </a:fld>
             <a:endParaRPr lang="en-US"/>
           </a:p>
@@ -1138,7 +1138,7 @@
           <a:p>
             <a:fld id="{1D8BD707-D9CF-40AE-B4C6-C98DA3205C09}" type="datetimeFigureOut">
               <a:rPr lang="en-US"/>
-              <a:t>1/20/2022</a:t>
+              <a:t>2/15/2022</a:t>
             </a:fld>
             <a:endParaRPr lang="en-US"/>
           </a:p>
@@ -1322,7 +1322,7 @@
           <a:p>
             <a:fld id="{1D8BD707-D9CF-40AE-B4C6-C98DA3205C09}" type="datetimeFigureOut">
               <a:rPr lang="en-US"/>
-              <a:t>1/20/2022</a:t>
+              <a:t>2/15/2022</a:t>
             </a:fld>
             <a:endParaRPr lang="en-US"/>
           </a:p>
@@ -1624,7 +1624,7 @@
           <a:p>
             <a:fld id="{1D8BD707-D9CF-40AE-B4C6-C98DA3205C09}" type="datetimeFigureOut">
               <a:rPr lang="en-US"/>
-              <a:t>1/20/2022</a:t>
+              <a:t>2/15/2022</a:t>
             </a:fld>
             <a:endParaRPr lang="en-US"/>
           </a:p>
@@ -1897,7 +1897,7 @@
               </a:spcBef>
             </a:pPr>
             <a:r>
-              <a:rPr sz="1400" b="1" u="heavy" spc="10" dirty="0">
+              <a:rPr lang="fr-FR" sz="1400" b="1" u="heavy">
                 <a:solidFill>
                   <a:srgbClr val="020302"/>
                 </a:solidFill>
@@ -1909,87 +1909,8 @@
                 <a:latin typeface="Adobe Clean"/>
                 <a:cs typeface="Adobe Clean"/>
               </a:rPr>
-              <a:t>Service </a:t>
+              <a:t>Cibles du niveau de service : Réponse initiale</a:t>
             </a:r>
-            <a:r>
-              <a:rPr sz="1400" b="1" u="heavy" spc="-10" dirty="0">
-                <a:solidFill>
-                  <a:srgbClr val="020302"/>
-                </a:solidFill>
-                <a:uFill>
-                  <a:solidFill>
-                    <a:srgbClr val="020302"/>
-                  </a:solidFill>
-                </a:uFill>
-                <a:latin typeface="Adobe Clean"/>
-                <a:cs typeface="Adobe Clean"/>
-              </a:rPr>
-              <a:t>Level </a:t>
-            </a:r>
-            <a:r>
-              <a:rPr sz="1400" b="1" u="heavy" spc="-45" dirty="0">
-                <a:solidFill>
-                  <a:srgbClr val="020302"/>
-                </a:solidFill>
-                <a:uFill>
-                  <a:solidFill>
-                    <a:srgbClr val="020302"/>
-                  </a:solidFill>
-                </a:uFill>
-                <a:latin typeface="Adobe Clean"/>
-                <a:cs typeface="Adobe Clean"/>
-              </a:rPr>
-              <a:t>Targets: </a:t>
-            </a:r>
-            <a:r>
-              <a:rPr sz="1400" b="1" u="heavy" spc="-10" dirty="0">
-                <a:solidFill>
-                  <a:srgbClr val="020302"/>
-                </a:solidFill>
-                <a:uFill>
-                  <a:solidFill>
-                    <a:srgbClr val="020302"/>
-                  </a:solidFill>
-                </a:uFill>
-                <a:latin typeface="Adobe Clean"/>
-                <a:cs typeface="Adobe Clean"/>
-              </a:rPr>
-              <a:t>Initial</a:t>
-            </a:r>
-            <a:r>
-              <a:rPr lang="en-US" sz="1400" b="1" u="heavy" spc="-10" dirty="0">
-                <a:solidFill>
-                  <a:srgbClr val="020302"/>
-                </a:solidFill>
-                <a:uFill>
-                  <a:solidFill>
-                    <a:srgbClr val="020302"/>
-                  </a:solidFill>
-                </a:uFill>
-                <a:latin typeface="Adobe Clean"/>
-                <a:cs typeface="Adobe Clean"/>
-              </a:rPr>
-              <a:t> </a:t>
-            </a:r>
-            <a:r>
-              <a:rPr sz="1400" b="1" u="heavy" spc="-15" dirty="0">
-                <a:solidFill>
-                  <a:srgbClr val="020302"/>
-                </a:solidFill>
-                <a:uFill>
-                  <a:solidFill>
-                    <a:srgbClr val="020302"/>
-                  </a:solidFill>
-                </a:uFill>
-                <a:latin typeface="Adobe Clean"/>
-                <a:cs typeface="Adobe Clean"/>
-              </a:rPr>
-              <a:t>Response</a:t>
-            </a:r>
-            <a:endParaRPr sz="1400" dirty="0">
-              <a:latin typeface="Adobe Clean"/>
-              <a:cs typeface="Adobe Clean"/>
-            </a:endParaRPr>
           </a:p>
         </p:txBody>
       </p:sp>
@@ -2030,8 +1951,8 @@
         </p:nvSpPr>
         <p:spPr>
           <a:xfrm>
-            <a:off x="136772" y="813361"/>
-            <a:ext cx="6035427" cy="1089529"/>
+            <a:off x="136772" y="609600"/>
+            <a:ext cx="6035427" cy="1242904"/>
           </a:xfrm>
           <a:prstGeom prst="rect">
             <a:avLst/>
@@ -2052,7 +1973,7 @@
               </a:spcBef>
             </a:pPr>
             <a:r>
-              <a:rPr lang="en-US" sz="1200" b="1" dirty="0">
+              <a:rPr lang="fr-FR" sz="1200" b="1" dirty="0">
                 <a:solidFill>
                   <a:schemeClr val="bg1"/>
                 </a:solidFill>
@@ -2060,30 +1981,66 @@
               <a:t>Standard</a:t>
             </a:r>
             <a:r>
-              <a:rPr lang="en-US" sz="1200" dirty="0">
+              <a:rPr lang="fr-FR" sz="1200" dirty="0">
                 <a:solidFill>
                   <a:schemeClr val="bg1"/>
                 </a:solidFill>
                 <a:latin typeface="Adobe Clean Light"/>
               </a:rPr>
-              <a:t> | Enterprise | Elite</a:t>
+              <a:t> | Entreprise | Elite</a:t>
             </a:r>
             <a:br>
-              <a:rPr lang="en-US" sz="900" dirty="0">
+              <a:rPr lang="fr-FR" sz="900" dirty="0">
                 <a:latin typeface="Adobe Clean Light" panose="020B0303020404020204" pitchFamily="34" charset="0"/>
               </a:rPr>
             </a:br>
             <a:r>
-              <a:rPr lang="en-US" sz="900" dirty="0">
+              <a:rPr lang="fr-FR" sz="800" dirty="0">
                 <a:solidFill>
                   <a:schemeClr val="bg1"/>
                 </a:solidFill>
                 <a:latin typeface="Adobe Clean SemiLight"/>
               </a:rPr>
-              <a:t>Adobe provides a comprehensive range of technical resources to help support your business included as part of your Experience Cloud license subscription. Online support includes access to personalized learning paths and monitored community forums via the Adobe Experience League. You can take advantage of our detailed and in-depth technical product documentation and current release notes published on </a:t>
+              <a:t>Adobe offre une gamme complète de ressources techniques afin d’appuyer votre entreprise. Elles sont comprises dans votre abonnement à la licence </a:t>
             </a:r>
             <a:r>
-              <a:rPr lang="en-US" sz="900" u="sng" dirty="0">
+              <a:rPr lang="fr-FR" sz="800" dirty="0" err="1">
+                <a:solidFill>
+                  <a:schemeClr val="bg1"/>
+                </a:solidFill>
+                <a:latin typeface="Adobe Clean SemiLight"/>
+              </a:rPr>
+              <a:t>Experience</a:t>
+            </a:r>
+            <a:r>
+              <a:rPr lang="fr-FR" sz="800" dirty="0">
+                <a:solidFill>
+                  <a:schemeClr val="bg1"/>
+                </a:solidFill>
+                <a:latin typeface="Adobe Clean SemiLight"/>
+              </a:rPr>
+              <a:t> Cloud. L’assistance EN LIGNE comprend un accès à des parcours de formation personnalisés et à des forums communautaires surveillés au travers d’</a:t>
+            </a:r>
+            <a:r>
+              <a:rPr lang="fr-FR" sz="800" dirty="0" err="1">
+                <a:solidFill>
+                  <a:schemeClr val="bg1"/>
+                </a:solidFill>
+                <a:latin typeface="Adobe Clean SemiLight"/>
+              </a:rPr>
+              <a:t>Experience</a:t>
+            </a:r>
+            <a:r>
+              <a:rPr lang="fr-FR" sz="800" dirty="0">
+                <a:solidFill>
+                  <a:schemeClr val="bg1"/>
+                </a:solidFill>
+                <a:latin typeface="Adobe Clean SemiLight"/>
+              </a:rPr>
+              <a:t> League d’Adobe. Vous pouvez tirer profit de notre documentation technique détaillée et approfondie sur les produits, ainsi que de nos notes de mise à jour actuelles publiées sur </a:t>
+            </a:r>
+            <a:r>
+              <a:rPr lang="fr-FR" sz="800" u="sng" dirty="0">
                 <a:solidFill>
                   <a:schemeClr val="bg1"/>
                 </a:solidFill>
@@ -2096,24 +2053,17 @@
                   </a:extLst>
                 </a:hlinkClick>
               </a:rPr>
-              <a:t>http://www.adobe.com. </a:t>
+              <a:t>http://www.adobe.com/fr/. </a:t>
             </a:r>
             <a:r>
-              <a:rPr lang="en-US" sz="900" dirty="0">
+              <a:rPr lang="fr-FR" sz="800" dirty="0">
                 <a:solidFill>
                   <a:schemeClr val="bg1"/>
                 </a:solidFill>
                 <a:latin typeface="Adobe Clean SemiLight"/>
               </a:rPr>
-              <a:t>Our Online package also includes access to our technical support teams for any critical P1 product issues via telephone to help protect your business at the most critical times as well as providing the ability to log lower priority requests for assistance via support web portal.</a:t>
+              <a:t>Notre pack en ligne comprend également un accès à nos équipes d’assistance technique que vous pouvez contacter par téléphone pour tout problème critique concernant un produit P1. Cette équipe vous aide à protéger votre entreprise aux moments les plus critiques et vous offre également la possibilité de saisir des requêtes dont la priorité est moins élevée afin d’obtenir une assistance via le portail Web de l’assistance.</a:t>
             </a:r>
-            <a:endParaRPr lang="en-US" sz="900" dirty="0">
-              <a:solidFill>
-                <a:schemeClr val="bg1"/>
-              </a:solidFill>
-              <a:latin typeface="Adobe Clean SemiLight"/>
-              <a:cs typeface="AdobeClean-Light"/>
-            </a:endParaRPr>
           </a:p>
         </p:txBody>
       </p:sp>
@@ -2155,14 +2105,14 @@
           <p:nvPr>
             <p:extLst>
               <p:ext uri="{D42A27DB-BD31-4B8C-83A1-F6EECF244321}">
-                <p14:modId xmlns:p14="http://schemas.microsoft.com/office/powerpoint/2010/main" val="2360421745"/>
+                <p14:modId xmlns:p14="http://schemas.microsoft.com/office/powerpoint/2010/main" val="1844440553"/>
               </p:ext>
             </p:extLst>
           </p:nvPr>
         </p:nvGraphicFramePr>
         <p:xfrm>
           <a:off x="0" y="1938946"/>
-          <a:ext cx="7705343" cy="5227197"/>
+          <a:ext cx="7705343" cy="5270113"/>
         </p:xfrm>
         <a:graphic>
           <a:graphicData uri="http://schemas.openxmlformats.org/drawingml/2006/table">
@@ -2242,29 +2192,15 @@
                         </a:spcBef>
                       </a:pPr>
                       <a:r>
-                        <a:rPr lang="en-US" sz="900" spc="0" dirty="0">
+                        <a:rPr lang="fr-FR" sz="900">
                           <a:solidFill>
                             <a:srgbClr val="404040"/>
                           </a:solidFill>
                           <a:latin typeface="Adobe Clean"/>
                           <a:cs typeface="Adobe Clean"/>
                         </a:rPr>
-                        <a:t>Standard </a:t>
+                        <a:t>Assistance Standard</a:t>
                       </a:r>
-                      <a:r>
-                        <a:rPr sz="900" spc="0" dirty="0">
-                          <a:solidFill>
-                            <a:srgbClr val="404040"/>
-                          </a:solidFill>
-                          <a:latin typeface="Adobe Clean"/>
-                          <a:cs typeface="Adobe Clean"/>
-                        </a:rPr>
-                        <a:t>Support</a:t>
-                      </a:r>
-                      <a:endParaRPr sz="900" spc="0" dirty="0">
-                        <a:latin typeface="Adobe Clean"/>
-                        <a:cs typeface="Adobe Clean"/>
-                      </a:endParaRPr>
                     </a:p>
                   </a:txBody>
                   <a:tcPr marL="0" marR="0" marT="7620" marB="0" anchor="ctr">
@@ -2299,17 +2235,14 @@
                         </a:spcBef>
                       </a:pPr>
                       <a:r>
-                        <a:rPr lang="en-US" sz="900" spc="0" dirty="0">
+                        <a:rPr lang="fr-FR" sz="900">
                           <a:solidFill>
                             <a:srgbClr val="FFFFFF"/>
                           </a:solidFill>
                           <a:latin typeface="Adobe Clean"/>
                         </a:rPr>
-                        <a:t>Enterprise Support</a:t>
+                        <a:t>Assistance aux entreprises</a:t>
                       </a:r>
-                      <a:endParaRPr sz="900" spc="0" dirty="0">
-                        <a:latin typeface="Adobe Clean"/>
-                      </a:endParaRPr>
                     </a:p>
                   </a:txBody>
                   <a:tcPr marL="0" marR="0" marT="7620" marB="0" anchor="ctr">
@@ -2350,18 +2283,15 @@
                         </a:spcBef>
                       </a:pPr>
                       <a:r>
-                        <a:rPr lang="en-US" sz="900" spc="0" dirty="0">
+                        <a:rPr lang="fr-FR" sz="900">
                           <a:solidFill>
                             <a:srgbClr val="FFFFFF"/>
                           </a:solidFill>
                           <a:latin typeface="Adobe Clean"/>
                           <a:cs typeface="Adobe Clean"/>
                         </a:rPr>
-                        <a:t>Elite Support</a:t>
+                        <a:t>Assistance Elite</a:t>
                       </a:r>
-                      <a:endParaRPr sz="900" spc="0" dirty="0">
-                        <a:latin typeface="Adobe Clean"/>
-                      </a:endParaRPr>
                     </a:p>
                   </a:txBody>
                   <a:tcPr marL="0" marR="0" marT="7620" marB="0" anchor="ctr">
@@ -2426,7 +2356,7 @@
                     <a:bodyPr/>
                     <a:lstStyle/>
                     <a:p>
-                      <a:pPr marL="255904" marR="248920" indent="-25400">
+                      <a:pPr marL="255904" marR="248920" indent="-25400" algn="l" rtl="0">
                         <a:lnSpc>
                           <a:spcPct val="100000"/>
                         </a:lnSpc>
@@ -2471,7 +2401,7 @@
                     <a:bodyPr/>
                     <a:lstStyle/>
                     <a:p>
-                      <a:pPr marL="934085">
+                      <a:pPr marL="934085" algn="l" rtl="0">
                         <a:lnSpc>
                           <a:spcPct val="100000"/>
                         </a:lnSpc>
@@ -2549,22 +2479,15 @@
                         </a:spcBef>
                       </a:pPr>
                       <a:r>
-                        <a:rPr lang="en-US" sz="1000" b="1" i="0" spc="0" dirty="0">
+                        <a:rPr lang="fr-FR" sz="1000" b="1" i="0">
                           <a:solidFill>
                             <a:schemeClr val="bg1"/>
                           </a:solidFill>
                           <a:latin typeface="Adobe Clean" panose="020B0503020404020204" pitchFamily="34" charset="0"/>
                           <a:cs typeface="AdobeClean-Light"/>
                         </a:rPr>
-                        <a:t>Assigned Experts</a:t>
+                        <a:t>Experts assignés</a:t>
                       </a:r>
-                      <a:endParaRPr sz="1000" b="1" i="0" spc="0" dirty="0">
-                        <a:solidFill>
-                          <a:schemeClr val="bg1"/>
-                        </a:solidFill>
-                        <a:latin typeface="Adobe Clean" panose="020B0503020404020204" pitchFamily="34" charset="0"/>
-                        <a:cs typeface="AdobeClean-Light"/>
-                      </a:endParaRPr>
                     </a:p>
                   </a:txBody>
                   <a:tcPr marL="0" marR="0" marT="58419" marB="0" anchor="ctr">
@@ -2611,19 +2534,15 @@
                         </a:spcBef>
                       </a:pPr>
                       <a:r>
-                        <a:rPr sz="900" spc="0" dirty="0">
+                        <a:rPr lang="fr-FR" sz="800" dirty="0">
                           <a:solidFill>
                             <a:srgbClr val="020302"/>
                           </a:solidFill>
                           <a:latin typeface="AdobeClean-Light"/>
                           <a:cs typeface="AdobeClean-Light"/>
                         </a:rPr>
-                        <a:t>Account Support Lead</a:t>
+                        <a:t>Assistance principale du compte</a:t>
                       </a:r>
-                      <a:endParaRPr sz="900" spc="0" dirty="0">
-                        <a:latin typeface="AdobeClean-Light"/>
-                        <a:cs typeface="AdobeClean-Light"/>
-                      </a:endParaRPr>
                     </a:p>
                   </a:txBody>
                   <a:tcPr marL="0" marR="0" marT="58419" marB="0">
@@ -2652,7 +2571,7 @@
                     <a:bodyPr/>
                     <a:lstStyle/>
                     <a:p>
-                      <a:pPr>
+                      <a:pPr algn="l" rtl="0">
                         <a:lnSpc>
                           <a:spcPct val="100000"/>
                         </a:lnSpc>
@@ -2688,7 +2607,7 @@
                     <a:bodyPr/>
                     <a:lstStyle/>
                     <a:p>
-                      <a:pPr algn="ctr">
+                      <a:pPr algn="l" rtl="0">
                         <a:lnSpc>
                           <a:spcPct val="100000"/>
                         </a:lnSpc>
@@ -2716,7 +2635,7 @@
                     <a:bodyPr/>
                     <a:lstStyle/>
                     <a:p>
-                      <a:pPr algn="ctr">
+                      <a:pPr algn="l" rtl="0">
                         <a:lnSpc>
                           <a:spcPct val="100000"/>
                         </a:lnSpc>
@@ -2760,7 +2679,7 @@
                     <a:bodyPr/>
                     <a:lstStyle/>
                     <a:p>
-                      <a:pPr marL="50800">
+                      <a:pPr marL="50800" algn="l" rtl="0">
                         <a:lnSpc>
                           <a:spcPct val="100000"/>
                         </a:lnSpc>
@@ -2806,19 +2725,15 @@
                         </a:spcBef>
                       </a:pPr>
                       <a:r>
-                        <a:rPr sz="900" spc="0" dirty="0">
+                        <a:rPr lang="fr-FR" sz="800">
                           <a:solidFill>
                             <a:srgbClr val="020302"/>
                           </a:solidFill>
                           <a:latin typeface="AdobeClean-Light"/>
                           <a:cs typeface="AdobeClean-Light"/>
                         </a:rPr>
-                        <a:t>Named Support Engineer</a:t>
+                        <a:t>Ingénieur d’assistance nommé</a:t>
                       </a:r>
-                      <a:endParaRPr sz="900" spc="0" dirty="0">
-                        <a:latin typeface="AdobeClean-Light"/>
-                        <a:cs typeface="AdobeClean-Light"/>
-                      </a:endParaRPr>
                     </a:p>
                   </a:txBody>
                   <a:tcPr marL="0" marR="0" marT="58419" marB="0">
@@ -2841,7 +2756,7 @@
                     <a:bodyPr/>
                     <a:lstStyle/>
                     <a:p>
-                      <a:pPr>
+                      <a:pPr algn="l" rtl="0">
                         <a:lnSpc>
                           <a:spcPct val="100000"/>
                         </a:lnSpc>
@@ -2880,7 +2795,7 @@
                         </a:spcBef>
                       </a:pPr>
                       <a:r>
-                        <a:rPr sz="900" spc="0" dirty="0">
+                        <a:rPr lang="fr-FR" sz="900">
                           <a:solidFill>
                             <a:srgbClr val="020302"/>
                           </a:solidFill>
@@ -2888,9 +2803,6 @@
                         </a:rPr>
                         <a:t></a:t>
                       </a:r>
-                      <a:endParaRPr sz="900" spc="0" dirty="0">
-                        <a:latin typeface="Wingdings"/>
-                      </a:endParaRPr>
                     </a:p>
                   </a:txBody>
                   <a:tcPr marL="0" marR="0" marT="0" marB="0"/>
@@ -2909,7 +2821,7 @@
                         </a:spcBef>
                       </a:pPr>
                       <a:r>
-                        <a:rPr lang="en-US" sz="900" spc="0">
+                        <a:rPr lang="fr-FR" sz="900">
                           <a:solidFill>
                             <a:srgbClr val="020302"/>
                           </a:solidFill>
@@ -2918,9 +2830,6 @@
                         </a:rPr>
                         <a:t></a:t>
                       </a:r>
-                      <a:endParaRPr sz="900" spc="0" dirty="0">
-                        <a:latin typeface="Wingdings"/>
-                      </a:endParaRPr>
                     </a:p>
                   </a:txBody>
                   <a:tcPr marL="0" marR="0" marT="59055" marB="0">
@@ -2944,7 +2853,7 @@
                     <a:bodyPr/>
                     <a:lstStyle/>
                     <a:p>
-                      <a:pPr marL="50800">
+                      <a:pPr marL="50800" algn="l" rtl="0">
                         <a:lnSpc>
                           <a:spcPct val="100000"/>
                         </a:lnSpc>
@@ -3002,19 +2911,15 @@
                         </a:spcBef>
                       </a:pPr>
                       <a:r>
-                        <a:rPr sz="900" spc="0" dirty="0">
+                        <a:rPr lang="fr-FR" sz="800" dirty="0">
                           <a:solidFill>
                             <a:srgbClr val="020302"/>
                           </a:solidFill>
                           <a:latin typeface="AdobeClean-Light"/>
                           <a:cs typeface="AdobeClean-Light"/>
                         </a:rPr>
-                        <a:t>Technical Account Manager</a:t>
+                        <a:t>Gestionnaire de compte technique</a:t>
                       </a:r>
-                      <a:endParaRPr sz="900" spc="0" dirty="0">
-                        <a:latin typeface="AdobeClean-Light"/>
-                        <a:cs typeface="AdobeClean-Light"/>
-                      </a:endParaRPr>
                     </a:p>
                   </a:txBody>
                   <a:tcPr marL="0" marR="0" marT="63500" marB="0">
@@ -3043,7 +2948,7 @@
                     <a:bodyPr/>
                     <a:lstStyle/>
                     <a:p>
-                      <a:pPr>
+                      <a:pPr algn="l" rtl="0">
                         <a:lnSpc>
                           <a:spcPct val="100000"/>
                         </a:lnSpc>
@@ -3079,7 +2984,7 @@
                     <a:bodyPr/>
                     <a:lstStyle/>
                     <a:p>
-                      <a:pPr>
+                      <a:pPr algn="l" rtl="0">
                         <a:lnSpc>
                           <a:spcPct val="100000"/>
                         </a:lnSpc>
@@ -3110,7 +3015,7 @@
                         </a:lnSpc>
                       </a:pPr>
                       <a:r>
-                        <a:rPr lang="en-US" sz="900" spc="0">
+                        <a:rPr lang="fr-FR" sz="900">
                           <a:solidFill>
                             <a:srgbClr val="020302"/>
                           </a:solidFill>
@@ -3119,10 +3024,6 @@
                         </a:rPr>
                         <a:t></a:t>
                       </a:r>
-                      <a:endParaRPr sz="900" spc="0" dirty="0">
-                        <a:latin typeface="Times New Roman"/>
-                        <a:cs typeface="Times New Roman"/>
-                      </a:endParaRPr>
                     </a:p>
                   </a:txBody>
                   <a:tcPr marL="0" marR="0" marT="64135" marB="0">
@@ -3164,22 +3065,15 @@
                         </a:spcBef>
                       </a:pPr>
                       <a:r>
-                        <a:rPr lang="en-US" sz="1000" b="1" i="0" spc="0" dirty="0">
+                        <a:rPr lang="fr-FR" sz="1000" b="1" i="0" dirty="0">
                           <a:solidFill>
                             <a:schemeClr val="bg1"/>
                           </a:solidFill>
                           <a:latin typeface="Adobe Clean" panose="020B0503020404020204" pitchFamily="34" charset="0"/>
                           <a:cs typeface="AdobeClean-Light"/>
                         </a:rPr>
-                        <a:t>Support Services</a:t>
+                        <a:t>Services d’assistance</a:t>
                       </a:r>
-                      <a:endParaRPr sz="1000" b="1" i="0" spc="0" dirty="0">
-                        <a:solidFill>
-                          <a:schemeClr val="bg1"/>
-                        </a:solidFill>
-                        <a:latin typeface="Adobe Clean" panose="020B0503020404020204" pitchFamily="34" charset="0"/>
-                        <a:cs typeface="AdobeClean-Light"/>
-                      </a:endParaRPr>
                     </a:p>
                   </a:txBody>
                   <a:tcPr marL="0" marR="0" marT="57150" marB="0" anchor="ctr">
@@ -3235,29 +3129,15 @@
                         </a:spcBef>
                       </a:pPr>
                       <a:r>
-                        <a:rPr lang="en-US" sz="900" spc="0" dirty="0">
+                        <a:rPr lang="fr-FR" sz="800">
                           <a:solidFill>
                             <a:srgbClr val="020302"/>
                           </a:solidFill>
                           <a:latin typeface="AdobeClean-Light"/>
                           <a:cs typeface="AdobeClean-Light"/>
                         </a:rPr>
-                        <a:t>Online </a:t>
+                        <a:t>Assistance en ligne</a:t>
                       </a:r>
-                      <a:r>
-                        <a:rPr sz="900" spc="0" dirty="0">
-                          <a:solidFill>
-                            <a:srgbClr val="020302"/>
-                          </a:solidFill>
-                          <a:latin typeface="AdobeClean-Light"/>
-                          <a:cs typeface="AdobeClean-Light"/>
-                        </a:rPr>
-                        <a:t> Support</a:t>
-                      </a:r>
-                      <a:endParaRPr sz="900" spc="0" dirty="0">
-                        <a:latin typeface="AdobeClean-Light"/>
-                        <a:cs typeface="AdobeClean-Light"/>
-                      </a:endParaRPr>
                     </a:p>
                   </a:txBody>
                   <a:tcPr marL="0" marR="0" marT="57150" marB="0">
@@ -3295,19 +3175,15 @@
                         </a:spcBef>
                       </a:pPr>
                       <a:r>
-                        <a:rPr sz="800" spc="0" dirty="0">
+                        <a:rPr lang="fr-FR" sz="800" dirty="0">
                           <a:solidFill>
                             <a:srgbClr val="020302"/>
                           </a:solidFill>
                           <a:latin typeface="AdobeClean-Light"/>
                           <a:cs typeface="AdobeClean-Light"/>
                         </a:rPr>
-                        <a:t>Business hours</a:t>
+                        <a:t>Heures d’ouverture</a:t>
                       </a:r>
-                      <a:endParaRPr sz="800" spc="0" dirty="0">
-                        <a:latin typeface="AdobeClean-Light"/>
-                        <a:cs typeface="AdobeClean-Light"/>
-                      </a:endParaRPr>
                     </a:p>
                   </a:txBody>
                   <a:tcPr marL="0" marR="0" marT="67945" marB="0">
@@ -3344,7 +3220,7 @@
                         </a:spcBef>
                       </a:pPr>
                       <a:r>
-                        <a:rPr sz="800" spc="0" dirty="0">
+                        <a:rPr lang="fr-FR" sz="800">
                           <a:solidFill>
                             <a:srgbClr val="020302"/>
                           </a:solidFill>
@@ -3352,9 +3228,6 @@
                         </a:rPr>
                         <a:t>24X5</a:t>
                       </a:r>
-                      <a:endParaRPr sz="800" spc="0" dirty="0">
-                        <a:latin typeface="AdobeClean-Light"/>
-                      </a:endParaRPr>
                     </a:p>
                   </a:txBody>
                   <a:tcPr marL="0" marR="0" marT="67945" marB="0">
@@ -3380,7 +3253,7 @@
                         </a:spcBef>
                       </a:pPr>
                       <a:r>
-                        <a:rPr lang="en-US" sz="800" spc="0">
+                        <a:rPr lang="fr-FR" sz="800">
                           <a:solidFill>
                             <a:srgbClr val="020302"/>
                           </a:solidFill>
@@ -3389,9 +3262,6 @@
                         </a:rPr>
                         <a:t>24X5</a:t>
                       </a:r>
-                      <a:endParaRPr sz="800" spc="0" dirty="0">
-                        <a:latin typeface="AdobeClean-Light"/>
-                      </a:endParaRPr>
                     </a:p>
                   </a:txBody>
                   <a:tcPr marL="0" marR="0" marT="67945" marB="0">
@@ -3424,7 +3294,7 @@
                     <a:bodyPr/>
                     <a:lstStyle/>
                     <a:p>
-                      <a:pPr marL="50800">
+                      <a:pPr marL="50800" algn="l" rtl="0">
                         <a:lnSpc>
                           <a:spcPct val="100000"/>
                         </a:lnSpc>
@@ -3473,39 +3343,15 @@
                         </a:spcBef>
                       </a:pPr>
                       <a:r>
-                        <a:rPr sz="900" spc="0" dirty="0">
+                        <a:rPr lang="fr-FR" sz="800">
                           <a:solidFill>
                             <a:srgbClr val="020302"/>
                           </a:solidFill>
                           <a:latin typeface="AdobeClean-Light"/>
                           <a:cs typeface="AdobeClean-Light"/>
                         </a:rPr>
-                        <a:t>24x7</a:t>
+                        <a:t>Assistance en cas de problèmes P1 24x7x365</a:t>
                       </a:r>
-                      <a:r>
-                        <a:rPr lang="en-US" sz="900" spc="0" dirty="0">
-                          <a:solidFill>
-                            <a:srgbClr val="020302"/>
-                          </a:solidFill>
-                          <a:latin typeface="AdobeClean-Light"/>
-                          <a:cs typeface="AdobeClean-Light"/>
-                        </a:rPr>
-                        <a:t>x365</a:t>
-                      </a:r>
-                      <a:r>
-                        <a:rPr sz="900" spc="0" dirty="0">
-                          <a:solidFill>
-                            <a:srgbClr val="020302"/>
-                          </a:solidFill>
-                          <a:latin typeface="AdobeClean-Light"/>
-                          <a:cs typeface="AdobeClean-Light"/>
-                        </a:rPr>
-                        <a:t> P1 Issue Support</a:t>
-                      </a:r>
-                      <a:endParaRPr sz="900" spc="0" dirty="0">
-                        <a:latin typeface="AdobeClean-Light"/>
-                        <a:cs typeface="AdobeClean-Light"/>
-                      </a:endParaRPr>
                     </a:p>
                   </a:txBody>
                   <a:tcPr marL="0" marR="0" marT="57785" marB="0">
@@ -3537,7 +3383,7 @@
                         </a:spcBef>
                       </a:pPr>
                       <a:r>
-                        <a:rPr sz="900" spc="0" dirty="0">
+                        <a:rPr lang="fr-FR" sz="900">
                           <a:solidFill>
                             <a:srgbClr val="020302"/>
                           </a:solidFill>
@@ -3546,10 +3392,6 @@
                         </a:rPr>
                         <a:t></a:t>
                       </a:r>
-                      <a:endParaRPr sz="900" spc="0">
-                        <a:latin typeface="Wingdings"/>
-                        <a:cs typeface="Wingdings"/>
-                      </a:endParaRPr>
                     </a:p>
                   </a:txBody>
                   <a:tcPr marL="0" marR="0" marT="58419" marB="0">
@@ -3580,7 +3422,7 @@
                         </a:spcBef>
                       </a:pPr>
                       <a:r>
-                        <a:rPr sz="900" spc="0" dirty="0">
+                        <a:rPr lang="fr-FR" sz="900">
                           <a:solidFill>
                             <a:srgbClr val="020302"/>
                           </a:solidFill>
@@ -3588,9 +3430,6 @@
                         </a:rPr>
                         <a:t></a:t>
                       </a:r>
-                      <a:endParaRPr sz="900" spc="0" dirty="0">
-                        <a:latin typeface="Wingdings"/>
-                      </a:endParaRPr>
                     </a:p>
                   </a:txBody>
                   <a:tcPr marL="0" marR="0" marT="58419" marB="0"/>
@@ -3609,7 +3448,7 @@
                         </a:spcBef>
                       </a:pPr>
                       <a:r>
-                        <a:rPr lang="en-US" sz="900" spc="0">
+                        <a:rPr lang="fr-FR" sz="900">
                           <a:solidFill>
                             <a:srgbClr val="020302"/>
                           </a:solidFill>
@@ -3618,9 +3457,6 @@
                         </a:rPr>
                         <a:t></a:t>
                       </a:r>
-                      <a:endParaRPr sz="900" spc="0" dirty="0">
-                        <a:latin typeface="Wingdings"/>
-                      </a:endParaRPr>
                     </a:p>
                   </a:txBody>
                   <a:tcPr marL="0" marR="0" marT="58419" marB="0">
@@ -3644,7 +3480,7 @@
                     <a:bodyPr/>
                     <a:lstStyle/>
                     <a:p>
-                      <a:pPr marL="50800">
+                      <a:pPr marL="50800" algn="l" rtl="0">
                         <a:lnSpc>
                           <a:spcPct val="100000"/>
                         </a:lnSpc>
@@ -3693,19 +3529,15 @@
                         </a:spcBef>
                       </a:pPr>
                       <a:r>
-                        <a:rPr lang="en-US" sz="900" spc="0" dirty="0">
+                        <a:rPr lang="fr-FR" sz="800">
                           <a:solidFill>
                             <a:srgbClr val="020302"/>
                           </a:solidFill>
                           <a:latin typeface="AdobeClean-Light"/>
                           <a:cs typeface="AdobeClean-Light"/>
                         </a:rPr>
-                        <a:t>Named Support Contacts (per product)</a:t>
+                        <a:t>Contacts d’assistance nommés (par produit)</a:t>
                       </a:r>
-                      <a:endParaRPr sz="900" spc="0" dirty="0">
-                        <a:latin typeface="AdobeClean-Light"/>
-                        <a:cs typeface="AdobeClean-Light"/>
-                      </a:endParaRPr>
                     </a:p>
                   </a:txBody>
                   <a:tcPr marL="0" marR="0" marT="57785" marB="0">
@@ -3737,7 +3569,7 @@
                         </a:spcBef>
                       </a:pPr>
                       <a:r>
-                        <a:rPr sz="900" spc="0" dirty="0">
+                        <a:rPr lang="fr-FR" sz="900">
                           <a:solidFill>
                             <a:srgbClr val="020302"/>
                           </a:solidFill>
@@ -3746,10 +3578,6 @@
                         </a:rPr>
                         <a:t>4</a:t>
                       </a:r>
-                      <a:endParaRPr sz="900" spc="0" dirty="0">
-                        <a:latin typeface="AdobeClean-Light"/>
-                        <a:cs typeface="AdobeClean-Light"/>
-                      </a:endParaRPr>
                     </a:p>
                   </a:txBody>
                   <a:tcPr marL="0" marR="0" marT="57785" marB="0">
@@ -3780,7 +3608,7 @@
                         </a:spcBef>
                       </a:pPr>
                       <a:r>
-                        <a:rPr sz="900" spc="0" dirty="0">
+                        <a:rPr lang="fr-FR" sz="900">
                           <a:solidFill>
                             <a:srgbClr val="020302"/>
                           </a:solidFill>
@@ -3788,9 +3616,6 @@
                         </a:rPr>
                         <a:t>10</a:t>
                       </a:r>
-                      <a:endParaRPr sz="900" spc="0" dirty="0">
-                        <a:latin typeface="AdobeClean-Light"/>
-                      </a:endParaRPr>
                     </a:p>
                   </a:txBody>
                   <a:tcPr marL="0" marR="0" marT="57785" marB="0"/>
@@ -3809,7 +3634,7 @@
                         </a:spcBef>
                       </a:pPr>
                       <a:r>
-                        <a:rPr lang="en-US" sz="900" spc="0">
+                        <a:rPr lang="fr-FR" sz="900">
                           <a:solidFill>
                             <a:srgbClr val="020302"/>
                           </a:solidFill>
@@ -3818,9 +3643,6 @@
                         </a:rPr>
                         <a:t>15</a:t>
                       </a:r>
-                      <a:endParaRPr sz="900" spc="0" dirty="0">
-                        <a:latin typeface="AdobeClean-Light"/>
-                      </a:endParaRPr>
                     </a:p>
                   </a:txBody>
                   <a:tcPr marL="0" marR="0" marT="57785" marB="0">
@@ -3844,7 +3666,7 @@
                     <a:bodyPr/>
                     <a:lstStyle/>
                     <a:p>
-                      <a:pPr marL="50800">
+                      <a:pPr marL="50800" algn="l" rtl="0">
                         <a:lnSpc>
                           <a:spcPct val="100000"/>
                         </a:lnSpc>
@@ -3893,19 +3715,15 @@
                         </a:spcBef>
                       </a:pPr>
                       <a:r>
-                        <a:rPr lang="en-US" sz="900" spc="0" dirty="0">
+                        <a:rPr lang="fr-FR" sz="800" dirty="0">
                           <a:solidFill>
                             <a:srgbClr val="020302"/>
                           </a:solidFill>
                           <a:latin typeface="AdobeClean-Light"/>
                           <a:cs typeface="AdobeClean-Light"/>
                         </a:rPr>
-                        <a:t>Live Telephone Support</a:t>
+                        <a:t>Assistance téléphonique en direct</a:t>
                       </a:r>
-                      <a:endParaRPr sz="900" spc="0" dirty="0">
-                        <a:latin typeface="AdobeClean-Light"/>
-                        <a:cs typeface="AdobeClean-Light"/>
-                      </a:endParaRPr>
                     </a:p>
                   </a:txBody>
                   <a:tcPr marL="0" marR="0" marT="57785" marB="0">
@@ -3928,7 +3746,7 @@
                     <a:bodyPr/>
                     <a:lstStyle/>
                     <a:p>
-                      <a:pPr>
+                      <a:pPr algn="l" rtl="0">
                         <a:lnSpc>
                           <a:spcPct val="100000"/>
                         </a:lnSpc>
@@ -3967,7 +3785,7 @@
                         </a:spcBef>
                       </a:pPr>
                       <a:r>
-                        <a:rPr sz="900" spc="0" dirty="0">
+                        <a:rPr lang="fr-FR" sz="900">
                           <a:solidFill>
                             <a:srgbClr val="020302"/>
                           </a:solidFill>
@@ -3975,9 +3793,6 @@
                         </a:rPr>
                         <a:t></a:t>
                       </a:r>
-                      <a:endParaRPr sz="900" spc="0" dirty="0">
-                        <a:latin typeface="Wingdings"/>
-                      </a:endParaRPr>
                     </a:p>
                   </a:txBody>
                   <a:tcPr marL="0" marR="0" marT="59054" marB="0"/>
@@ -3996,7 +3811,7 @@
                         </a:spcBef>
                       </a:pPr>
                       <a:r>
-                        <a:rPr lang="en-US" sz="900" spc="0">
+                        <a:rPr lang="fr-FR" sz="900">
                           <a:solidFill>
                             <a:srgbClr val="020302"/>
                           </a:solidFill>
@@ -4005,9 +3820,6 @@
                         </a:rPr>
                         <a:t></a:t>
                       </a:r>
-                      <a:endParaRPr sz="900" spc="0" dirty="0">
-                        <a:latin typeface="Wingdings"/>
-                      </a:endParaRPr>
                     </a:p>
                   </a:txBody>
                   <a:tcPr marL="0" marR="0" marT="59054" marB="0">
@@ -4031,7 +3843,7 @@
                     <a:bodyPr/>
                     <a:lstStyle/>
                     <a:p>
-                      <a:pPr marL="50800">
+                      <a:pPr marL="50800" algn="l" rtl="0">
                         <a:lnSpc>
                           <a:spcPct val="100000"/>
                         </a:lnSpc>
@@ -4080,19 +3892,15 @@
                         </a:spcBef>
                       </a:pPr>
                       <a:r>
-                        <a:rPr sz="900" spc="0" dirty="0">
+                        <a:rPr lang="fr-FR" sz="800">
                           <a:solidFill>
                             <a:srgbClr val="020302"/>
                           </a:solidFill>
                           <a:latin typeface="AdobeClean-Light"/>
                           <a:cs typeface="AdobeClean-Light"/>
                         </a:rPr>
-                        <a:t>Escalation Management</a:t>
+                        <a:t>Gestion des remontées d’informations</a:t>
                       </a:r>
-                      <a:endParaRPr sz="900" spc="0" dirty="0">
-                        <a:latin typeface="AdobeClean-Light"/>
-                        <a:cs typeface="AdobeClean-Light"/>
-                      </a:endParaRPr>
                     </a:p>
                   </a:txBody>
                   <a:tcPr marL="0" marR="0" marT="58419" marB="0">
@@ -4115,7 +3923,7 @@
                     <a:bodyPr/>
                     <a:lstStyle/>
                     <a:p>
-                      <a:pPr>
+                      <a:pPr algn="l" rtl="0">
                         <a:lnSpc>
                           <a:spcPct val="100000"/>
                         </a:lnSpc>
@@ -4154,7 +3962,7 @@
                         </a:spcBef>
                       </a:pPr>
                       <a:r>
-                        <a:rPr sz="900" spc="0" dirty="0">
+                        <a:rPr lang="fr-FR" sz="900">
                           <a:solidFill>
                             <a:srgbClr val="020302"/>
                           </a:solidFill>
@@ -4162,9 +3970,6 @@
                         </a:rPr>
                         <a:t></a:t>
                       </a:r>
-                      <a:endParaRPr sz="900" spc="0" dirty="0">
-                        <a:latin typeface="Wingdings"/>
-                      </a:endParaRPr>
                     </a:p>
                   </a:txBody>
                   <a:tcPr marL="0" marR="0" marT="59690" marB="0"/>
@@ -4183,7 +3988,7 @@
                         </a:spcBef>
                       </a:pPr>
                       <a:r>
-                        <a:rPr lang="en-US" sz="900" spc="0">
+                        <a:rPr lang="fr-FR" sz="900">
                           <a:solidFill>
                             <a:srgbClr val="020302"/>
                           </a:solidFill>
@@ -4192,9 +3997,6 @@
                         </a:rPr>
                         <a:t></a:t>
                       </a:r>
-                      <a:endParaRPr sz="900" spc="0" dirty="0">
-                        <a:latin typeface="Wingdings"/>
-                      </a:endParaRPr>
                     </a:p>
                   </a:txBody>
                   <a:tcPr marL="0" marR="0" marT="59690" marB="0">
@@ -4218,7 +4020,7 @@
                     <a:bodyPr/>
                     <a:lstStyle/>
                     <a:p>
-                      <a:pPr marL="50800">
+                      <a:pPr marL="50800" algn="l" rtl="0">
                         <a:lnSpc>
                           <a:spcPct val="100000"/>
                         </a:lnSpc>
@@ -4267,19 +4069,15 @@
                         </a:spcBef>
                       </a:pPr>
                       <a:r>
-                        <a:rPr sz="900" spc="0" dirty="0">
+                        <a:rPr lang="fr-FR" sz="800">
                           <a:solidFill>
                             <a:srgbClr val="020302"/>
                           </a:solidFill>
                           <a:latin typeface="AdobeClean-Light"/>
                           <a:cs typeface="AdobeClean-Light"/>
                         </a:rPr>
-                        <a:t>Service Reviews  per Year</a:t>
+                        <a:t>Examens de service par an</a:t>
                       </a:r>
-                      <a:endParaRPr sz="900" spc="0" dirty="0">
-                        <a:latin typeface="AdobeClean-Light"/>
-                        <a:cs typeface="AdobeClean-Light"/>
-                      </a:endParaRPr>
                     </a:p>
                   </a:txBody>
                   <a:tcPr marL="0" marR="0" marT="57150" marB="0">
@@ -4302,7 +4100,7 @@
                     <a:bodyPr/>
                     <a:lstStyle/>
                     <a:p>
-                      <a:pPr>
+                      <a:pPr algn="l" rtl="0">
                         <a:lnSpc>
                           <a:spcPct val="100000"/>
                         </a:lnSpc>
@@ -4341,7 +4139,7 @@
                         </a:spcBef>
                       </a:pPr>
                       <a:r>
-                        <a:rPr sz="900" spc="0" dirty="0">
+                        <a:rPr lang="fr-FR" sz="900">
                           <a:solidFill>
                             <a:srgbClr val="020302"/>
                           </a:solidFill>
@@ -4349,9 +4147,6 @@
                         </a:rPr>
                         <a:t>2</a:t>
                       </a:r>
-                      <a:endParaRPr sz="900" spc="0" dirty="0">
-                        <a:latin typeface="AdobeClean-Light"/>
-                      </a:endParaRPr>
                     </a:p>
                   </a:txBody>
                   <a:tcPr marL="0" marR="0" marT="0" marB="0"/>
@@ -4370,7 +4165,7 @@
                         </a:spcBef>
                       </a:pPr>
                       <a:r>
-                        <a:rPr lang="en-US" sz="900" spc="0">
+                        <a:rPr lang="fr-FR" sz="900">
                           <a:solidFill>
                             <a:srgbClr val="020302"/>
                           </a:solidFill>
@@ -4379,9 +4174,6 @@
                         </a:rPr>
                         <a:t>4</a:t>
                       </a:r>
-                      <a:endParaRPr sz="900" spc="0" dirty="0">
-                        <a:latin typeface="AdobeClean-Light"/>
-                      </a:endParaRPr>
                     </a:p>
                   </a:txBody>
                   <a:tcPr marL="0" marR="0" marT="57150" marB="0">
@@ -4424,16 +4216,12 @@
                         </a:spcBef>
                       </a:pPr>
                       <a:r>
-                        <a:rPr lang="en-US" sz="900" spc="0" dirty="0">
+                        <a:rPr lang="fr-FR" sz="800" dirty="0">
                           <a:latin typeface="AdobeClean-Light"/>
                           <a:cs typeface="AdobeClean-Light"/>
                         </a:rPr>
-                        <a:t>Expert Sessions per Year</a:t>
+                        <a:t>Sessions d’experts par an</a:t>
                       </a:r>
-                      <a:endParaRPr sz="900" spc="0" dirty="0">
-                        <a:latin typeface="AdobeClean-Light"/>
-                        <a:cs typeface="AdobeClean-Light"/>
-                      </a:endParaRPr>
                     </a:p>
                   </a:txBody>
                   <a:tcPr marL="0" marR="0" marT="57150" marB="0">
@@ -4462,7 +4250,7 @@
                     <a:bodyPr/>
                     <a:lstStyle/>
                     <a:p>
-                      <a:pPr>
+                      <a:pPr algn="l" rtl="0">
                         <a:lnSpc>
                           <a:spcPct val="100000"/>
                         </a:lnSpc>
@@ -4504,14 +4292,11 @@
                         </a:spcBef>
                       </a:pPr>
                       <a:r>
-                        <a:rPr lang="en-US" sz="900" spc="0" dirty="0">
+                        <a:rPr lang="fr-FR" sz="900">
                           <a:latin typeface="AdobeClean-Light"/>
                         </a:rPr>
                         <a:t>2</a:t>
                       </a:r>
-                      <a:endParaRPr sz="900" spc="0" dirty="0">
-                        <a:latin typeface="AdobeClean-Light"/>
-                      </a:endParaRPr>
                     </a:p>
                   </a:txBody>
                   <a:tcPr marL="0" marR="0" marT="0" marB="0"/>
@@ -4530,15 +4315,12 @@
                         </a:spcBef>
                       </a:pPr>
                       <a:r>
-                        <a:rPr lang="en-US" sz="900" spc="0">
+                        <a:rPr lang="fr-FR" sz="900">
                           <a:latin typeface="AdobeClean-Light"/>
                           <a:cs typeface="AdobeClean-Light"/>
                         </a:rPr>
                         <a:t>4</a:t>
                       </a:r>
-                      <a:endParaRPr sz="900" spc="0" dirty="0">
-                        <a:latin typeface="AdobeClean-Light"/>
-                      </a:endParaRPr>
                     </a:p>
                   </a:txBody>
                   <a:tcPr marL="0" marR="0" marT="57150" marB="0">
@@ -4581,16 +4363,12 @@
                         </a:spcBef>
                       </a:pPr>
                       <a:r>
-                        <a:rPr lang="en-US" sz="900" spc="0" dirty="0">
+                        <a:rPr lang="fr-FR" sz="800">
                           <a:latin typeface="AdobeClean-Light"/>
                           <a:cs typeface="AdobeClean-Light"/>
                         </a:rPr>
-                        <a:t>Case Reviews</a:t>
+                        <a:t>Examens de cas</a:t>
                       </a:r>
-                      <a:endParaRPr sz="900" spc="0" dirty="0">
-                        <a:latin typeface="AdobeClean-Light"/>
-                        <a:cs typeface="AdobeClean-Light"/>
-                      </a:endParaRPr>
                     </a:p>
                   </a:txBody>
                   <a:tcPr marL="0" marR="0" marT="57150" marB="0">
@@ -4619,7 +4397,7 @@
                     <a:bodyPr/>
                     <a:lstStyle/>
                     <a:p>
-                      <a:pPr>
+                      <a:pPr algn="l" rtl="0">
                         <a:lnSpc>
                           <a:spcPct val="100000"/>
                         </a:lnSpc>
@@ -4670,7 +4448,7 @@
                         <a:defRPr/>
                       </a:pPr>
                       <a:r>
-                        <a:rPr lang="en-US" sz="900" spc="0" dirty="0">
+                        <a:rPr lang="fr-FR" sz="900">
                           <a:solidFill>
                             <a:srgbClr val="020302"/>
                           </a:solidFill>
@@ -4678,9 +4456,6 @@
                         </a:rPr>
                         <a:t></a:t>
                       </a:r>
-                      <a:endParaRPr lang="en-US" sz="900" spc="0" dirty="0">
-                        <a:latin typeface="Wingdings"/>
-                      </a:endParaRPr>
                     </a:p>
                   </a:txBody>
                   <a:tcPr marL="0" marR="0" marT="0" marB="0"/>
@@ -4708,7 +4483,7 @@
                         <a:defRPr/>
                       </a:pPr>
                       <a:r>
-                        <a:rPr lang="en-US" sz="900" spc="0">
+                        <a:rPr lang="fr-FR" sz="900">
                           <a:solidFill>
                             <a:srgbClr val="020302"/>
                           </a:solidFill>
@@ -4717,9 +4492,6 @@
                         </a:rPr>
                         <a:t></a:t>
                       </a:r>
-                      <a:endParaRPr lang="en-US" sz="900" spc="0" dirty="0">
-                        <a:latin typeface="Wingdings"/>
-                      </a:endParaRPr>
                     </a:p>
                   </a:txBody>
                   <a:tcPr marL="0" marR="0" marT="57150" marB="0">
@@ -4743,7 +4515,7 @@
                     <a:bodyPr/>
                     <a:lstStyle/>
                     <a:p>
-                      <a:pPr marL="48895">
+                      <a:pPr marL="48895" algn="l" rtl="0">
                         <a:lnSpc>
                           <a:spcPct val="100000"/>
                         </a:lnSpc>
@@ -4792,19 +4564,15 @@
                         </a:spcBef>
                       </a:pPr>
                       <a:r>
-                        <a:rPr sz="900" spc="0" dirty="0">
+                        <a:rPr lang="fr-FR" sz="800" dirty="0">
                           <a:solidFill>
                             <a:srgbClr val="020302"/>
                           </a:solidFill>
                           <a:latin typeface="AdobeClean-Light"/>
                           <a:cs typeface="AdobeClean-Light"/>
                         </a:rPr>
-                        <a:t>Event Management</a:t>
+                        <a:t>Gestion des événements</a:t>
                       </a:r>
-                      <a:endParaRPr sz="900" spc="0" dirty="0">
-                        <a:latin typeface="AdobeClean-Light"/>
-                        <a:cs typeface="AdobeClean-Light"/>
-                      </a:endParaRPr>
                     </a:p>
                   </a:txBody>
                   <a:tcPr marL="0" marR="0" marT="58419" marB="0">
@@ -4827,7 +4595,7 @@
                     <a:bodyPr/>
                     <a:lstStyle/>
                     <a:p>
-                      <a:pPr>
+                      <a:pPr algn="l" rtl="0">
                         <a:lnSpc>
                           <a:spcPct val="100000"/>
                         </a:lnSpc>
@@ -4857,7 +4625,7 @@
                     <a:bodyPr/>
                     <a:lstStyle/>
                     <a:p>
-                      <a:pPr>
+                      <a:pPr algn="l" rtl="0">
                         <a:lnSpc>
                           <a:spcPct val="100000"/>
                         </a:lnSpc>
@@ -4881,7 +4649,7 @@
                         </a:lnSpc>
                       </a:pPr>
                       <a:r>
-                        <a:rPr lang="en-US" sz="900" spc="0">
+                        <a:rPr lang="fr-FR" sz="900">
                           <a:solidFill>
                             <a:srgbClr val="020302"/>
                           </a:solidFill>
@@ -4890,10 +4658,6 @@
                         </a:rPr>
                         <a:t></a:t>
                       </a:r>
-                      <a:endParaRPr sz="900" spc="0" dirty="0">
-                        <a:latin typeface="Times New Roman"/>
-                        <a:cs typeface="Times New Roman"/>
-                      </a:endParaRPr>
                     </a:p>
                   </a:txBody>
                   <a:tcPr marL="0" marR="0" marT="59055" marB="0">
@@ -4917,7 +4681,7 @@
                     <a:bodyPr/>
                     <a:lstStyle/>
                     <a:p>
-                      <a:pPr marL="48895">
+                      <a:pPr marL="48895" algn="l" rtl="0">
                         <a:lnSpc>
                           <a:spcPct val="100000"/>
                         </a:lnSpc>
@@ -4975,34 +4739,14 @@
                         </a:spcBef>
                       </a:pPr>
                       <a:r>
-                        <a:rPr sz="900" spc="0" dirty="0">
+                        <a:rPr lang="fr-FR" sz="800">
                           <a:solidFill>
                             <a:srgbClr val="020302"/>
                           </a:solidFill>
                           <a:latin typeface="AdobeClean-Light"/>
                           <a:cs typeface="AdobeClean-Light"/>
                         </a:rPr>
-                        <a:t>Environment</a:t>
-                      </a:r>
-                      <a:r>
-                        <a:rPr lang="en-US" sz="900" spc="0" dirty="0">
-                          <a:solidFill>
-                            <a:srgbClr val="020302"/>
-                          </a:solidFill>
-                          <a:latin typeface="AdobeClean-Light"/>
-                          <a:cs typeface="AdobeClean-Light"/>
-                        </a:rPr>
-                        <a:t> </a:t>
-                      </a:r>
-                      <a:r>
-                        <a:rPr sz="900" spc="0" dirty="0">
-                          <a:solidFill>
-                            <a:srgbClr val="020302"/>
-                          </a:solidFill>
-                          <a:latin typeface="AdobeClean-Light"/>
-                          <a:cs typeface="AdobeClean-Light"/>
-                        </a:rPr>
-                        <a:t>Review, Maintenance &amp; Monitoring</a:t>
+                        <a:t>Examen, maintenance et surveillance de l’environnement</a:t>
                       </a:r>
                     </a:p>
                   </a:txBody>
@@ -5032,7 +4776,7 @@
                     <a:bodyPr/>
                     <a:lstStyle/>
                     <a:p>
-                      <a:pPr>
+                      <a:pPr algn="l" rtl="0">
                         <a:lnSpc>
                           <a:spcPct val="100000"/>
                         </a:lnSpc>
@@ -5065,7 +4809,7 @@
                     <a:bodyPr/>
                     <a:lstStyle/>
                     <a:p>
-                      <a:pPr>
+                      <a:pPr algn="l" rtl="0">
                         <a:lnSpc>
                           <a:spcPct val="100000"/>
                         </a:lnSpc>
@@ -5089,7 +4833,7 @@
                         </a:lnSpc>
                       </a:pPr>
                       <a:r>
-                        <a:rPr lang="en-US" sz="900" spc="0">
+                        <a:rPr lang="fr-FR" sz="900">
                           <a:solidFill>
                             <a:srgbClr val="020302"/>
                           </a:solidFill>
@@ -5098,10 +4842,6 @@
                         </a:rPr>
                         <a:t></a:t>
                       </a:r>
-                      <a:endParaRPr sz="900" spc="0" dirty="0">
-                        <a:latin typeface="Times New Roman"/>
-                        <a:cs typeface="Times New Roman"/>
-                      </a:endParaRPr>
                     </a:p>
                   </a:txBody>
                   <a:tcPr marL="0" marR="0" marT="60325" marB="0">
@@ -5125,7 +4865,7 @@
                     <a:bodyPr/>
                     <a:lstStyle/>
                     <a:p>
-                      <a:pPr marL="49530">
+                      <a:pPr marL="49530" algn="l" rtl="0">
                         <a:lnSpc>
                           <a:spcPct val="100000"/>
                         </a:lnSpc>
@@ -5174,19 +4914,15 @@
                         </a:spcBef>
                       </a:pPr>
                       <a:r>
-                        <a:rPr sz="900" spc="0" dirty="0">
+                        <a:rPr lang="fr-FR" sz="800" dirty="0">
                           <a:solidFill>
                             <a:srgbClr val="020302"/>
                           </a:solidFill>
                           <a:latin typeface="AdobeClean-Light"/>
                           <a:cs typeface="AdobeClean-Light"/>
                         </a:rPr>
-                        <a:t>Release, Migration, Upgrade &amp; Product Roadmap Review</a:t>
+                        <a:t>Version, migration, mise à niveau et examen de la feuille de route du produit</a:t>
                       </a:r>
-                      <a:endParaRPr sz="900" spc="0" dirty="0">
-                        <a:latin typeface="AdobeClean-Light"/>
-                        <a:cs typeface="AdobeClean-Light"/>
-                      </a:endParaRPr>
                     </a:p>
                   </a:txBody>
                   <a:tcPr marL="0" marR="0" marT="63500" marB="0">
@@ -5209,7 +4945,7 @@
                     <a:bodyPr/>
                     <a:lstStyle/>
                     <a:p>
-                      <a:pPr>
+                      <a:pPr algn="l" rtl="0">
                         <a:lnSpc>
                           <a:spcPct val="100000"/>
                         </a:lnSpc>
@@ -5239,7 +4975,7 @@
                     <a:bodyPr/>
                     <a:lstStyle/>
                     <a:p>
-                      <a:pPr>
+                      <a:pPr algn="l" rtl="0">
                         <a:lnSpc>
                           <a:spcPct val="100000"/>
                         </a:lnSpc>
@@ -5263,7 +4999,7 @@
                         </a:lnSpc>
                       </a:pPr>
                       <a:r>
-                        <a:rPr lang="en-US" sz="900" spc="0">
+                        <a:rPr lang="fr-FR" sz="900">
                           <a:solidFill>
                             <a:srgbClr val="020302"/>
                           </a:solidFill>
@@ -5272,10 +5008,6 @@
                         </a:rPr>
                         <a:t></a:t>
                       </a:r>
-                      <a:endParaRPr sz="900" spc="0" dirty="0">
-                        <a:latin typeface="Times New Roman"/>
-                        <a:cs typeface="Times New Roman"/>
-                      </a:endParaRPr>
                     </a:p>
                   </a:txBody>
                   <a:tcPr marL="0" marR="0" marT="64135" marB="0">
@@ -5299,7 +5031,7 @@
                     <a:bodyPr/>
                     <a:lstStyle/>
                     <a:p>
-                      <a:pPr marL="49530">
+                      <a:pPr marL="49530" algn="l" rtl="0">
                         <a:lnSpc>
                           <a:spcPct val="100000"/>
                         </a:lnSpc>
@@ -5357,11 +5089,25 @@
                         </a:spcBef>
                       </a:pPr>
                       <a:r>
-                        <a:rPr sz="900" spc="0" dirty="0">
+                        <a:rPr lang="fr-FR" sz="800" dirty="0">
                           <a:latin typeface="AdobeClean-Light"/>
                           <a:cs typeface="AdobeClean-Light"/>
                         </a:rPr>
-                        <a:t>Cloud Support Activities – Experience Manager as Cloud</a:t>
+                        <a:t>Activités d’assistance dans le Cloud - </a:t>
+                      </a:r>
+                      <a:r>
+                        <a:rPr lang="fr-FR" sz="800" dirty="0" err="1">
+                          <a:latin typeface="AdobeClean-Light"/>
+                          <a:cs typeface="AdobeClean-Light"/>
+                        </a:rPr>
+                        <a:t>Experience</a:t>
+                      </a:r>
+                      <a:r>
+                        <a:rPr lang="fr-FR" sz="800" dirty="0">
+                          <a:latin typeface="AdobeClean-Light"/>
+                          <a:cs typeface="AdobeClean-Light"/>
+                        </a:rPr>
+                        <a:t> Manager as Cloud</a:t>
                       </a:r>
                     </a:p>
                   </a:txBody>
@@ -5391,7 +5137,7 @@
                     <a:bodyPr/>
                     <a:lstStyle/>
                     <a:p>
-                      <a:pPr>
+                      <a:pPr algn="l" rtl="0">
                         <a:lnSpc>
                           <a:spcPct val="100000"/>
                         </a:lnSpc>
@@ -5436,7 +5182,7 @@
                         </a:spcBef>
                       </a:pPr>
                       <a:r>
-                        <a:rPr sz="900" spc="0" dirty="0">
+                        <a:rPr lang="fr-FR" sz="900">
                           <a:solidFill>
                             <a:srgbClr val="020302"/>
                           </a:solidFill>
@@ -5444,9 +5190,6 @@
                         </a:rPr>
                         <a:t></a:t>
                       </a:r>
-                      <a:endParaRPr sz="900" spc="0" dirty="0">
-                        <a:latin typeface="Wingdings"/>
-                      </a:endParaRPr>
                     </a:p>
                   </a:txBody>
                   <a:tcPr marL="0" marR="0" marT="0" marB="0">
@@ -5472,7 +5215,7 @@
                         </a:spcBef>
                       </a:pPr>
                       <a:r>
-                        <a:rPr lang="en-US" sz="900" spc="0">
+                        <a:rPr lang="fr-FR" sz="900">
                           <a:solidFill>
                             <a:srgbClr val="020302"/>
                           </a:solidFill>
@@ -5481,9 +5224,6 @@
                         </a:rPr>
                         <a:t></a:t>
                       </a:r>
-                      <a:endParaRPr sz="900" spc="0" dirty="0">
-                        <a:latin typeface="Wingdings"/>
-                      </a:endParaRPr>
                     </a:p>
                   </a:txBody>
                   <a:tcPr marL="0" marR="0" marT="62230" marB="0">
@@ -5525,22 +5265,15 @@
                         </a:spcBef>
                       </a:pPr>
                       <a:r>
-                        <a:rPr lang="en-US" sz="1000" b="1" i="0" spc="0" dirty="0">
+                        <a:rPr lang="fr-FR" sz="1000" b="1" i="0">
                           <a:solidFill>
                             <a:schemeClr val="bg1"/>
                           </a:solidFill>
                           <a:latin typeface="Adobe Clean" panose="020B0503020404020204" pitchFamily="34" charset="0"/>
                           <a:cs typeface="AdobeClean-Light"/>
                         </a:rPr>
-                        <a:t>Field Services</a:t>
+                        <a:t>Services de terrain</a:t>
                       </a:r>
-                      <a:endParaRPr sz="1000" b="1" i="0" spc="0" dirty="0">
-                        <a:solidFill>
-                          <a:schemeClr val="bg1"/>
-                        </a:solidFill>
-                        <a:latin typeface="Adobe Clean" panose="020B0503020404020204" pitchFamily="34" charset="0"/>
-                        <a:cs typeface="AdobeClean-Light"/>
-                      </a:endParaRPr>
                     </a:p>
                   </a:txBody>
                   <a:tcPr marL="0" marR="0" marT="48260" marB="0" anchor="ctr">
@@ -5593,39 +5326,15 @@
                         </a:spcBef>
                       </a:pPr>
                       <a:r>
-                        <a:rPr sz="900" spc="0" dirty="0">
+                        <a:rPr lang="fr-FR" sz="800" dirty="0">
                           <a:solidFill>
                             <a:srgbClr val="020302"/>
                           </a:solidFill>
                           <a:latin typeface="AdobeClean-Light"/>
                           <a:cs typeface="AdobeClean-Light"/>
                         </a:rPr>
-                        <a:t>Launch Advisory Services – First Year of </a:t>
+                        <a:t>Services Launch Advisory - Première année d’une nouvelle solution</a:t>
                       </a:r>
-                      <a:r>
-                        <a:rPr lang="en-US" sz="900" spc="0" dirty="0">
-                          <a:solidFill>
-                            <a:srgbClr val="020302"/>
-                          </a:solidFill>
-                          <a:latin typeface="AdobeClean-Light"/>
-                          <a:cs typeface="AdobeClean-Light"/>
-                        </a:rPr>
-                        <a:t>a </a:t>
-                      </a:r>
-                      <a:r>
-                        <a:rPr sz="900" spc="0" dirty="0">
-                          <a:solidFill>
-                            <a:srgbClr val="020302"/>
-                          </a:solidFill>
-                          <a:latin typeface="AdobeClean-Light"/>
-                          <a:cs typeface="AdobeClean-Light"/>
-                        </a:rPr>
-                        <a:t>new solution</a:t>
-                      </a:r>
-                      <a:endParaRPr sz="900" spc="0" dirty="0">
-                        <a:latin typeface="AdobeClean-Light"/>
-                        <a:cs typeface="AdobeClean-Light"/>
-                      </a:endParaRPr>
                     </a:p>
                     <a:p>
                       <a:pPr marL="48260">
@@ -5637,11 +5346,11 @@
                         </a:spcBef>
                       </a:pPr>
                       <a:r>
-                        <a:rPr sz="900" spc="0" dirty="0">
+                        <a:rPr lang="fr-FR" sz="800" dirty="0">
                           <a:latin typeface="AdobeClean-Light"/>
                           <a:cs typeface="AdobeClean-Light"/>
                         </a:rPr>
-                        <a:t>Field Service Activities</a:t>
+                        <a:t>Activités du service de terrain</a:t>
                       </a:r>
                     </a:p>
                   </a:txBody>
@@ -5677,7 +5386,7 @@
                     <a:bodyPr/>
                     <a:lstStyle/>
                     <a:p>
-                      <a:pPr>
+                      <a:pPr algn="l" rtl="0">
                         <a:lnSpc>
                           <a:spcPct val="100000"/>
                         </a:lnSpc>
@@ -5722,7 +5431,7 @@
                         </a:spcBef>
                       </a:pPr>
                       <a:r>
-                        <a:rPr sz="900" spc="0" dirty="0">
+                        <a:rPr lang="fr-FR" sz="900">
                           <a:solidFill>
                             <a:srgbClr val="020302"/>
                           </a:solidFill>
@@ -5730,9 +5439,6 @@
                         </a:rPr>
                         <a:t></a:t>
                       </a:r>
-                      <a:endParaRPr sz="900" spc="0" dirty="0">
-                        <a:latin typeface="Wingdings"/>
-                      </a:endParaRPr>
                     </a:p>
                   </a:txBody>
                   <a:tcPr marL="0" marR="0" marT="0" marB="0">
@@ -5758,7 +5464,7 @@
                         </a:spcBef>
                       </a:pPr>
                       <a:r>
-                        <a:rPr lang="en-US" sz="900" spc="0">
+                        <a:rPr lang="fr-FR" sz="900">
                           <a:solidFill>
                             <a:srgbClr val="020302"/>
                           </a:solidFill>
@@ -5767,9 +5473,6 @@
                         </a:rPr>
                         <a:t></a:t>
                       </a:r>
-                      <a:endParaRPr sz="900" spc="0" dirty="0">
-                        <a:latin typeface="Wingdings"/>
-                      </a:endParaRPr>
                     </a:p>
                   </a:txBody>
                   <a:tcPr marL="0" marR="0" marT="56515" marB="0">
@@ -5847,7 +5550,7 @@
                     <a:bodyPr/>
                     <a:lstStyle/>
                     <a:p>
-                      <a:pPr>
+                      <a:pPr algn="l" rtl="0">
                         <a:lnSpc>
                           <a:spcPct val="100000"/>
                         </a:lnSpc>
@@ -5892,7 +5595,7 @@
                         </a:spcBef>
                       </a:pPr>
                       <a:r>
-                        <a:rPr sz="900" spc="0" dirty="0">
+                        <a:rPr lang="fr-FR" sz="900">
                           <a:solidFill>
                             <a:srgbClr val="020302"/>
                           </a:solidFill>
@@ -5900,9 +5603,6 @@
                         </a:rPr>
                         <a:t>2</a:t>
                       </a:r>
-                      <a:endParaRPr sz="900" spc="0" dirty="0">
-                        <a:latin typeface="AdobeClean-Light"/>
-                      </a:endParaRPr>
                     </a:p>
                   </a:txBody>
                   <a:tcPr marL="0" marR="0" marT="0" marB="0">
@@ -5928,7 +5628,7 @@
                         </a:spcBef>
                       </a:pPr>
                       <a:r>
-                        <a:rPr lang="en-US" sz="900" spc="0" dirty="0">
+                        <a:rPr lang="fr-FR" sz="900" dirty="0">
                           <a:solidFill>
                             <a:srgbClr val="020302"/>
                           </a:solidFill>
@@ -5937,9 +5637,6 @@
                         </a:rPr>
                         <a:t>4</a:t>
                       </a:r>
-                      <a:endParaRPr sz="900" spc="0" dirty="0">
-                        <a:latin typeface="AdobeClean-Light"/>
-                      </a:endParaRPr>
                     </a:p>
                   </a:txBody>
                   <a:tcPr marL="0" marR="0" marT="50800" marB="0">
@@ -5979,8 +5676,8 @@
         </p:nvSpPr>
         <p:spPr>
           <a:xfrm>
-            <a:off x="5307201" y="9862966"/>
-            <a:ext cx="2270125" cy="132729"/>
+            <a:off x="4800600" y="9862966"/>
+            <a:ext cx="2926080" cy="132729"/>
           </a:xfrm>
           <a:prstGeom prst="rect">
             <a:avLst/>
@@ -6001,24 +5698,24 @@
               </a:spcBef>
             </a:pPr>
             <a:r>
-              <a:rPr spc="-5" dirty="0"/>
-              <a:t>©202</a:t>
+              <a:rPr lang="fr-FR" dirty="0"/>
+              <a:t>©2021 Adobe. All </a:t>
             </a:r>
             <a:r>
-              <a:rPr lang="en-US" spc="-5" dirty="0"/>
-              <a:t>1</a:t>
+              <a:rPr lang="fr-FR" dirty="0" err="1"/>
+              <a:t>Rights</a:t>
             </a:r>
             <a:r>
-              <a:rPr spc="-5" dirty="0"/>
-              <a:t> Adobe. All Rights Reserved. Adobe</a:t>
-            </a:r>
-            <a:r>
-              <a:rPr spc="60" dirty="0"/>
+              <a:rPr lang="fr-FR" dirty="0"/>
               <a:t> </a:t>
             </a:r>
             <a:r>
-              <a:rPr spc="-5" dirty="0"/>
-              <a:t>Confidential.</a:t>
+              <a:rPr lang="fr-FR" dirty="0" err="1"/>
+              <a:t>Reserved</a:t>
+            </a:r>
+            <a:r>
+              <a:rPr lang="fr-FR" dirty="0"/>
+              <a:t>. Données confidentielles Adobe</a:t>
             </a:r>
           </a:p>
         </p:txBody>
@@ -6032,14 +5729,14 @@
           <p:nvPr>
             <p:extLst>
               <p:ext uri="{D42A27DB-BD31-4B8C-83A1-F6EECF244321}">
-                <p14:modId xmlns:p14="http://schemas.microsoft.com/office/powerpoint/2010/main" val="3124525812"/>
+                <p14:modId xmlns:p14="http://schemas.microsoft.com/office/powerpoint/2010/main" val="989634958"/>
               </p:ext>
             </p:extLst>
           </p:nvPr>
         </p:nvGraphicFramePr>
         <p:xfrm>
           <a:off x="33527" y="7483227"/>
-          <a:ext cx="7671815" cy="2172787"/>
+          <a:ext cx="7671815" cy="2322004"/>
         </p:xfrm>
         <a:graphic>
           <a:graphicData uri="http://schemas.openxmlformats.org/drawingml/2006/table">
@@ -6092,19 +5789,15 @@
                         </a:spcBef>
                       </a:pPr>
                       <a:r>
-                        <a:rPr sz="900" spc="0" dirty="0">
+                        <a:rPr lang="fr-FR" sz="800" dirty="0">
                           <a:solidFill>
                             <a:srgbClr val="020302"/>
                           </a:solidFill>
                           <a:latin typeface="Adobe Clean"/>
                           <a:cs typeface="Adobe Clean"/>
                         </a:rPr>
-                        <a:t>Priority</a:t>
+                        <a:t>Priorité</a:t>
                       </a:r>
-                      <a:endParaRPr sz="900" spc="0" dirty="0">
-                        <a:latin typeface="Adobe Clean"/>
-                        <a:cs typeface="Adobe Clean"/>
-                      </a:endParaRPr>
                     </a:p>
                   </a:txBody>
                   <a:tcPr marL="0" marR="0" marT="7620" marB="0" anchor="ctr">
@@ -6151,29 +5844,15 @@
                         </a:spcBef>
                       </a:pPr>
                       <a:r>
-                        <a:rPr lang="en-US" sz="900" spc="0" dirty="0">
+                        <a:rPr lang="fr-FR" sz="800" dirty="0">
                           <a:solidFill>
                             <a:srgbClr val="020302"/>
                           </a:solidFill>
                           <a:latin typeface="Adobe Clean"/>
                           <a:cs typeface="Adobe Clean"/>
                         </a:rPr>
-                        <a:t>Standard  </a:t>
+                        <a:t>Assistance Standard</a:t>
                       </a:r>
-                      <a:r>
-                        <a:rPr sz="900" spc="0" dirty="0">
-                          <a:solidFill>
-                            <a:srgbClr val="020302"/>
-                          </a:solidFill>
-                          <a:latin typeface="Adobe Clean"/>
-                          <a:cs typeface="Adobe Clean"/>
-                        </a:rPr>
-                        <a:t>Support</a:t>
-                      </a:r>
-                      <a:endParaRPr sz="900" spc="0" dirty="0">
-                        <a:latin typeface="Adobe Clean"/>
-                        <a:cs typeface="Adobe Clean"/>
-                      </a:endParaRPr>
                     </a:p>
                   </a:txBody>
                   <a:tcPr marL="0" marR="0" marT="0" marB="0" anchor="ctr">
@@ -6223,39 +5902,15 @@
                         </a:spcBef>
                       </a:pPr>
                       <a:r>
-                        <a:rPr sz="900" spc="0" dirty="0">
+                        <a:rPr lang="fr-FR" sz="800">
                           <a:solidFill>
                             <a:srgbClr val="FFFFFF"/>
                           </a:solidFill>
                           <a:latin typeface="Adobe Clean"/>
                           <a:cs typeface="Adobe Clean"/>
                         </a:rPr>
-                        <a:t>Enterprise </a:t>
+                        <a:t>Assistance aux entreprises</a:t>
                       </a:r>
-                      <a:r>
-                        <a:rPr lang="en-US" sz="900" spc="0" dirty="0">
-                          <a:solidFill>
-                            <a:srgbClr val="FFFFFF"/>
-                          </a:solidFill>
-                          <a:latin typeface="Adobe Clean"/>
-                          <a:cs typeface="Adobe Clean"/>
-                        </a:rPr>
-                        <a:t> </a:t>
-                      </a:r>
-                      <a:r>
-                        <a:rPr sz="900" spc="0" dirty="0">
-                          <a:solidFill>
-                            <a:srgbClr val="FFFFFF"/>
-                          </a:solidFill>
-                          <a:latin typeface="Adobe Clean"/>
-                          <a:cs typeface="Adobe Clean"/>
-                        </a:rPr>
-                        <a:t>Support</a:t>
-                      </a:r>
-                      <a:endParaRPr sz="900" spc="0" dirty="0">
-                        <a:latin typeface="Adobe Clean"/>
-                        <a:cs typeface="Adobe Clean"/>
-                      </a:endParaRPr>
                     </a:p>
                   </a:txBody>
                   <a:tcPr marL="0" marR="0" marT="0" marB="0" anchor="ctr">
@@ -6308,39 +5963,15 @@
                         </a:spcBef>
                       </a:pPr>
                       <a:r>
-                        <a:rPr sz="900" spc="0" dirty="0">
+                        <a:rPr lang="fr-FR" sz="800">
                           <a:solidFill>
                             <a:srgbClr val="FFFFFF"/>
                           </a:solidFill>
                           <a:latin typeface="Adobe Clean"/>
                           <a:cs typeface="Adobe Clean"/>
                         </a:rPr>
-                        <a:t>Elite</a:t>
+                        <a:t>Assistance Elite</a:t>
                       </a:r>
-                      <a:r>
-                        <a:rPr lang="en-US" sz="900" spc="0" dirty="0">
-                          <a:solidFill>
-                            <a:srgbClr val="FFFFFF"/>
-                          </a:solidFill>
-                          <a:latin typeface="Adobe Clean"/>
-                          <a:cs typeface="Adobe Clean"/>
-                        </a:rPr>
-                        <a:t> </a:t>
-                      </a:r>
-                      <a:r>
-                        <a:rPr sz="900" spc="0" dirty="0">
-                          <a:solidFill>
-                            <a:srgbClr val="FFFFFF"/>
-                          </a:solidFill>
-                          <a:latin typeface="Adobe Clean"/>
-                          <a:cs typeface="Adobe Clean"/>
-                        </a:rPr>
-                        <a:t>Support</a:t>
-                      </a:r>
-                      <a:endParaRPr sz="900" spc="0" dirty="0">
-                        <a:latin typeface="Adobe Clean"/>
-                        <a:cs typeface="Adobe Clean"/>
-                      </a:endParaRPr>
                     </a:p>
                   </a:txBody>
                   <a:tcPr marL="0" marR="0" marT="0" marB="0" anchor="ctr">
@@ -6397,19 +6028,15 @@
                         </a:spcBef>
                       </a:pPr>
                       <a:r>
-                        <a:rPr sz="900" b="1" spc="0" dirty="0">
+                        <a:rPr lang="fr-FR" sz="800" b="1" dirty="0">
                           <a:solidFill>
                             <a:srgbClr val="020302"/>
                           </a:solidFill>
                           <a:latin typeface="Adobe Clean"/>
                           <a:cs typeface="Adobe Clean"/>
                         </a:rPr>
-                        <a:t>PRIORITY 1</a:t>
+                        <a:t>PRIORITÉ 1</a:t>
                       </a:r>
-                      <a:endParaRPr sz="900" spc="0" dirty="0">
-                        <a:latin typeface="Adobe Clean"/>
-                        <a:cs typeface="Adobe Clean"/>
-                      </a:endParaRPr>
                     </a:p>
                     <a:p>
                       <a:pPr marL="50800" marR="387985">
@@ -6421,19 +6048,14 @@
                         </a:spcBef>
                       </a:pPr>
                       <a:r>
-                        <a:rPr lang="en-US" sz="900" b="0" i="0" spc="0" dirty="0">
+                        <a:rPr lang="fr-FR" sz="800" b="0" i="0" dirty="0">
                           <a:solidFill>
                             <a:srgbClr val="000000"/>
                           </a:solidFill>
-                          <a:effectLst/>
                           <a:latin typeface="Adobe Clean Light" panose="020B0303020404020204" pitchFamily="34" charset="0"/>
                         </a:rPr>
-                        <a:t>Customer's production business functions are down or have significant data loss or service degradation and immediate attention is required to restore functionality and usability. </a:t>
+                        <a:t>Les fonctions commerciales de production du client sont en panne ou présentent une perte de données ou une dégradation importante du service. Une attention immédiate est requise afin de restaurer les fonctionnalités et l’accessibilité. </a:t>
                       </a:r>
-                      <a:endParaRPr sz="900" spc="0" dirty="0">
-                        <a:latin typeface="AdobeClean-Light"/>
-                        <a:cs typeface="AdobeClean-Light"/>
-                      </a:endParaRPr>
                     </a:p>
                   </a:txBody>
                   <a:tcPr marL="0" marR="0" marT="0" marB="0" anchor="ctr">
@@ -6473,14 +6095,13 @@
                     <a:p>
                       <a:pPr algn="ctr" fontAlgn="t"/>
                       <a:r>
-                        <a:rPr lang="en-US" sz="900" b="0" i="0" u="none" strike="noStrike" dirty="0">
+                        <a:rPr lang="fr-FR" sz="800" b="0" i="0" u="none" strike="noStrike">
                           <a:solidFill>
                             <a:srgbClr val="020302"/>
                           </a:solidFill>
-                          <a:effectLst/>
                           <a:latin typeface="AdobeClean-Light"/>
                         </a:rPr>
-                        <a:t>24x7 / 1 hour</a:t>
+                        <a:t>24x7 / 1 heure</a:t>
                       </a:r>
                     </a:p>
                   </a:txBody>
@@ -6518,14 +6139,13 @@
                     <a:p>
                       <a:pPr algn="ctr" fontAlgn="t"/>
                       <a:r>
-                        <a:rPr lang="en-US" sz="900" b="0" i="0" u="none" strike="noStrike" dirty="0">
+                        <a:rPr lang="fr-FR" sz="800" b="0" i="0" u="none" strike="noStrike">
                           <a:solidFill>
                             <a:srgbClr val="020302"/>
                           </a:solidFill>
-                          <a:effectLst/>
                           <a:latin typeface="AdobeClean-Light"/>
                         </a:rPr>
-                        <a:t>24x7 / 30 minutes</a:t>
+                        <a:t>24x7 / 30 minutes</a:t>
                       </a:r>
                     </a:p>
                   </a:txBody>
@@ -6572,14 +6192,13 @@
                     <a:p>
                       <a:pPr algn="ctr" fontAlgn="t"/>
                       <a:r>
-                        <a:rPr lang="en-US" sz="900" b="0" i="0" u="none" strike="noStrike" dirty="0">
+                        <a:rPr lang="fr-FR" sz="800" b="0" i="0" u="none" strike="noStrike">
                           <a:solidFill>
                             <a:srgbClr val="020302"/>
                           </a:solidFill>
-                          <a:effectLst/>
                           <a:latin typeface="AdobeClean-Light"/>
                         </a:rPr>
-                        <a:t>24x7 / 15 minutes</a:t>
+                        <a:t>24x7 / 15 minutes</a:t>
                       </a:r>
                     </a:p>
                   </a:txBody>
@@ -6631,19 +6250,15 @@
                         </a:spcBef>
                       </a:pPr>
                       <a:r>
-                        <a:rPr sz="900" b="1" spc="0" dirty="0">
+                        <a:rPr lang="fr-FR" sz="800" b="1" dirty="0">
                           <a:solidFill>
                             <a:srgbClr val="020302"/>
                           </a:solidFill>
                           <a:latin typeface="Adobe Clean"/>
                           <a:cs typeface="Adobe Clean"/>
                         </a:rPr>
-                        <a:t>PRIORITY 2</a:t>
+                        <a:t>PRIORITÉ 2</a:t>
                       </a:r>
-                      <a:endParaRPr sz="900" spc="0" dirty="0">
-                        <a:latin typeface="Adobe Clean"/>
-                        <a:cs typeface="Adobe Clean"/>
-                      </a:endParaRPr>
                     </a:p>
                     <a:p>
                       <a:pPr marL="50165" marR="203200" indent="0" defTabSz="914400" eaLnBrk="1" fontAlgn="auto" latinLnBrk="0" hangingPunct="1">
@@ -6664,19 +6279,14 @@
                         <a:defRPr/>
                       </a:pPr>
                       <a:r>
-                        <a:rPr lang="en-US" sz="900" b="0" i="0" spc="0" dirty="0">
+                        <a:rPr lang="fr-FR" sz="800" b="0" i="0" dirty="0">
                           <a:solidFill>
                             <a:srgbClr val="000000"/>
                           </a:solidFill>
-                          <a:effectLst/>
                           <a:latin typeface="Adobe Clean Light" panose="020B0303020404020204" pitchFamily="34" charset="0"/>
                         </a:rPr>
-                        <a:t>Customer's business functions have major service degradation or potential data loss, or a major feature is impacted </a:t>
+                        <a:t>Les fonctions commerciales du client présentent une dégradation importante du service ou une perte potentielle de données. Il est également possible qu’une fonctionnalité majeure soit affectée </a:t>
                       </a:r>
-                      <a:endParaRPr sz="900" b="0" i="0" spc="0" dirty="0">
-                        <a:latin typeface="Adobe Clean Light" panose="020B0303020404020204" pitchFamily="34" charset="0"/>
-                        <a:cs typeface="AdobeClean-Light"/>
-                      </a:endParaRPr>
                     </a:p>
                   </a:txBody>
                   <a:tcPr marL="0" marR="0" marT="0" marB="0" anchor="ctr">
@@ -6716,14 +6326,13 @@
                     <a:p>
                       <a:pPr algn="ctr" fontAlgn="t"/>
                       <a:r>
-                        <a:rPr lang="en-US" sz="900" b="0" i="0" u="none" strike="noStrike" dirty="0">
+                        <a:rPr lang="fr-FR" sz="800" b="0" i="0" u="none" strike="noStrike" dirty="0">
                           <a:solidFill>
                             <a:srgbClr val="020302"/>
                           </a:solidFill>
-                          <a:effectLst/>
                           <a:latin typeface="AdobeClean-Light"/>
                         </a:rPr>
-                        <a:t>Business hours / 4 hours</a:t>
+                        <a:t>Heures d’ouverture / 4 heures</a:t>
                       </a:r>
                     </a:p>
                   </a:txBody>
@@ -6761,14 +6370,13 @@
                     <a:p>
                       <a:pPr algn="ctr" fontAlgn="t"/>
                       <a:r>
-                        <a:rPr lang="en-US" sz="900" b="0" i="0" u="none" strike="noStrike" dirty="0">
+                        <a:rPr lang="fr-FR" sz="800" b="0" i="0" u="none" strike="noStrike">
                           <a:solidFill>
                             <a:srgbClr val="020302"/>
                           </a:solidFill>
-                          <a:effectLst/>
                           <a:latin typeface="AdobeClean-Light"/>
                         </a:rPr>
-                        <a:t>24x5 / 1 hour</a:t>
+                        <a:t>24x5 / 1 heure</a:t>
                       </a:r>
                     </a:p>
                   </a:txBody>
@@ -6815,14 +6423,13 @@
                     <a:p>
                       <a:pPr algn="ctr" fontAlgn="t"/>
                       <a:r>
-                        <a:rPr lang="en-US" sz="900" b="0" i="0" u="none" strike="noStrike" dirty="0">
+                        <a:rPr lang="fr-FR" sz="800" b="0" i="0" u="none" strike="noStrike">
                           <a:solidFill>
                             <a:srgbClr val="020302"/>
                           </a:solidFill>
-                          <a:effectLst/>
                           <a:latin typeface="AdobeClean-Light"/>
                         </a:rPr>
-                        <a:t>24x5 / 30 minutes</a:t>
+                        <a:t>24x5 / 30 minutes</a:t>
                       </a:r>
                     </a:p>
                   </a:txBody>
@@ -6874,29 +6481,15 @@
                         </a:spcBef>
                       </a:pPr>
                       <a:r>
-                        <a:rPr sz="900" b="1" spc="0" dirty="0">
+                        <a:rPr lang="fr-FR" sz="800" b="1">
                           <a:solidFill>
                             <a:srgbClr val="020302"/>
                           </a:solidFill>
                           <a:latin typeface="Adobe Clean"/>
                           <a:cs typeface="Adobe Clean"/>
                         </a:rPr>
-                        <a:t>PRIORITY</a:t>
+                        <a:t>PRIORITÉ 3</a:t>
                       </a:r>
-                      <a:r>
-                        <a:rPr lang="en-US" sz="900" b="1" spc="0" dirty="0">
-                          <a:solidFill>
-                            <a:srgbClr val="020302"/>
-                          </a:solidFill>
-                          <a:latin typeface="Adobe Clean"/>
-                          <a:cs typeface="Adobe Clean"/>
-                        </a:rPr>
-                        <a:t> 3</a:t>
-                      </a:r>
-                      <a:endParaRPr lang="en-US" sz="900" spc="0" dirty="0">
-                        <a:latin typeface="Adobe Clean"/>
-                        <a:cs typeface="Adobe Clean"/>
-                      </a:endParaRPr>
                     </a:p>
                     <a:p>
                       <a:pPr marL="49530" marR="212090" indent="-2540" defTabSz="914400" eaLnBrk="1" fontAlgn="auto" latinLnBrk="0" hangingPunct="1">
@@ -6917,26 +6510,21 @@
                         <a:defRPr/>
                       </a:pPr>
                       <a:r>
-                        <a:rPr kumimoji="0" lang="en-US" sz="900" b="0" i="0" u="none" strike="noStrike" kern="1200" cap="none" spc="0" normalizeH="0" baseline="0" noProof="0" dirty="0">
+                        <a:rPr kumimoji="0" lang="fr-FR" sz="800" b="0" i="0" u="none" strike="noStrike" cap="none" normalizeH="0" baseline="0" noProof="0">
                           <a:ln>
                             <a:noFill/>
                           </a:ln>
                           <a:solidFill>
                             <a:srgbClr val="000000"/>
                           </a:solidFill>
-                          <a:effectLst/>
                           <a:uLnTx/>
                           <a:uFillTx/>
                           <a:latin typeface="Adobe Clean Light" panose="020B0303020404020204" pitchFamily="34" charset="0"/>
                           <a:ea typeface="+mn-ea"/>
                           <a:cs typeface="+mn-cs"/>
                         </a:rPr>
-                        <a:t>Customer's business functions have minor service degradation but there exists a solution/workaround allowing business functions to continue normally </a:t>
+                        <a:t>Les fonctions commerciales du client présentent une dégradation mineure du service, mais il existe une solution/un moyen permettant aux fonctions commerciales de continuer de fonctionner normalement </a:t>
                       </a:r>
-                      <a:endParaRPr lang="en-US" sz="900" b="0" i="0" spc="0" dirty="0">
-                        <a:latin typeface="Adobe Clean Light" panose="020B0303020404020204" pitchFamily="34" charset="0"/>
-                        <a:cs typeface="AdobeClean-Light"/>
-                      </a:endParaRPr>
                     </a:p>
                   </a:txBody>
                   <a:tcPr marL="0" marR="0" marT="0" marB="0" anchor="ctr">
@@ -6976,14 +6564,13 @@
                     <a:p>
                       <a:pPr algn="ctr" fontAlgn="t"/>
                       <a:r>
-                        <a:rPr lang="en-US" sz="900" b="0" i="0" u="none" strike="noStrike" dirty="0">
+                        <a:rPr lang="fr-FR" sz="800" b="0" i="0" u="none" strike="noStrike" dirty="0">
                           <a:solidFill>
                             <a:srgbClr val="020302"/>
                           </a:solidFill>
-                          <a:effectLst/>
                           <a:latin typeface="AdobeClean-Light"/>
                         </a:rPr>
-                        <a:t>Business hours / 6 hours</a:t>
+                        <a:t>Heures d’ouverture / 6 heures</a:t>
                       </a:r>
                     </a:p>
                   </a:txBody>
@@ -7021,14 +6608,13 @@
                     <a:p>
                       <a:pPr algn="ctr" fontAlgn="t"/>
                       <a:r>
-                        <a:rPr lang="en-US" sz="900" b="0" i="0" u="none" strike="noStrike" dirty="0">
+                        <a:rPr lang="fr-FR" sz="800" b="0" i="0" u="none" strike="noStrike" dirty="0">
                           <a:solidFill>
                             <a:srgbClr val="020302"/>
                           </a:solidFill>
-                          <a:effectLst/>
                           <a:latin typeface="AdobeClean-Light"/>
                         </a:rPr>
-                        <a:t>Business hours / 2 hours</a:t>
+                        <a:t>Heures d’ouverture / 2 heures</a:t>
                       </a:r>
                     </a:p>
                   </a:txBody>
@@ -7075,14 +6661,13 @@
                     <a:p>
                       <a:pPr algn="ctr" fontAlgn="t"/>
                       <a:r>
-                        <a:rPr lang="en-US" sz="900" b="0" i="0" u="none" strike="noStrike" dirty="0">
+                        <a:rPr lang="fr-FR" sz="800" b="0" i="0" u="none" strike="noStrike">
                           <a:solidFill>
                             <a:srgbClr val="020302"/>
                           </a:solidFill>
-                          <a:effectLst/>
                           <a:latin typeface="AdobeClean-Light"/>
                         </a:rPr>
-                        <a:t>24x5 / 1 hour</a:t>
+                        <a:t>24x5 / 1 heure</a:t>
                       </a:r>
                     </a:p>
                   </a:txBody>
@@ -7134,19 +6719,15 @@
                         </a:spcBef>
                       </a:pPr>
                       <a:r>
-                        <a:rPr sz="900" b="1" spc="0" dirty="0">
+                        <a:rPr lang="fr-FR" sz="800" b="1" dirty="0">
                           <a:solidFill>
                             <a:srgbClr val="020302"/>
                           </a:solidFill>
                           <a:latin typeface="Adobe Clean"/>
                           <a:cs typeface="Adobe Clean"/>
                         </a:rPr>
-                        <a:t>PRIORITY 4</a:t>
+                        <a:t>PRIORITÉ 4</a:t>
                       </a:r>
-                      <a:endParaRPr sz="900" spc="0" dirty="0">
-                        <a:latin typeface="Adobe Clean"/>
-                        <a:cs typeface="Adobe Clean"/>
-                      </a:endParaRPr>
                     </a:p>
                     <a:p>
                       <a:pPr marL="48895" marR="0" indent="0" defTabSz="914400" eaLnBrk="1" fontAlgn="auto" latinLnBrk="0" hangingPunct="1">
@@ -7167,19 +6748,14 @@
                         <a:defRPr/>
                       </a:pPr>
                       <a:r>
-                        <a:rPr lang="en-US" sz="900" b="0" i="0" spc="0" dirty="0">
+                        <a:rPr lang="fr-FR" sz="800" b="0" i="0" dirty="0">
                           <a:solidFill>
                             <a:srgbClr val="000000"/>
                           </a:solidFill>
-                          <a:effectLst/>
                           <a:latin typeface="Adobe Clean Light" panose="020B0303020404020204" pitchFamily="34" charset="0"/>
                         </a:rPr>
-                        <a:t>General question regarding current product functionality or an enhancement request </a:t>
+                        <a:t>Question générale concernant les fonctionnalités actuelles du produit ou une demande d’amélioration </a:t>
                       </a:r>
-                      <a:endParaRPr sz="900" b="0" i="0" spc="0" dirty="0">
-                        <a:latin typeface="Adobe Clean Light" panose="020B0303020404020204" pitchFamily="34" charset="0"/>
-                        <a:cs typeface="AdobeClean-Light"/>
-                      </a:endParaRPr>
                     </a:p>
                   </a:txBody>
                   <a:tcPr marL="0" marR="0" marT="0" marB="0" anchor="ctr">
@@ -7219,14 +6795,13 @@
                     <a:p>
                       <a:pPr algn="ctr" fontAlgn="t"/>
                       <a:r>
-                        <a:rPr lang="en-US" sz="900" b="0" i="0" u="none" strike="noStrike" dirty="0">
+                        <a:rPr lang="fr-FR" sz="800" b="0" i="0" u="none" strike="noStrike">
                           <a:solidFill>
                             <a:srgbClr val="020302"/>
                           </a:solidFill>
-                          <a:effectLst/>
                           <a:latin typeface="AdobeClean-Light"/>
                         </a:rPr>
-                        <a:t>Business days / 3 days</a:t>
+                        <a:t>Jours ouvrables / 3 jours</a:t>
                       </a:r>
                     </a:p>
                   </a:txBody>
@@ -7264,14 +6839,13 @@
                     <a:p>
                       <a:pPr algn="ctr" fontAlgn="t"/>
                       <a:r>
-                        <a:rPr lang="en-US" sz="900" b="0" i="0" u="none" strike="noStrike" dirty="0">
+                        <a:rPr lang="fr-FR" sz="800" b="0" i="0" u="none" strike="noStrike" dirty="0">
                           <a:solidFill>
                             <a:srgbClr val="020302"/>
                           </a:solidFill>
-                          <a:effectLst/>
                           <a:latin typeface="AdobeClean-Light" panose="020B0503020404020204" pitchFamily="34" charset="0"/>
                         </a:rPr>
-                        <a:t>Business day / 1 day</a:t>
+                        <a:t>Jours ouvrables / 1 jour</a:t>
                       </a:r>
                     </a:p>
                   </a:txBody>
@@ -7315,14 +6889,13 @@
                     <a:p>
                       <a:pPr algn="ctr" fontAlgn="t"/>
                       <a:r>
-                        <a:rPr lang="en-US" sz="900" b="0" i="0" u="none" strike="noStrike" dirty="0">
+                        <a:rPr lang="fr-FR" sz="800" b="0" i="0" u="none" strike="noStrike" dirty="0">
                           <a:solidFill>
                             <a:srgbClr val="020302"/>
                           </a:solidFill>
-                          <a:effectLst/>
                           <a:latin typeface="AdobeClean-Light" panose="020B0503020404020204" pitchFamily="34" charset="0"/>
                         </a:rPr>
-                        <a:t>Business day / 1 day</a:t>
+                        <a:t>Jours ouvrables / 1 jour</a:t>
                       </a:r>
                     </a:p>
                   </a:txBody>
@@ -7403,20 +6976,11 @@
               </a:spcBef>
             </a:pPr>
             <a:r>
-              <a:rPr sz="2300" dirty="0">
+              <a:rPr lang="fr-FR" sz="2300">
                 <a:latin typeface="Adobe Clean"/>
               </a:rPr>
-              <a:t>ADOBE </a:t>
+              <a:t>PLANS D’ASSISTANCE ADOBE</a:t>
             </a:r>
-            <a:r>
-              <a:rPr lang="en-US" sz="2300" dirty="0">
-                <a:latin typeface="Adobe Clean"/>
-              </a:rPr>
-              <a:t>SUPPORT PLANS</a:t>
-            </a:r>
-            <a:endParaRPr sz="2300" dirty="0">
-              <a:latin typeface="Adobe Clean" panose="020B0503020404020204" pitchFamily="34" charset="0"/>
-            </a:endParaRPr>
           </a:p>
         </p:txBody>
       </p:sp>
@@ -7449,7 +7013,7 @@
           <a:lstStyle/>
           <a:p>
             <a:r>
-              <a:rPr lang="en-US" sz="700" i="1" dirty="0">
+              <a:rPr lang="fr-FR" sz="700" i="1">
                 <a:solidFill>
                   <a:schemeClr val="bg1"/>
                 </a:solidFill>
@@ -7707,406 +7271,52 @@
               </a:spcBef>
             </a:pPr>
             <a:r>
-              <a:rPr lang="en-US" sz="1000" spc="-20" dirty="0">
+              <a:rPr lang="fr-FR" sz="1000" dirty="0">
                 <a:solidFill>
                   <a:srgbClr val="020302"/>
                 </a:solidFill>
                 <a:latin typeface="AdobeClean-Light"/>
                 <a:cs typeface="AdobeClean-Light"/>
               </a:rPr>
-              <a:t>Adobe Customer Support offers a</a:t>
+              <a:t>Le service clientèle Adobe donne accès à des ressources en ligne de documentation, d’engagement avec d’autres experts et clients pour connaître les bonnes pratiques ainsi qu’à une série de webinaires (Office </a:t>
             </a:r>
             <a:r>
-              <a:rPr sz="1000" spc="-20" dirty="0">
+              <a:rPr lang="fr-FR" sz="1000" dirty="0" err="1">
                 <a:solidFill>
                   <a:srgbClr val="020302"/>
                 </a:solidFill>
                 <a:latin typeface="AdobeClean-Light"/>
                 <a:cs typeface="AdobeClean-Light"/>
               </a:rPr>
-              <a:t>ccess</a:t>
+              <a:t>Hours</a:t>
             </a:r>
             <a:r>
-              <a:rPr sz="1000" spc="-90" dirty="0">
+              <a:rPr lang="fr-FR" sz="1000" dirty="0">
                 <a:solidFill>
                   <a:srgbClr val="020302"/>
                 </a:solidFill>
                 <a:latin typeface="AdobeClean-Light"/>
                 <a:cs typeface="AdobeClean-Light"/>
               </a:rPr>
+              <a:t>) dévoilant des conseils et des astuces de dépannage. Plusieurs moyens sont également</a:t>
+            </a:r>
+            <a:r>
+              <a:rPr lang="fr-FR" sz="1000" dirty="0">
+                <a:latin typeface="AdobeClean-Light"/>
+                <a:cs typeface="AdobeClean-Light"/>
+              </a:rPr>
               <a:t> </a:t>
             </a:r>
             <a:r>
-              <a:rPr sz="1000" spc="-10" dirty="0">
+              <a:rPr lang="fr-FR" sz="1000" dirty="0">
                 <a:solidFill>
                   <a:srgbClr val="020302"/>
                 </a:solidFill>
                 <a:latin typeface="AdobeClean-Light"/>
                 <a:cs typeface="AdobeClean-Light"/>
               </a:rPr>
-              <a:t>to</a:t>
+              <a:t>disponibles pour poser des questions et soumettre des cas.</a:t>
             </a:r>
-            <a:r>
-              <a:rPr sz="1000" spc="10" dirty="0">
-                <a:solidFill>
-                  <a:srgbClr val="020302"/>
-                </a:solidFill>
-                <a:latin typeface="AdobeClean-Light"/>
-                <a:cs typeface="AdobeClean-Light"/>
-              </a:rPr>
-              <a:t> </a:t>
-            </a:r>
-            <a:r>
-              <a:rPr lang="en-US" sz="1000" spc="-20" dirty="0">
-                <a:solidFill>
-                  <a:srgbClr val="020302"/>
-                </a:solidFill>
-                <a:latin typeface="AdobeClean-Light"/>
-                <a:cs typeface="AdobeClean-Light"/>
-              </a:rPr>
-              <a:t>online resources </a:t>
-            </a:r>
-            <a:r>
-              <a:rPr sz="1000" spc="-15" dirty="0">
-                <a:solidFill>
-                  <a:srgbClr val="020302"/>
-                </a:solidFill>
-                <a:latin typeface="AdobeClean-Light"/>
-                <a:cs typeface="AdobeClean-Light"/>
-              </a:rPr>
-              <a:t>for</a:t>
-            </a:r>
-            <a:r>
-              <a:rPr sz="1000" spc="-30" dirty="0">
-                <a:solidFill>
-                  <a:srgbClr val="020302"/>
-                </a:solidFill>
-                <a:latin typeface="AdobeClean-Light"/>
-                <a:cs typeface="AdobeClean-Light"/>
-              </a:rPr>
-              <a:t> </a:t>
-            </a:r>
-            <a:r>
-              <a:rPr sz="1000" spc="-15" dirty="0">
-                <a:solidFill>
-                  <a:srgbClr val="020302"/>
-                </a:solidFill>
-                <a:latin typeface="AdobeClean-Light"/>
-                <a:cs typeface="AdobeClean-Light"/>
-              </a:rPr>
-              <a:t>documentation,</a:t>
-            </a:r>
-            <a:r>
-              <a:rPr lang="en-US" sz="1000" spc="-15" dirty="0">
-                <a:solidFill>
-                  <a:srgbClr val="020302"/>
-                </a:solidFill>
-                <a:latin typeface="AdobeClean-Light"/>
-                <a:cs typeface="AdobeClean-Light"/>
-              </a:rPr>
-              <a:t> </a:t>
-            </a:r>
-            <a:r>
-              <a:rPr sz="1000" spc="-15" dirty="0">
-                <a:solidFill>
-                  <a:srgbClr val="020302"/>
-                </a:solidFill>
-                <a:latin typeface="AdobeClean-Light"/>
-                <a:cs typeface="AdobeClean-Light"/>
-              </a:rPr>
-              <a:t>engagement</a:t>
-            </a:r>
-            <a:r>
-              <a:rPr lang="en-US" sz="1000" spc="-15" dirty="0">
-                <a:solidFill>
-                  <a:srgbClr val="020302"/>
-                </a:solidFill>
-                <a:latin typeface="AdobeClean-Light"/>
-                <a:cs typeface="AdobeClean-Light"/>
-              </a:rPr>
-              <a:t> </a:t>
-            </a:r>
-            <a:r>
-              <a:rPr sz="1000" spc="-15" dirty="0">
-                <a:solidFill>
-                  <a:srgbClr val="020302"/>
-                </a:solidFill>
-                <a:latin typeface="AdobeClean-Light"/>
-                <a:cs typeface="AdobeClean-Light"/>
-              </a:rPr>
-              <a:t>with</a:t>
-            </a:r>
-            <a:r>
-              <a:rPr sz="1000" spc="-35" dirty="0">
-                <a:solidFill>
-                  <a:srgbClr val="020302"/>
-                </a:solidFill>
-                <a:latin typeface="AdobeClean-Light"/>
-                <a:cs typeface="AdobeClean-Light"/>
-              </a:rPr>
-              <a:t> </a:t>
-            </a:r>
-            <a:r>
-              <a:rPr sz="1000" spc="-20" dirty="0">
-                <a:solidFill>
-                  <a:srgbClr val="020302"/>
-                </a:solidFill>
-                <a:latin typeface="AdobeClean-Light"/>
-                <a:cs typeface="AdobeClean-Light"/>
-              </a:rPr>
-              <a:t>other experts </a:t>
-            </a:r>
-            <a:r>
-              <a:rPr sz="1000" spc="-15" dirty="0">
-                <a:solidFill>
-                  <a:srgbClr val="020302"/>
-                </a:solidFill>
-                <a:latin typeface="AdobeClean-Light"/>
-                <a:cs typeface="AdobeClean-Light"/>
-              </a:rPr>
-              <a:t>and </a:t>
-            </a:r>
-            <a:r>
-              <a:rPr sz="1000" spc="-20" dirty="0">
-                <a:solidFill>
-                  <a:srgbClr val="020302"/>
-                </a:solidFill>
-                <a:latin typeface="AdobeClean-Light"/>
-                <a:cs typeface="AdobeClean-Light"/>
-              </a:rPr>
-              <a:t>customers </a:t>
-            </a:r>
-            <a:r>
-              <a:rPr sz="1000" spc="-15" dirty="0">
-                <a:solidFill>
-                  <a:srgbClr val="020302"/>
-                </a:solidFill>
-                <a:latin typeface="AdobeClean-Light"/>
-                <a:cs typeface="AdobeClean-Light"/>
-              </a:rPr>
-              <a:t>for best </a:t>
-            </a:r>
-            <a:r>
-              <a:rPr sz="1000" spc="-20" dirty="0">
-                <a:solidFill>
-                  <a:srgbClr val="020302"/>
-                </a:solidFill>
-                <a:latin typeface="AdobeClean-Light"/>
-                <a:cs typeface="AdobeClean-Light"/>
-              </a:rPr>
-              <a:t>practices, </a:t>
-            </a:r>
-            <a:r>
-              <a:rPr sz="1000" spc="-15" dirty="0">
-                <a:solidFill>
-                  <a:srgbClr val="020302"/>
-                </a:solidFill>
-                <a:latin typeface="AdobeClean-Light"/>
-                <a:cs typeface="AdobeClean-Light"/>
-              </a:rPr>
-              <a:t>and </a:t>
-            </a:r>
-            <a:r>
-              <a:rPr sz="1000" spc="-20" dirty="0">
-                <a:solidFill>
-                  <a:srgbClr val="020302"/>
-                </a:solidFill>
-                <a:latin typeface="AdobeClean-Light"/>
-                <a:cs typeface="AdobeClean-Light"/>
-              </a:rPr>
-              <a:t>webinar series (Office </a:t>
-            </a:r>
-            <a:r>
-              <a:rPr sz="1000" spc="-15" dirty="0">
-                <a:solidFill>
-                  <a:srgbClr val="020302"/>
-                </a:solidFill>
-                <a:latin typeface="AdobeClean-Light"/>
-                <a:cs typeface="AdobeClean-Light"/>
-              </a:rPr>
-              <a:t>Hours) for </a:t>
-            </a:r>
-            <a:r>
-              <a:rPr sz="1000" spc="-20" dirty="0">
-                <a:solidFill>
-                  <a:srgbClr val="020302"/>
-                </a:solidFill>
-                <a:latin typeface="AdobeClean-Light"/>
-                <a:cs typeface="AdobeClean-Light"/>
-              </a:rPr>
-              <a:t>troubleshooting </a:t>
-            </a:r>
-            <a:r>
-              <a:rPr sz="1000" spc="-15" dirty="0">
-                <a:solidFill>
-                  <a:srgbClr val="020302"/>
-                </a:solidFill>
-                <a:latin typeface="AdobeClean-Light"/>
-                <a:cs typeface="AdobeClean-Light"/>
-              </a:rPr>
-              <a:t>tips and </a:t>
-            </a:r>
-            <a:r>
-              <a:rPr sz="1000" spc="-20" dirty="0">
-                <a:solidFill>
-                  <a:srgbClr val="020302"/>
-                </a:solidFill>
-                <a:latin typeface="AdobeClean-Light"/>
-                <a:cs typeface="AdobeClean-Light"/>
-              </a:rPr>
-              <a:t>tricks. Several channels </a:t>
-            </a:r>
-            <a:r>
-              <a:rPr lang="en-US" sz="1000" spc="-15" dirty="0">
-                <a:solidFill>
-                  <a:srgbClr val="020302"/>
-                </a:solidFill>
-                <a:latin typeface="AdobeClean-Light"/>
-                <a:cs typeface="AdobeClean-Light"/>
-              </a:rPr>
-              <a:t>are </a:t>
-            </a:r>
-            <a:r>
-              <a:rPr lang="en-US" sz="1000" spc="-20" dirty="0">
-                <a:solidFill>
-                  <a:srgbClr val="020302"/>
-                </a:solidFill>
-                <a:latin typeface="AdobeClean-Light"/>
-                <a:cs typeface="AdobeClean-Light"/>
-              </a:rPr>
-              <a:t>also</a:t>
-            </a:r>
-            <a:r>
-              <a:rPr lang="en-US" sz="1000" dirty="0">
-                <a:latin typeface="AdobeClean-Light"/>
-                <a:cs typeface="AdobeClean-Light"/>
-              </a:rPr>
-              <a:t> </a:t>
-            </a:r>
-            <a:r>
-              <a:rPr sz="1000" spc="-25" dirty="0">
-                <a:solidFill>
-                  <a:srgbClr val="020302"/>
-                </a:solidFill>
-                <a:latin typeface="AdobeClean-Light"/>
-                <a:cs typeface="AdobeClean-Light"/>
-              </a:rPr>
-              <a:t>available</a:t>
-            </a:r>
-            <a:r>
-              <a:rPr sz="1000" spc="-65" dirty="0">
-                <a:solidFill>
-                  <a:srgbClr val="020302"/>
-                </a:solidFill>
-                <a:latin typeface="AdobeClean-Light"/>
-                <a:cs typeface="AdobeClean-Light"/>
-              </a:rPr>
-              <a:t> </a:t>
-            </a:r>
-            <a:r>
-              <a:rPr sz="1000" spc="-15" dirty="0">
-                <a:solidFill>
-                  <a:srgbClr val="020302"/>
-                </a:solidFill>
-                <a:latin typeface="AdobeClean-Light"/>
-                <a:cs typeface="AdobeClean-Light"/>
-              </a:rPr>
-              <a:t>for</a:t>
-            </a:r>
-            <a:r>
-              <a:rPr sz="1000" spc="-25" dirty="0">
-                <a:solidFill>
-                  <a:srgbClr val="020302"/>
-                </a:solidFill>
-                <a:latin typeface="AdobeClean-Light"/>
-                <a:cs typeface="AdobeClean-Light"/>
-              </a:rPr>
-              <a:t> </a:t>
-            </a:r>
-            <a:r>
-              <a:rPr sz="1000" spc="-20" dirty="0">
-                <a:solidFill>
-                  <a:srgbClr val="020302"/>
-                </a:solidFill>
-                <a:latin typeface="AdobeClean-Light"/>
-                <a:cs typeface="AdobeClean-Light"/>
-              </a:rPr>
-              <a:t>questions</a:t>
-            </a:r>
-            <a:r>
-              <a:rPr sz="1000" spc="-114" dirty="0">
-                <a:solidFill>
-                  <a:srgbClr val="020302"/>
-                </a:solidFill>
-                <a:latin typeface="AdobeClean-Light"/>
-                <a:cs typeface="AdobeClean-Light"/>
-              </a:rPr>
-              <a:t> </a:t>
-            </a:r>
-            <a:r>
-              <a:rPr sz="1000" spc="-15" dirty="0">
-                <a:solidFill>
-                  <a:srgbClr val="020302"/>
-                </a:solidFill>
-                <a:latin typeface="AdobeClean-Light"/>
-                <a:cs typeface="AdobeClean-Light"/>
-              </a:rPr>
-              <a:t>and</a:t>
-            </a:r>
-            <a:r>
-              <a:rPr sz="1000" spc="-45" dirty="0">
-                <a:solidFill>
-                  <a:srgbClr val="020302"/>
-                </a:solidFill>
-                <a:latin typeface="AdobeClean-Light"/>
-                <a:cs typeface="AdobeClean-Light"/>
-              </a:rPr>
-              <a:t> </a:t>
-            </a:r>
-            <a:r>
-              <a:rPr sz="1000" spc="-20" dirty="0">
-                <a:solidFill>
-                  <a:srgbClr val="020302"/>
-                </a:solidFill>
-                <a:latin typeface="AdobeClean-Light"/>
-                <a:cs typeface="AdobeClean-Light"/>
-              </a:rPr>
-              <a:t>case</a:t>
-            </a:r>
-            <a:r>
-              <a:rPr sz="1000" spc="-35" dirty="0">
-                <a:solidFill>
-                  <a:srgbClr val="020302"/>
-                </a:solidFill>
-                <a:latin typeface="AdobeClean-Light"/>
-                <a:cs typeface="AdobeClean-Light"/>
-              </a:rPr>
-              <a:t> </a:t>
-            </a:r>
-            <a:r>
-              <a:rPr sz="1000" spc="-20" dirty="0">
-                <a:solidFill>
-                  <a:srgbClr val="020302"/>
-                </a:solidFill>
-                <a:latin typeface="AdobeClean-Light"/>
-                <a:cs typeface="AdobeClean-Light"/>
-              </a:rPr>
-              <a:t>submissions</a:t>
-            </a:r>
-            <a:r>
-              <a:rPr lang="en-US" sz="1000" spc="-20" dirty="0">
-                <a:solidFill>
-                  <a:srgbClr val="020302"/>
-                </a:solidFill>
-                <a:latin typeface="AdobeClean-Light"/>
-                <a:cs typeface="AdobeClean-Light"/>
-              </a:rPr>
-              <a:t>.</a:t>
-            </a:r>
-            <a:endParaRPr sz="1000" dirty="0">
-              <a:latin typeface="AdobeClean-Light"/>
-              <a:cs typeface="AdobeClean-Light"/>
-            </a:endParaRPr>
           </a:p>
         </p:txBody>
       </p:sp>
@@ -8140,174 +7350,14 @@
               </a:tabLst>
             </a:pPr>
             <a:r>
-              <a:rPr sz="900" spc="-20" dirty="0">
+              <a:rPr lang="fr-FR" sz="900" dirty="0">
                 <a:solidFill>
                   <a:srgbClr val="020302"/>
                 </a:solidFill>
                 <a:latin typeface="AdobeClean-Light"/>
                 <a:cs typeface="AdobeClean-Light"/>
               </a:rPr>
-              <a:t>Start </a:t>
-            </a:r>
-            <a:r>
-              <a:rPr sz="900" dirty="0">
-                <a:solidFill>
-                  <a:srgbClr val="020302"/>
-                </a:solidFill>
-                <a:latin typeface="AdobeClean-Light"/>
-                <a:cs typeface="AdobeClean-Light"/>
-              </a:rPr>
-              <a:t>a </a:t>
-            </a:r>
-            <a:r>
-              <a:rPr sz="900" spc="-15" dirty="0">
-                <a:solidFill>
-                  <a:srgbClr val="020302"/>
-                </a:solidFill>
-                <a:latin typeface="AdobeClean-Light"/>
-                <a:cs typeface="AdobeClean-Light"/>
-              </a:rPr>
-              <a:t>chat </a:t>
-            </a:r>
-            <a:r>
-              <a:rPr sz="900" spc="-10" dirty="0">
-                <a:solidFill>
-                  <a:srgbClr val="020302"/>
-                </a:solidFill>
-                <a:latin typeface="AdobeClean-Light"/>
-                <a:cs typeface="AdobeClean-Light"/>
-              </a:rPr>
-              <a:t>session </a:t>
-            </a:r>
-            <a:r>
-              <a:rPr sz="900" spc="-5" dirty="0">
-                <a:solidFill>
-                  <a:srgbClr val="020302"/>
-                </a:solidFill>
-                <a:latin typeface="AdobeClean-Light"/>
-                <a:cs typeface="AdobeClean-Light"/>
-              </a:rPr>
-              <a:t>to </a:t>
-            </a:r>
-            <a:r>
-              <a:rPr sz="900" spc="-10" dirty="0">
-                <a:solidFill>
-                  <a:srgbClr val="020302"/>
-                </a:solidFill>
-                <a:latin typeface="AdobeClean-Light"/>
-                <a:cs typeface="AdobeClean-Light"/>
-              </a:rPr>
-              <a:t>get</a:t>
-            </a:r>
-            <a:r>
-              <a:rPr lang="en-US" sz="900" spc="-10" dirty="0">
-                <a:solidFill>
-                  <a:srgbClr val="020302"/>
-                </a:solidFill>
-                <a:latin typeface="AdobeClean-Light"/>
-                <a:cs typeface="AdobeClean-Light"/>
-              </a:rPr>
-              <a:t> </a:t>
-            </a:r>
-            <a:r>
-              <a:rPr sz="900" spc="30" dirty="0">
-                <a:solidFill>
-                  <a:srgbClr val="020302"/>
-                </a:solidFill>
-                <a:latin typeface="AdobeClean-Light"/>
-                <a:cs typeface="AdobeClean-Light"/>
-              </a:rPr>
-              <a:t> </a:t>
-            </a:r>
-            <a:r>
-              <a:rPr sz="900" spc="-20" dirty="0">
-                <a:solidFill>
-                  <a:srgbClr val="020302"/>
-                </a:solidFill>
-                <a:latin typeface="AdobeClean-Light"/>
-                <a:cs typeface="AdobeClean-Light"/>
-              </a:rPr>
-              <a:t>answers</a:t>
-            </a:r>
-            <a:r>
-              <a:rPr lang="en-US" sz="900" spc="-45" dirty="0">
-                <a:solidFill>
-                  <a:srgbClr val="020302"/>
-                </a:solidFill>
-                <a:latin typeface="AdobeClean-Light"/>
-                <a:cs typeface="AdobeClean-Light"/>
-              </a:rPr>
-              <a:t> </a:t>
-            </a:r>
-            <a:r>
-              <a:rPr lang="en-US" sz="900" dirty="0">
-                <a:solidFill>
-                  <a:srgbClr val="020302"/>
-                </a:solidFill>
-                <a:latin typeface="AdobeClean-Light"/>
-                <a:cs typeface="AdobeClean-Light"/>
-              </a:rPr>
-              <a:t>&amp; </a:t>
-            </a:r>
-            <a:r>
-              <a:rPr sz="900" spc="-15" dirty="0">
-                <a:solidFill>
-                  <a:srgbClr val="020302"/>
-                </a:solidFill>
-                <a:latin typeface="AdobeClean-Light"/>
-                <a:cs typeface="AdobeClean-Light"/>
-              </a:rPr>
-              <a:t>help </a:t>
-            </a:r>
-            <a:r>
-              <a:rPr sz="900" spc="-10" dirty="0">
-                <a:solidFill>
-                  <a:srgbClr val="020302"/>
-                </a:solidFill>
-                <a:latin typeface="AdobeClean-Light"/>
-                <a:cs typeface="AdobeClean-Light"/>
-              </a:rPr>
-              <a:t>with</a:t>
-            </a:r>
-            <a:r>
-              <a:rPr sz="900" spc="85" dirty="0">
-                <a:solidFill>
-                  <a:srgbClr val="020302"/>
-                </a:solidFill>
-                <a:latin typeface="AdobeClean-Light"/>
-                <a:cs typeface="AdobeClean-Light"/>
-              </a:rPr>
-              <a:t> </a:t>
-            </a:r>
-            <a:r>
-              <a:rPr sz="900" spc="-10" dirty="0">
-                <a:solidFill>
-                  <a:srgbClr val="020302"/>
-                </a:solidFill>
-                <a:latin typeface="AdobeClean-Light"/>
-                <a:cs typeface="AdobeClean-Light"/>
-              </a:rPr>
-              <a:t>case </a:t>
-            </a:r>
-            <a:r>
-              <a:rPr sz="900" spc="-20" dirty="0">
-                <a:solidFill>
-                  <a:srgbClr val="020302"/>
-                </a:solidFill>
-                <a:latin typeface="AdobeClean-Light"/>
-                <a:cs typeface="AdobeClean-Light"/>
-              </a:rPr>
-              <a:t>submission</a:t>
-            </a:r>
-            <a:r>
-              <a:rPr lang="en-US" sz="900" spc="-20" dirty="0">
-                <a:solidFill>
-                  <a:srgbClr val="020302"/>
-                </a:solidFill>
-                <a:latin typeface="AdobeClean-Light"/>
-                <a:cs typeface="AdobeClean-Light"/>
-              </a:rPr>
-              <a:t>.</a:t>
+              <a:t>Commencez une session de conversation pour obtenir des réponses et de l’aide lors de l’envoi du cas.</a:t>
             </a:r>
           </a:p>
           <a:p>
@@ -8323,29 +7373,15 @@
               </a:tabLst>
             </a:pPr>
             <a:r>
-              <a:rPr sz="900" i="1" spc="-10" dirty="0">
+              <a:rPr lang="fr-FR" sz="900" i="1" dirty="0">
                 <a:solidFill>
                   <a:srgbClr val="7A7A7A"/>
                 </a:solidFill>
                 <a:latin typeface="AdobeClean-LightIt"/>
                 <a:cs typeface="AdobeClean-LightIt"/>
               </a:rPr>
-              <a:t>*Not all </a:t>
+              <a:t>*Tous les produits ne bénéficient pas de l’assistance de messagerie instantanée.  </a:t>
             </a:r>
-            <a:r>
-              <a:rPr sz="900" i="1" spc="-20" dirty="0">
-                <a:solidFill>
-                  <a:srgbClr val="7A7A7A"/>
-                </a:solidFill>
-                <a:latin typeface="AdobeClean-LightIt"/>
-                <a:cs typeface="AdobeClean-LightIt"/>
-              </a:rPr>
-              <a:t>products have live chat support.  </a:t>
-            </a:r>
-            <a:endParaRPr sz="900" dirty="0">
-              <a:latin typeface="AdobeClean-Light"/>
-              <a:cs typeface="AdobeClean-Light"/>
-            </a:endParaRPr>
           </a:p>
         </p:txBody>
       </p:sp>
@@ -8414,19 +7450,15 @@
               </a:spcBef>
             </a:pPr>
             <a:r>
-              <a:rPr lang="en-US" sz="1400" b="1" spc="-10" dirty="0">
+              <a:rPr lang="fr-FR" sz="1400" b="1">
                 <a:solidFill>
                   <a:srgbClr val="020302"/>
                 </a:solidFill>
                 <a:latin typeface="Adobe Clean"/>
                 <a:cs typeface="Adobe Clean"/>
               </a:rPr>
-              <a:t>Standard Support</a:t>
+              <a:t>Assistance Standard</a:t>
             </a:r>
-            <a:endParaRPr lang="en-US" sz="1400" dirty="0">
-              <a:latin typeface="Adobe Clean"/>
-              <a:cs typeface="Adobe Clean"/>
-            </a:endParaRPr>
           </a:p>
         </p:txBody>
       </p:sp>
@@ -8447,7 +7479,7 @@
         <p:spPr>
           <a:xfrm>
             <a:off x="296036" y="3364174"/>
-            <a:ext cx="1568246" cy="184666"/>
+            <a:ext cx="1737360" cy="184666"/>
           </a:xfrm>
           <a:prstGeom prst="rect">
             <a:avLst/>
@@ -8473,12 +7505,12 @@
               <a:defRPr/>
             </a:pPr>
             <a:r>
-              <a:rPr lang="en-US" sz="1200" dirty="0">
+              <a:rPr lang="fr-FR" sz="1200" dirty="0">
                 <a:solidFill>
                   <a:srgbClr val="000000"/>
                 </a:solidFill>
               </a:rPr>
-              <a:t>Community Forums</a:t>
+              <a:t>Forums de la communauté</a:t>
             </a:r>
           </a:p>
         </p:txBody>
@@ -8500,7 +7532,7 @@
         <p:spPr>
           <a:xfrm>
             <a:off x="296036" y="3607329"/>
-            <a:ext cx="959314" cy="184666"/>
+            <a:ext cx="1097280" cy="184666"/>
           </a:xfrm>
           <a:prstGeom prst="rect">
             <a:avLst/>
@@ -8521,12 +7553,12 @@
               </a:spcAft>
             </a:pPr>
             <a:r>
-              <a:rPr lang="en-US" sz="1200" b="1" dirty="0">
+              <a:rPr lang="fr-FR" sz="1200" b="1" dirty="0">
                 <a:latin typeface="+mj-lt"/>
                 <a:ea typeface="Open Sans" pitchFamily="34" charset="0"/>
                 <a:cs typeface="Open Sans" pitchFamily="34" charset="0"/>
               </a:rPr>
-              <a:t>Online Forums</a:t>
+              <a:t>Forums en ligne</a:t>
             </a:r>
           </a:p>
         </p:txBody>
@@ -8559,13 +7591,13 @@
           <a:lstStyle/>
           <a:p>
             <a:r>
-              <a:rPr lang="en-US" sz="1000" dirty="0">
+              <a:rPr lang="fr-FR" sz="1000" dirty="0">
                 <a:solidFill>
                   <a:srgbClr val="000000"/>
                 </a:solidFill>
                 <a:latin typeface="Adobe Clean Light" panose="020B0303020404020204" pitchFamily="34" charset="0"/>
               </a:rPr>
-              <a:t>Continuous online access to a growing database of technical solutions, product documentation, FAQs and more. Connect with practitioners and other customers on Adobe Community to share best practices and lessons learned.</a:t>
+              <a:t>Accès en ligne permanent à une base de données croissante de solutions techniques, de documentation sur les produits, de questions fréquentes, etc. Communiquez avec des professionnels et d’autres clients de la communauté Adobe pour partager les bonnes pratiques et les leçons apprises.</a:t>
             </a:r>
           </a:p>
         </p:txBody>
@@ -8613,7 +7645,7 @@
               <a:defRPr/>
             </a:pPr>
             <a:r>
-              <a:rPr lang="en-US" sz="1200" dirty="0">
+              <a:rPr lang="fr-FR" sz="1200">
                 <a:solidFill>
                   <a:srgbClr val="000000"/>
                 </a:solidFill>
@@ -8661,12 +7693,12 @@
               </a:spcAft>
             </a:pPr>
             <a:r>
-              <a:rPr lang="en-US" sz="1200" b="1" dirty="0">
+              <a:rPr lang="fr-FR" sz="1200" b="1">
                 <a:latin typeface="+mj-lt"/>
                 <a:ea typeface="Open Sans" pitchFamily="34" charset="0"/>
                 <a:cs typeface="Open Sans" pitchFamily="34" charset="0"/>
               </a:rPr>
-              <a:t>Self-guided Journeys</a:t>
+              <a:t>Parcours auto-guidés</a:t>
             </a:r>
           </a:p>
         </p:txBody>
@@ -8699,13 +7731,67 @@
           <a:lstStyle/>
           <a:p>
             <a:r>
-              <a:rPr lang="en-US" sz="1000" dirty="0">
+              <a:rPr lang="fr-FR" sz="1000" dirty="0">
                 <a:solidFill>
                   <a:srgbClr val="000000"/>
                 </a:solidFill>
                 <a:latin typeface="Adobe Clean Light" panose="020B0303020404020204" pitchFamily="34" charset="0"/>
               </a:rPr>
-              <a:t>Experience Makers are made with Experience League. Customers can kickstart their Customer Experience Management abilities with personalized learning to develop skills, engage with a global community of peers, and earn career advancing recognition. </a:t>
+              <a:t>Les </a:t>
+            </a:r>
+            <a:r>
+              <a:rPr lang="fr-FR" sz="1000" dirty="0" err="1">
+                <a:solidFill>
+                  <a:srgbClr val="000000"/>
+                </a:solidFill>
+                <a:latin typeface="Adobe Clean Light" panose="020B0303020404020204" pitchFamily="34" charset="0"/>
+              </a:rPr>
+              <a:t>Experience</a:t>
+            </a:r>
+            <a:r>
+              <a:rPr lang="fr-FR" sz="1000" dirty="0">
+                <a:solidFill>
+                  <a:srgbClr val="000000"/>
+                </a:solidFill>
+                <a:latin typeface="Adobe Clean Light" panose="020B0303020404020204" pitchFamily="34" charset="0"/>
+              </a:rPr>
+              <a:t> </a:t>
+            </a:r>
+            <a:r>
+              <a:rPr lang="fr-FR" sz="1000" dirty="0" err="1">
+                <a:solidFill>
+                  <a:srgbClr val="000000"/>
+                </a:solidFill>
+                <a:latin typeface="Adobe Clean Light" panose="020B0303020404020204" pitchFamily="34" charset="0"/>
+              </a:rPr>
+              <a:t>Makers</a:t>
+            </a:r>
+            <a:r>
+              <a:rPr lang="fr-FR" sz="1000" dirty="0">
+                <a:solidFill>
+                  <a:srgbClr val="000000"/>
+                </a:solidFill>
+                <a:latin typeface="Adobe Clean Light" panose="020B0303020404020204" pitchFamily="34" charset="0"/>
+              </a:rPr>
+              <a:t> sont créées à l’aide d’</a:t>
+            </a:r>
+            <a:r>
+              <a:rPr lang="fr-FR" sz="1000" dirty="0" err="1">
+                <a:solidFill>
+                  <a:srgbClr val="000000"/>
+                </a:solidFill>
+                <a:latin typeface="Adobe Clean Light" panose="020B0303020404020204" pitchFamily="34" charset="0"/>
+              </a:rPr>
+              <a:t>Experience</a:t>
+            </a:r>
+            <a:r>
+              <a:rPr lang="fr-FR" sz="1000" dirty="0">
+                <a:solidFill>
+                  <a:srgbClr val="000000"/>
+                </a:solidFill>
+                <a:latin typeface="Adobe Clean Light" panose="020B0303020404020204" pitchFamily="34" charset="0"/>
+              </a:rPr>
+              <a:t> League. Les clients peuvent lancer leurs capacités de gestion de l’expérience client grâce à un apprentissage personnalisé permettant de développer leurs compétences, collaborer avec une communauté mondiale de pairs et gagner une reconnaissance de carrière. </a:t>
             </a:r>
           </a:p>
         </p:txBody>
@@ -8753,7 +7839,7 @@
               <a:defRPr/>
             </a:pPr>
             <a:r>
-              <a:rPr lang="en-US" sz="1200" dirty="0">
+              <a:rPr lang="fr-FR" sz="1200">
                 <a:solidFill>
                   <a:srgbClr val="000000"/>
                 </a:solidFill>
@@ -8801,12 +7887,12 @@
               </a:spcAft>
             </a:pPr>
             <a:r>
-              <a:rPr lang="en-US" sz="1200" b="1" dirty="0">
+              <a:rPr lang="fr-FR" sz="1200" b="1" dirty="0">
                 <a:latin typeface="+mj-lt"/>
                 <a:ea typeface="Open Sans" pitchFamily="34" charset="0"/>
                 <a:cs typeface="Open Sans" pitchFamily="34" charset="0"/>
               </a:rPr>
-              <a:t>Webinars</a:t>
+              <a:t>Webinaires</a:t>
             </a:r>
           </a:p>
         </p:txBody>
@@ -8839,13 +7925,31 @@
           <a:lstStyle/>
           <a:p>
             <a:r>
-              <a:rPr lang="en-US" sz="1000" dirty="0">
+              <a:rPr lang="fr-FR" sz="1000" dirty="0">
                 <a:solidFill>
                   <a:srgbClr val="000000"/>
                 </a:solidFill>
                 <a:latin typeface="Adobe Clean Light" panose="020B0303020404020204" pitchFamily="34" charset="0"/>
               </a:rPr>
-              <a:t>Office  Hours  led  by  the  Adobe  Customer Support  team  includes  sessions  designed to  inform  as  well  as  help  participants troubleshoot  problems  and  provide  tips and  tricks  for  success  with  Adobe  solutions.</a:t>
+              <a:t>« Office </a:t>
+            </a:r>
+            <a:r>
+              <a:rPr lang="fr-FR" sz="1000" dirty="0" err="1">
+                <a:solidFill>
+                  <a:srgbClr val="000000"/>
+                </a:solidFill>
+                <a:latin typeface="Adobe Clean Light" panose="020B0303020404020204" pitchFamily="34" charset="0"/>
+              </a:rPr>
+              <a:t>Hours</a:t>
+            </a:r>
+            <a:r>
+              <a:rPr lang="fr-FR" sz="1000" dirty="0">
+                <a:solidFill>
+                  <a:srgbClr val="000000"/>
+                </a:solidFill>
+                <a:latin typeface="Adobe Clean Light" panose="020B0303020404020204" pitchFamily="34" charset="0"/>
+              </a:rPr>
+              <a:t> », l’initiative menée par l’équipe du service clientèle Adobe, comprend des sessions conçues pour informer les participants et les aider à résoudre leurs problèmes. Elle offre également des conseils et astuces pour réussir au mieux l’intégration des solutions Adobe.</a:t>
             </a:r>
           </a:p>
         </p:txBody>
@@ -8893,12 +7997,12 @@
               <a:defRPr/>
             </a:pPr>
             <a:r>
-              <a:rPr lang="en-US" sz="1200" dirty="0">
+              <a:rPr lang="fr-FR" sz="1200" dirty="0">
                 <a:solidFill>
                   <a:srgbClr val="000000"/>
                 </a:solidFill>
               </a:rPr>
-              <a:t>Self-help Portals</a:t>
+              <a:t>Portail d’aide automatique</a:t>
             </a:r>
           </a:p>
         </p:txBody>
@@ -8941,12 +8045,12 @@
               </a:spcAft>
             </a:pPr>
             <a:r>
-              <a:rPr lang="en-US" sz="1200" b="1" dirty="0">
+              <a:rPr lang="fr-FR" sz="1200" b="1">
                 <a:latin typeface="+mj-lt"/>
                 <a:ea typeface="Open Sans" pitchFamily="34" charset="0"/>
                 <a:cs typeface="Open Sans" pitchFamily="34" charset="0"/>
               </a:rPr>
-              <a:t>24/7 Support Portal</a:t>
+              <a:t>Portail d’assistance 24/7</a:t>
             </a:r>
           </a:p>
         </p:txBody>
@@ -8965,8 +8069,8 @@
         </p:nvSpPr>
         <p:spPr>
           <a:xfrm>
-            <a:off x="3849036" y="6132567"/>
-            <a:ext cx="3413002" cy="497572"/>
+            <a:off x="3849035" y="6132567"/>
+            <a:ext cx="3464537" cy="651460"/>
           </a:xfrm>
           <a:prstGeom prst="rect">
             <a:avLst/>
@@ -8979,13 +8083,13 @@
           <a:lstStyle/>
           <a:p>
             <a:r>
-              <a:rPr lang="en-US" sz="1000" dirty="0">
+              <a:rPr lang="fr-FR" sz="1000" dirty="0">
                 <a:solidFill>
                   <a:srgbClr val="000000"/>
                 </a:solidFill>
                 <a:latin typeface="Adobe Clean Light" panose="020B0303020404020204" pitchFamily="34" charset="0"/>
               </a:rPr>
-              <a:t>On-demand access to the online Self-help Support Portal to submit support requests, review case status, and browse other resources, like our knowledgebase, news and alerts, featured tips, and more.</a:t>
+              <a:t>Accès à la demande au portail d’assistance d’aide automatique en ligne pour envoyer des demandes d’assistance, examiner le statut des cas et parcourir d’autres ressources, telles que notre base de connaissances, les actualités et les alertes, les conseils présentés, etc.</a:t>
             </a:r>
           </a:p>
         </p:txBody>
@@ -9033,12 +8137,12 @@
               <a:defRPr/>
             </a:pPr>
             <a:r>
-              <a:rPr lang="en-US" sz="1200" dirty="0">
+              <a:rPr lang="fr-FR" sz="1200" dirty="0">
                 <a:solidFill>
                   <a:srgbClr val="000000"/>
                 </a:solidFill>
               </a:rPr>
-              <a:t>Live Chat  Support*</a:t>
+              <a:t>Assistance de messagerie instantanée*</a:t>
             </a:r>
           </a:p>
         </p:txBody>
@@ -9081,12 +8185,12 @@
               </a:spcAft>
             </a:pPr>
             <a:r>
-              <a:rPr lang="en-US" sz="1200" b="1" dirty="0">
+              <a:rPr lang="fr-FR" sz="1200" b="1">
                 <a:latin typeface="+mj-lt"/>
                 <a:ea typeface="Open Sans" pitchFamily="34" charset="0"/>
                 <a:cs typeface="Open Sans" pitchFamily="34" charset="0"/>
               </a:rPr>
-              <a:t>Chat Support</a:t>
+              <a:t>Assistance de conversation</a:t>
             </a:r>
           </a:p>
         </p:txBody>
@@ -9134,7 +8238,7 @@
               <a:defRPr/>
             </a:pPr>
             <a:r>
-              <a:rPr lang="en-US" sz="1200" dirty="0">
+              <a:rPr lang="fr-FR" sz="1200" dirty="0">
                 <a:solidFill>
                   <a:srgbClr val="000000"/>
                 </a:solidFill>
@@ -9182,12 +8286,12 @@
               </a:spcAft>
             </a:pPr>
             <a:r>
-              <a:rPr lang="en-US" sz="1200" b="1" dirty="0">
+              <a:rPr lang="fr-FR" sz="1200" b="1" dirty="0">
                 <a:latin typeface="+mj-lt"/>
                 <a:ea typeface="Open Sans" pitchFamily="34" charset="0"/>
                 <a:cs typeface="Open Sans" pitchFamily="34" charset="0"/>
               </a:rPr>
-              <a:t>Phone  Support</a:t>
+              <a:t>Assistance téléphonique</a:t>
             </a:r>
           </a:p>
         </p:txBody>
@@ -9220,26 +8324,20 @@
           <a:lstStyle/>
           <a:p>
             <a:r>
-              <a:rPr lang="en-US" sz="1000" dirty="0">
+              <a:rPr lang="fr-FR" sz="1000" dirty="0">
                 <a:solidFill>
                   <a:srgbClr val="020302"/>
                 </a:solidFill>
                 <a:latin typeface="AdobeClean-Light"/>
               </a:rPr>
-              <a:t>Authorized users or Named Support Contacts </a:t>
+              <a:t>Les utilisateurs autorisés ou les contacts d’assistance nommés </a:t>
             </a:r>
             <a:r>
-              <a:rPr lang="en-US" sz="1000" dirty="0">
+              <a:rPr lang="fr-FR" sz="1000" dirty="0">
                 <a:latin typeface="Adobe Clean Light" panose="020B0303020404020204" pitchFamily="34" charset="0"/>
               </a:rPr>
-              <a:t>can submit issues through all available  channels (including phone for P1) and interact with our technical support team on behalf of your company. </a:t>
+              <a:t>peuvent communiquer des problèmes par l’intermédiaire de tous les canaux disponibles (y compris le téléphone pour P1) et interagir avec notre équipe d’assistance technique au nom de votre entreprise. </a:t>
             </a:r>
-            <a:endParaRPr lang="en-US" sz="1000" dirty="0">
-              <a:solidFill>
-                <a:srgbClr val="000000"/>
-              </a:solidFill>
-              <a:latin typeface="Adobe Clean Light" panose="020B0303020404020204" pitchFamily="34" charset="0"/>
-            </a:endParaRPr>
           </a:p>
         </p:txBody>
       </p:sp>
@@ -9261,8 +8359,8 @@
         </p:nvSpPr>
         <p:spPr>
           <a:xfrm>
-            <a:off x="5253416" y="9862966"/>
-            <a:ext cx="2270125" cy="132729"/>
+            <a:off x="4648200" y="9862966"/>
+            <a:ext cx="2926080" cy="132729"/>
           </a:xfrm>
           <a:prstGeom prst="rect">
             <a:avLst/>
@@ -9283,24 +8381,24 @@
               </a:spcBef>
             </a:pPr>
             <a:r>
-              <a:rPr spc="-5" dirty="0"/>
-              <a:t>©202</a:t>
+              <a:rPr lang="fr-FR" dirty="0"/>
+              <a:t>©2021 Adobe. All </a:t>
             </a:r>
             <a:r>
-              <a:rPr lang="en-US" spc="-5" dirty="0"/>
-              <a:t>1</a:t>
+              <a:rPr lang="fr-FR" dirty="0" err="1"/>
+              <a:t>Rights</a:t>
             </a:r>
             <a:r>
-              <a:rPr spc="-5" dirty="0"/>
-              <a:t> Adobe. All Rights Reserved. Adobe</a:t>
-            </a:r>
-            <a:r>
-              <a:rPr spc="60" dirty="0"/>
+              <a:rPr lang="fr-FR" dirty="0"/>
               <a:t> </a:t>
             </a:r>
             <a:r>
-              <a:rPr spc="-5" dirty="0"/>
-              <a:t>Confidential.</a:t>
+              <a:rPr lang="fr-FR" dirty="0" err="1"/>
+              <a:t>Reserved</a:t>
+            </a:r>
+            <a:r>
+              <a:rPr lang="fr-FR" dirty="0"/>
+              <a:t>. Données confidentielles Adobe</a:t>
             </a:r>
           </a:p>
         </p:txBody>
@@ -9591,49 +8689,15 @@
               </a:lnSpc>
             </a:pPr>
             <a:r>
-              <a:rPr sz="500" spc="-5" dirty="0">
+              <a:rPr lang="fr-FR" sz="500">
                 <a:solidFill>
                   <a:srgbClr val="6C6C6C"/>
                 </a:solidFill>
                 <a:latin typeface="Adobe Clean"/>
                 <a:cs typeface="Adobe Clean"/>
               </a:rPr>
-              <a:t>©2020 Adobe. All Rights Reserved. </a:t>
+              <a:t>©2020 Adobe. All Rights Reserved. Données confidentielles Adobe</a:t>
             </a:r>
-            <a:r>
-              <a:rPr sz="500" dirty="0">
-                <a:solidFill>
-                  <a:srgbClr val="6C6C6C"/>
-                </a:solidFill>
-                <a:latin typeface="Adobe Clean"/>
-                <a:cs typeface="Adobe Clean"/>
-              </a:rPr>
-              <a:t>Adobe</a:t>
-            </a:r>
-            <a:r>
-              <a:rPr sz="500" spc="5" dirty="0">
-                <a:solidFill>
-                  <a:srgbClr val="6C6C6C"/>
-                </a:solidFill>
-                <a:latin typeface="Adobe Clean"/>
-                <a:cs typeface="Adobe Clean"/>
-              </a:rPr>
-              <a:t> </a:t>
-            </a:r>
-            <a:r>
-              <a:rPr sz="500" spc="-5" dirty="0">
-                <a:solidFill>
-                  <a:srgbClr val="6C6C6C"/>
-                </a:solidFill>
-                <a:latin typeface="Adobe Clean"/>
-                <a:cs typeface="Adobe Clean"/>
-              </a:rPr>
-              <a:t>Confidential.</a:t>
-            </a:r>
-            <a:endParaRPr sz="500">
-              <a:latin typeface="Adobe Clean"/>
-              <a:cs typeface="Adobe Clean"/>
-            </a:endParaRPr>
           </a:p>
           <a:p>
             <a:pPr>
@@ -9659,39 +8723,15 @@
               </a:spcBef>
             </a:pPr>
             <a:r>
-              <a:rPr sz="800" spc="-5" dirty="0">
+              <a:rPr lang="fr-FR" sz="800">
                 <a:solidFill>
                   <a:srgbClr val="6D6D6D"/>
                 </a:solidFill>
                 <a:latin typeface="Adobe Clean"/>
                 <a:cs typeface="Adobe Clean"/>
               </a:rPr>
-              <a:t>©2020 Adobe. All Rights Reserved. Adobe</a:t>
+              <a:t>©2020 Adobe. All Rights Reserved. Données confidentielles Adobe</a:t>
             </a:r>
-            <a:r>
-              <a:rPr sz="800" spc="75" dirty="0">
-                <a:solidFill>
-                  <a:srgbClr val="6D6D6D"/>
-                </a:solidFill>
-                <a:latin typeface="Adobe Clean"/>
-                <a:cs typeface="Adobe Clean"/>
-              </a:rPr>
-              <a:t> </a:t>
-            </a:r>
-            <a:r>
-              <a:rPr sz="800" spc="-5" dirty="0">
-                <a:solidFill>
-                  <a:srgbClr val="6D6D6D"/>
-                </a:solidFill>
-                <a:latin typeface="Adobe Clean"/>
-                <a:cs typeface="Adobe Clean"/>
-              </a:rPr>
-              <a:t>Confidential.</a:t>
-            </a:r>
-            <a:endParaRPr sz="800">
-              <a:latin typeface="Adobe Clean"/>
-              <a:cs typeface="Adobe Clean"/>
-            </a:endParaRPr>
           </a:p>
         </p:txBody>
       </p:sp>
@@ -9775,19 +8815,15 @@
               </a:spcBef>
             </a:pPr>
             <a:r>
-              <a:rPr lang="en-US" sz="1400" b="1" spc="-15" dirty="0">
+              <a:rPr lang="fr-FR" sz="1400" b="1">
                 <a:solidFill>
                   <a:srgbClr val="020302"/>
                 </a:solidFill>
                 <a:latin typeface="Adobe Clean"/>
                 <a:cs typeface="Adobe Clean"/>
               </a:rPr>
-              <a:t>Resources</a:t>
+              <a:t>Ressources</a:t>
             </a:r>
-            <a:endParaRPr sz="1400" dirty="0">
-              <a:latin typeface="Adobe Clean"/>
-              <a:cs typeface="Adobe Clean"/>
-            </a:endParaRPr>
           </a:p>
         </p:txBody>
       </p:sp>
@@ -9821,7 +8857,7 @@
               </a:spcBef>
             </a:pPr>
             <a:r>
-              <a:rPr sz="800" spc="-15" dirty="0">
+              <a:rPr lang="fr-FR" sz="800" dirty="0">
                 <a:solidFill>
                   <a:srgbClr val="777879"/>
                 </a:solidFill>
@@ -9830,10 +8866,6 @@
               </a:rPr>
               <a:t>Adobe</a:t>
             </a:r>
-            <a:endParaRPr sz="800">
-              <a:latin typeface="Adobe Clean"/>
-              <a:cs typeface="Adobe Clean"/>
-            </a:endParaRPr>
           </a:p>
           <a:p>
             <a:pPr marL="12700">
@@ -9842,29 +8874,15 @@
               </a:lnSpc>
             </a:pPr>
             <a:r>
-              <a:rPr sz="800" spc="-15" dirty="0">
+              <a:rPr lang="fr-FR" sz="800" dirty="0">
                 <a:solidFill>
                   <a:srgbClr val="777879"/>
                 </a:solidFill>
                 <a:latin typeface="Adobe Clean"/>
                 <a:cs typeface="Adobe Clean"/>
               </a:rPr>
-              <a:t>345 </a:t>
+              <a:t>345 Park Avenue</a:t>
             </a:r>
-            <a:r>
-              <a:rPr lang="en-US" sz="800" spc="-15" dirty="0">
-                <a:solidFill>
-                  <a:srgbClr val="777879"/>
-                </a:solidFill>
-                <a:latin typeface="Adobe Clean"/>
-                <a:cs typeface="Adobe Clean"/>
-              </a:rPr>
-              <a:t>Park Avenue</a:t>
-            </a:r>
-            <a:endParaRPr sz="800" dirty="0">
-              <a:latin typeface="Adobe Clean"/>
-              <a:cs typeface="Adobe Clean"/>
-            </a:endParaRPr>
           </a:p>
           <a:p>
             <a:pPr marL="12700">
@@ -9873,49 +8891,15 @@
               </a:lnSpc>
             </a:pPr>
             <a:r>
-              <a:rPr sz="800" spc="-10" dirty="0">
+              <a:rPr lang="fr-FR" sz="800" dirty="0">
                 <a:solidFill>
                   <a:srgbClr val="777879"/>
                 </a:solidFill>
                 <a:latin typeface="Adobe Clean"/>
                 <a:cs typeface="Adobe Clean"/>
               </a:rPr>
-              <a:t>San </a:t>
+              <a:t>San Jose, CA95110-2704</a:t>
             </a:r>
-            <a:r>
-              <a:rPr sz="800" spc="-15" dirty="0">
-                <a:solidFill>
-                  <a:srgbClr val="777879"/>
-                </a:solidFill>
-                <a:latin typeface="Adobe Clean"/>
-                <a:cs typeface="Adobe Clean"/>
-              </a:rPr>
-              <a:t>Jose,</a:t>
-            </a:r>
-            <a:r>
-              <a:rPr sz="800" spc="-140" dirty="0">
-                <a:solidFill>
-                  <a:srgbClr val="777879"/>
-                </a:solidFill>
-                <a:latin typeface="Adobe Clean"/>
-                <a:cs typeface="Adobe Clean"/>
-              </a:rPr>
-              <a:t> </a:t>
-            </a:r>
-            <a:r>
-              <a:rPr sz="800" spc="-20" dirty="0">
-                <a:solidFill>
-                  <a:srgbClr val="777879"/>
-                </a:solidFill>
-                <a:latin typeface="Adobe Clean"/>
-                <a:cs typeface="Adobe Clean"/>
-              </a:rPr>
-              <a:t>CA95110-2704</a:t>
-            </a:r>
-            <a:endParaRPr sz="800">
-              <a:latin typeface="Adobe Clean"/>
-              <a:cs typeface="Adobe Clean"/>
-            </a:endParaRPr>
           </a:p>
           <a:p>
             <a:pPr marL="12700">
@@ -9927,19 +8911,15 @@
               </a:spcBef>
             </a:pPr>
             <a:r>
-              <a:rPr sz="800" spc="-10" dirty="0">
+              <a:rPr lang="fr-FR" sz="800" dirty="0">
                 <a:solidFill>
                   <a:srgbClr val="777879"/>
                 </a:solidFill>
                 <a:latin typeface="Adobe Clean"/>
                 <a:cs typeface="Adobe Clean"/>
               </a:rPr>
-              <a:t>USA</a:t>
+              <a:t>États-Unis</a:t>
             </a:r>
-            <a:endParaRPr sz="800">
-              <a:latin typeface="Adobe Clean"/>
-              <a:cs typeface="Adobe Clean"/>
-            </a:endParaRPr>
           </a:p>
           <a:p>
             <a:pPr marL="12700">
@@ -9951,7 +8931,7 @@
               </a:spcBef>
             </a:pPr>
             <a:r>
-              <a:rPr sz="800" u="sng" spc="-25" dirty="0">
+              <a:rPr lang="fr-FR" sz="800" u="sng" dirty="0">
                 <a:solidFill>
                   <a:srgbClr val="5F5F5F"/>
                 </a:solidFill>
@@ -9964,12 +8944,8 @@
                 <a:cs typeface="Adobe Clean"/>
                 <a:hlinkClick r:id="rId3"/>
               </a:rPr>
-              <a:t>www.adobe.com</a:t>
+              <a:t>www.adobe.com/fr/</a:t>
             </a:r>
-            <a:endParaRPr sz="800">
-              <a:latin typeface="Adobe Clean"/>
-              <a:cs typeface="Adobe Clean"/>
-            </a:endParaRPr>
           </a:p>
         </p:txBody>
       </p:sp>
@@ -10123,7 +9099,7 @@
         <p:spPr>
           <a:xfrm>
             <a:off x="75947" y="9437110"/>
-            <a:ext cx="5466715" cy="570865"/>
+            <a:ext cx="5715253" cy="570865"/>
           </a:xfrm>
           <a:prstGeom prst="rect">
             <a:avLst/>
@@ -10144,449 +9120,15 @@
               </a:spcBef>
             </a:pPr>
             <a:r>
-              <a:rPr sz="1100" i="1" spc="-10" dirty="0">
+              <a:rPr lang="fr-FR" sz="1100" i="1" dirty="0">
                 <a:solidFill>
                   <a:srgbClr val="777879"/>
                 </a:solidFill>
                 <a:latin typeface="AdobeClean-LightIt"/>
                 <a:cs typeface="AdobeClean-LightIt"/>
               </a:rPr>
-              <a:t>To</a:t>
+              <a:t>Pour en apprendre plus sur les offres de l’assistance Adobe et sur le niveau qui vous convient, contactez votre gestionnaire de compte nommé (NAM) ou votre gestionnaire de réussite client (CSM).</a:t>
             </a:r>
-            <a:r>
-              <a:rPr sz="1100" i="1" spc="-50" dirty="0">
-                <a:solidFill>
-                  <a:srgbClr val="777879"/>
-                </a:solidFill>
-                <a:latin typeface="AdobeClean-LightIt"/>
-                <a:cs typeface="AdobeClean-LightIt"/>
-              </a:rPr>
-              <a:t> </a:t>
-            </a:r>
-            <a:r>
-              <a:rPr sz="1100" i="1" spc="-15" dirty="0">
-                <a:solidFill>
-                  <a:srgbClr val="777879"/>
-                </a:solidFill>
-                <a:latin typeface="AdobeClean-LightIt"/>
-                <a:cs typeface="AdobeClean-LightIt"/>
-              </a:rPr>
-              <a:t>learn</a:t>
-            </a:r>
-            <a:r>
-              <a:rPr sz="1100" i="1" spc="-40" dirty="0">
-                <a:solidFill>
-                  <a:srgbClr val="777879"/>
-                </a:solidFill>
-                <a:latin typeface="AdobeClean-LightIt"/>
-                <a:cs typeface="AdobeClean-LightIt"/>
-              </a:rPr>
-              <a:t> </a:t>
-            </a:r>
-            <a:r>
-              <a:rPr sz="1100" i="1" spc="-15" dirty="0">
-                <a:solidFill>
-                  <a:srgbClr val="777879"/>
-                </a:solidFill>
-                <a:latin typeface="AdobeClean-LightIt"/>
-                <a:cs typeface="AdobeClean-LightIt"/>
-              </a:rPr>
-              <a:t>more</a:t>
-            </a:r>
-            <a:r>
-              <a:rPr sz="1100" i="1" spc="-45" dirty="0">
-                <a:solidFill>
-                  <a:srgbClr val="777879"/>
-                </a:solidFill>
-                <a:latin typeface="AdobeClean-LightIt"/>
-                <a:cs typeface="AdobeClean-LightIt"/>
-              </a:rPr>
-              <a:t> </a:t>
-            </a:r>
-            <a:r>
-              <a:rPr sz="1100" i="1" spc="-15" dirty="0">
-                <a:solidFill>
-                  <a:srgbClr val="777879"/>
-                </a:solidFill>
-                <a:latin typeface="AdobeClean-LightIt"/>
-                <a:cs typeface="AdobeClean-LightIt"/>
-              </a:rPr>
-              <a:t>about</a:t>
-            </a:r>
-            <a:r>
-              <a:rPr sz="1100" i="1" spc="-45" dirty="0">
-                <a:solidFill>
-                  <a:srgbClr val="777879"/>
-                </a:solidFill>
-                <a:latin typeface="AdobeClean-LightIt"/>
-                <a:cs typeface="AdobeClean-LightIt"/>
-              </a:rPr>
-              <a:t> </a:t>
-            </a:r>
-            <a:r>
-              <a:rPr sz="1100" i="1" spc="-15" dirty="0">
-                <a:solidFill>
-                  <a:srgbClr val="777879"/>
-                </a:solidFill>
-                <a:latin typeface="AdobeClean-LightIt"/>
-                <a:cs typeface="AdobeClean-LightIt"/>
-              </a:rPr>
-              <a:t>Adobe</a:t>
-            </a:r>
-            <a:r>
-              <a:rPr sz="1100" i="1" spc="-60" dirty="0">
-                <a:solidFill>
-                  <a:srgbClr val="777879"/>
-                </a:solidFill>
-                <a:latin typeface="AdobeClean-LightIt"/>
-                <a:cs typeface="AdobeClean-LightIt"/>
-              </a:rPr>
-              <a:t> </a:t>
-            </a:r>
-            <a:r>
-              <a:rPr sz="1100" i="1" spc="-15" dirty="0">
-                <a:solidFill>
-                  <a:srgbClr val="777879"/>
-                </a:solidFill>
-                <a:latin typeface="AdobeClean-LightIt"/>
-                <a:cs typeface="AdobeClean-LightIt"/>
-              </a:rPr>
-              <a:t>Support</a:t>
-            </a:r>
-            <a:r>
-              <a:rPr lang="en-US" sz="1100" i="1" spc="-15" dirty="0">
-                <a:solidFill>
-                  <a:srgbClr val="777879"/>
-                </a:solidFill>
-                <a:latin typeface="AdobeClean-LightIt"/>
-                <a:cs typeface="AdobeClean-LightIt"/>
-              </a:rPr>
-              <a:t> Offerings</a:t>
-            </a:r>
-            <a:r>
-              <a:rPr sz="1100" i="1" spc="-75" dirty="0">
-                <a:solidFill>
-                  <a:srgbClr val="777879"/>
-                </a:solidFill>
-                <a:latin typeface="AdobeClean-LightIt"/>
-                <a:cs typeface="AdobeClean-LightIt"/>
-              </a:rPr>
-              <a:t> </a:t>
-            </a:r>
-            <a:r>
-              <a:rPr sz="1100" i="1" spc="-15" dirty="0">
-                <a:solidFill>
-                  <a:srgbClr val="777879"/>
-                </a:solidFill>
-                <a:latin typeface="AdobeClean-LightIt"/>
-                <a:cs typeface="AdobeClean-LightIt"/>
-              </a:rPr>
-              <a:t>and</a:t>
-            </a:r>
-            <a:r>
-              <a:rPr sz="1100" i="1" spc="-50" dirty="0">
-                <a:solidFill>
-                  <a:srgbClr val="777879"/>
-                </a:solidFill>
-                <a:latin typeface="AdobeClean-LightIt"/>
-                <a:cs typeface="AdobeClean-LightIt"/>
-              </a:rPr>
-              <a:t> </a:t>
-            </a:r>
-            <a:r>
-              <a:rPr sz="1100" i="1" spc="-15" dirty="0">
-                <a:solidFill>
-                  <a:srgbClr val="777879"/>
-                </a:solidFill>
-                <a:latin typeface="AdobeClean-LightIt"/>
-                <a:cs typeface="AdobeClean-LightIt"/>
-              </a:rPr>
-              <a:t>the</a:t>
-            </a:r>
-            <a:r>
-              <a:rPr sz="1100" i="1" spc="-55" dirty="0">
-                <a:solidFill>
-                  <a:srgbClr val="777879"/>
-                </a:solidFill>
-                <a:latin typeface="AdobeClean-LightIt"/>
-                <a:cs typeface="AdobeClean-LightIt"/>
-              </a:rPr>
-              <a:t> </a:t>
-            </a:r>
-            <a:r>
-              <a:rPr sz="1100" i="1" spc="-15" dirty="0">
-                <a:solidFill>
-                  <a:srgbClr val="777879"/>
-                </a:solidFill>
-                <a:latin typeface="AdobeClean-LightIt"/>
-                <a:cs typeface="AdobeClean-LightIt"/>
-              </a:rPr>
-              <a:t>right</a:t>
-            </a:r>
-            <a:r>
-              <a:rPr sz="1100" i="1" spc="-95" dirty="0">
-                <a:solidFill>
-                  <a:srgbClr val="777879"/>
-                </a:solidFill>
-                <a:latin typeface="AdobeClean-LightIt"/>
-                <a:cs typeface="AdobeClean-LightIt"/>
-              </a:rPr>
-              <a:t> </a:t>
-            </a:r>
-            <a:r>
-              <a:rPr sz="1100" i="1" spc="-15" dirty="0">
-                <a:solidFill>
-                  <a:srgbClr val="777879"/>
-                </a:solidFill>
-                <a:latin typeface="AdobeClean-LightIt"/>
-                <a:cs typeface="AdobeClean-LightIt"/>
-              </a:rPr>
-              <a:t>level</a:t>
-            </a:r>
-            <a:r>
-              <a:rPr sz="1100" i="1" spc="-55" dirty="0">
-                <a:solidFill>
-                  <a:srgbClr val="777879"/>
-                </a:solidFill>
-                <a:latin typeface="AdobeClean-LightIt"/>
-                <a:cs typeface="AdobeClean-LightIt"/>
-              </a:rPr>
-              <a:t> </a:t>
-            </a:r>
-            <a:r>
-              <a:rPr sz="1100" i="1" spc="-15" dirty="0">
-                <a:solidFill>
-                  <a:srgbClr val="777879"/>
-                </a:solidFill>
-                <a:latin typeface="AdobeClean-LightIt"/>
-                <a:cs typeface="AdobeClean-LightIt"/>
-              </a:rPr>
-              <a:t>for</a:t>
-            </a:r>
-            <a:r>
-              <a:rPr sz="1100" i="1" spc="-85" dirty="0">
-                <a:solidFill>
-                  <a:srgbClr val="777879"/>
-                </a:solidFill>
-                <a:latin typeface="AdobeClean-LightIt"/>
-                <a:cs typeface="AdobeClean-LightIt"/>
-              </a:rPr>
-              <a:t> </a:t>
-            </a:r>
-            <a:r>
-              <a:rPr sz="1100" i="1" spc="-15" dirty="0">
-                <a:solidFill>
-                  <a:srgbClr val="777879"/>
-                </a:solidFill>
-                <a:latin typeface="AdobeClean-LightIt"/>
-                <a:cs typeface="AdobeClean-LightIt"/>
-              </a:rPr>
-              <a:t>you,</a:t>
-            </a:r>
-            <a:r>
-              <a:rPr sz="1100" i="1" spc="-65" dirty="0">
-                <a:solidFill>
-                  <a:srgbClr val="777879"/>
-                </a:solidFill>
-                <a:latin typeface="AdobeClean-LightIt"/>
-                <a:cs typeface="AdobeClean-LightIt"/>
-              </a:rPr>
-              <a:t> </a:t>
-            </a:r>
-            <a:r>
-              <a:rPr sz="1100" i="1" spc="-15" dirty="0">
-                <a:solidFill>
-                  <a:srgbClr val="777879"/>
-                </a:solidFill>
-                <a:latin typeface="AdobeClean-LightIt"/>
-                <a:cs typeface="AdobeClean-LightIt"/>
-              </a:rPr>
-              <a:t>contact</a:t>
-            </a:r>
-            <a:r>
-              <a:rPr sz="1100" i="1" spc="-85" dirty="0">
-                <a:solidFill>
-                  <a:srgbClr val="777879"/>
-                </a:solidFill>
-                <a:latin typeface="AdobeClean-LightIt"/>
-                <a:cs typeface="AdobeClean-LightIt"/>
-              </a:rPr>
-              <a:t> </a:t>
-            </a:r>
-            <a:r>
-              <a:rPr sz="1100" i="1" spc="-15" dirty="0">
-                <a:solidFill>
-                  <a:srgbClr val="777879"/>
-                </a:solidFill>
-                <a:latin typeface="AdobeClean-LightIt"/>
-                <a:cs typeface="AdobeClean-LightIt"/>
-              </a:rPr>
-              <a:t>your</a:t>
-            </a:r>
-            <a:r>
-              <a:rPr sz="1100" i="1" spc="-70" dirty="0">
-                <a:solidFill>
-                  <a:srgbClr val="777879"/>
-                </a:solidFill>
-                <a:latin typeface="AdobeClean-LightIt"/>
-                <a:cs typeface="AdobeClean-LightIt"/>
-              </a:rPr>
-              <a:t> </a:t>
-            </a:r>
-            <a:r>
-              <a:rPr sz="1100" i="1" spc="-15" dirty="0">
-                <a:solidFill>
-                  <a:srgbClr val="777879"/>
-                </a:solidFill>
-                <a:latin typeface="AdobeClean-LightIt"/>
-                <a:cs typeface="AdobeClean-LightIt"/>
-              </a:rPr>
-              <a:t>Named</a:t>
-            </a:r>
-            <a:r>
-              <a:rPr sz="1100" i="1" spc="-55" dirty="0">
-                <a:solidFill>
-                  <a:srgbClr val="777879"/>
-                </a:solidFill>
-                <a:latin typeface="AdobeClean-LightIt"/>
-                <a:cs typeface="AdobeClean-LightIt"/>
-              </a:rPr>
-              <a:t> </a:t>
-            </a:r>
-            <a:r>
-              <a:rPr sz="1100" i="1" spc="-25" dirty="0">
-                <a:solidFill>
-                  <a:srgbClr val="777879"/>
-                </a:solidFill>
-                <a:latin typeface="AdobeClean-LightIt"/>
-                <a:cs typeface="AdobeClean-LightIt"/>
-              </a:rPr>
-              <a:t>Account</a:t>
-            </a:r>
-            <a:r>
-              <a:rPr sz="1100" i="1" spc="-120" dirty="0">
-                <a:solidFill>
-                  <a:srgbClr val="777879"/>
-                </a:solidFill>
-                <a:latin typeface="AdobeClean-LightIt"/>
-                <a:cs typeface="AdobeClean-LightIt"/>
-              </a:rPr>
-              <a:t> </a:t>
-            </a:r>
-            <a:r>
-              <a:rPr sz="1100" i="1" spc="-20" dirty="0">
-                <a:solidFill>
-                  <a:srgbClr val="777879"/>
-                </a:solidFill>
-                <a:latin typeface="AdobeClean-LightIt"/>
-                <a:cs typeface="AdobeClean-LightIt"/>
-              </a:rPr>
-              <a:t>Manager</a:t>
-            </a:r>
-            <a:r>
-              <a:rPr lang="en-US" sz="1100" i="1" spc="-20" dirty="0">
-                <a:solidFill>
-                  <a:srgbClr val="777879"/>
-                </a:solidFill>
-                <a:latin typeface="AdobeClean-LightIt"/>
-                <a:cs typeface="AdobeClean-LightIt"/>
-              </a:rPr>
-              <a:t> </a:t>
-            </a:r>
-            <a:r>
-              <a:rPr sz="1100" i="1" spc="-20" dirty="0">
-                <a:solidFill>
-                  <a:srgbClr val="777879"/>
-                </a:solidFill>
-                <a:latin typeface="AdobeClean-LightIt"/>
-                <a:cs typeface="AdobeClean-LightIt"/>
-              </a:rPr>
-              <a:t> </a:t>
-            </a:r>
-            <a:r>
-              <a:rPr sz="1100" i="1" spc="-15" dirty="0">
-                <a:solidFill>
-                  <a:srgbClr val="777879"/>
-                </a:solidFill>
-                <a:latin typeface="AdobeClean-LightIt"/>
-                <a:cs typeface="AdobeClean-LightIt"/>
-              </a:rPr>
-              <a:t>(NAM) </a:t>
-            </a:r>
-            <a:r>
-              <a:rPr sz="1100" i="1" spc="-10" dirty="0">
-                <a:solidFill>
-                  <a:srgbClr val="777879"/>
-                </a:solidFill>
-                <a:latin typeface="AdobeClean-LightIt"/>
-                <a:cs typeface="AdobeClean-LightIt"/>
-              </a:rPr>
-              <a:t>or </a:t>
-            </a:r>
-            <a:r>
-              <a:rPr sz="1100" i="1" spc="-15" dirty="0">
-                <a:solidFill>
-                  <a:srgbClr val="777879"/>
-                </a:solidFill>
-                <a:latin typeface="AdobeClean-LightIt"/>
-                <a:cs typeface="AdobeClean-LightIt"/>
-              </a:rPr>
-              <a:t>Customer </a:t>
-            </a:r>
-            <a:r>
-              <a:rPr sz="1100" i="1" spc="-20" dirty="0">
-                <a:solidFill>
-                  <a:srgbClr val="777879"/>
-                </a:solidFill>
-                <a:latin typeface="AdobeClean-LightIt"/>
-                <a:cs typeface="AdobeClean-LightIt"/>
-              </a:rPr>
-              <a:t>Success</a:t>
-            </a:r>
-            <a:r>
-              <a:rPr lang="en-US" sz="1100" i="1" spc="-20" dirty="0">
-                <a:solidFill>
-                  <a:srgbClr val="777879"/>
-                </a:solidFill>
-                <a:latin typeface="AdobeClean-LightIt"/>
-                <a:cs typeface="AdobeClean-LightIt"/>
-              </a:rPr>
-              <a:t> </a:t>
-            </a:r>
-            <a:r>
-              <a:rPr sz="1100" i="1" spc="-15" dirty="0">
-                <a:solidFill>
-                  <a:srgbClr val="777879"/>
-                </a:solidFill>
-                <a:latin typeface="AdobeClean-LightIt"/>
-                <a:cs typeface="AdobeClean-LightIt"/>
-              </a:rPr>
-              <a:t>Manager</a:t>
-            </a:r>
-            <a:r>
-              <a:rPr lang="en-US" sz="1100" i="1" spc="-15" dirty="0">
-                <a:solidFill>
-                  <a:srgbClr val="777879"/>
-                </a:solidFill>
-                <a:latin typeface="AdobeClean-LightIt"/>
-                <a:cs typeface="AdobeClean-LightIt"/>
-              </a:rPr>
-              <a:t> </a:t>
-            </a:r>
-            <a:r>
-              <a:rPr sz="1100" i="1" spc="-15" dirty="0">
-                <a:solidFill>
-                  <a:srgbClr val="777879"/>
-                </a:solidFill>
-                <a:latin typeface="AdobeClean-LightIt"/>
-                <a:cs typeface="AdobeClean-LightIt"/>
-              </a:rPr>
-              <a:t>(CSM)</a:t>
-            </a:r>
-            <a:endParaRPr sz="1100" dirty="0">
-              <a:latin typeface="AdobeClean-LightIt"/>
-              <a:cs typeface="AdobeClean-LightIt"/>
-            </a:endParaRPr>
           </a:p>
           <a:p>
             <a:pPr marL="34290">
@@ -10598,37 +9140,27 @@
               </a:spcBef>
             </a:pPr>
             <a:r>
-              <a:rPr sz="800" spc="-5" dirty="0">
+              <a:rPr lang="fr-FR" sz="800" dirty="0">
                 <a:solidFill>
                   <a:srgbClr val="6D6D6D"/>
                 </a:solidFill>
                 <a:latin typeface="Adobe Clean"/>
                 <a:cs typeface="Adobe Clean"/>
               </a:rPr>
-              <a:t>©202</a:t>
+              <a:t>©2021 Adobe. All </a:t>
             </a:r>
             <a:r>
-              <a:rPr lang="en-US" sz="800" spc="-5" dirty="0">
+              <a:rPr lang="fr-FR" sz="800" dirty="0" err="1">
                 <a:solidFill>
                   <a:srgbClr val="6D6D6D"/>
                 </a:solidFill>
                 <a:latin typeface="Adobe Clean"/>
                 <a:cs typeface="Adobe Clean"/>
               </a:rPr>
-              <a:t>1</a:t>
+              <a:t>Rights</a:t>
             </a:r>
             <a:r>
-              <a:rPr sz="800" spc="-5" dirty="0">
-                <a:solidFill>
-                  <a:srgbClr val="6D6D6D"/>
-                </a:solidFill>
-                <a:latin typeface="Adobe Clean"/>
-                <a:cs typeface="Adobe Clean"/>
-              </a:rPr>
-              <a:t> Adobe. All Rights Reserved. Adobe</a:t>
-            </a:r>
-            <a:r>
-              <a:rPr sz="800" spc="75" dirty="0">
+              <a:rPr lang="fr-FR" sz="800" dirty="0">
                 <a:solidFill>
                   <a:srgbClr val="6D6D6D"/>
                 </a:solidFill>
@@ -10638,19 +9170,25 @@
               <a:t> </a:t>
             </a:r>
             <a:r>
-              <a:rPr sz="800" spc="-5" dirty="0">
+              <a:rPr lang="fr-FR" sz="800" dirty="0" err="1">
                 <a:solidFill>
                   <a:srgbClr val="6D6D6D"/>
                 </a:solidFill>
                 <a:latin typeface="Adobe Clean"/>
                 <a:cs typeface="Adobe Clean"/>
               </a:rPr>
-              <a:t>Confidential.</a:t>
+              <a:t>Reserved</a:t>
             </a:r>
-            <a:endParaRPr sz="800" dirty="0">
-              <a:latin typeface="Adobe Clean"/>
-              <a:cs typeface="Adobe Clean"/>
-            </a:endParaRPr>
+            <a:r>
+              <a:rPr lang="fr-FR" sz="800" dirty="0">
+                <a:solidFill>
+                  <a:srgbClr val="6D6D6D"/>
+                </a:solidFill>
+                <a:latin typeface="Adobe Clean"/>
+                <a:cs typeface="Adobe Clean"/>
+              </a:rPr>
+              <a:t>. Données confidentielles Adobe</a:t>
+            </a:r>
           </a:p>
         </p:txBody>
       </p:sp>
@@ -10668,8 +9206,8 @@
         </p:nvSpPr>
         <p:spPr>
           <a:xfrm>
-            <a:off x="171129" y="5057379"/>
-            <a:ext cx="6476646" cy="755976"/>
+            <a:off x="171128" y="5057379"/>
+            <a:ext cx="7144071" cy="755976"/>
           </a:xfrm>
           <a:prstGeom prst="rect">
             <a:avLst/>
@@ -10687,14 +9225,14 @@
               </a:spcBef>
             </a:pPr>
             <a:r>
-              <a:rPr lang="en-US" sz="1400" b="1" spc="-15" dirty="0">
+              <a:rPr lang="fr-FR" sz="1400" b="1" dirty="0">
                 <a:solidFill>
                   <a:srgbClr val="020302"/>
                 </a:solidFill>
                 <a:latin typeface="Adobe Clean"/>
                 <a:cs typeface="Adobe Clean"/>
               </a:rPr>
-              <a:t>Regional scope of Adobe Support, Local Hours Of Operation And Language Support</a:t>
+              <a:t>Portée régionale de l’assistance Adobe, heures ouvrables locales et assistance linguistique</a:t>
             </a:r>
           </a:p>
           <a:p>
@@ -10704,13 +9242,13 @@
               </a:spcBef>
             </a:pPr>
             <a:r>
-              <a:rPr lang="en-US" sz="1000" spc="-15" dirty="0">
+              <a:rPr lang="fr-FR" sz="1000" dirty="0">
                 <a:solidFill>
                   <a:srgbClr val="1F1F1F"/>
                 </a:solidFill>
                 <a:latin typeface="AdobeClean-Light"/>
               </a:rPr>
-              <a:t>The Regional scope of Adobe Support is established by aligning the customer's billing address (via the Sales Order or other Adobe Support purchasing document) to one of the following regions:</a:t>
+              <a:t>La portée régionale de l’assistance Adobe est définie par l’alignement de l’adresse de facturation du client (se trouvant sur le bon de commande ou tout autre document d’achat de l’assistance Adobe) avec l’une des régions suivantes :</a:t>
             </a:r>
           </a:p>
         </p:txBody>
@@ -10730,7 +9268,7 @@
           <p:nvPr>
             <p:extLst>
               <p:ext uri="{D42A27DB-BD31-4B8C-83A1-F6EECF244321}">
-                <p14:modId xmlns:p14="http://schemas.microsoft.com/office/powerpoint/2010/main" val="2846210228"/>
+                <p14:modId xmlns:p14="http://schemas.microsoft.com/office/powerpoint/2010/main" val="1390613868"/>
               </p:ext>
             </p:extLst>
           </p:nvPr>
@@ -10783,13 +9321,13 @@
                     <a:p>
                       <a:pPr algn="ctr"/>
                       <a:r>
-                        <a:rPr lang="en-US" sz="1100" dirty="0">
+                        <a:rPr lang="fr-FR" sz="1100">
                           <a:solidFill>
                             <a:schemeClr val="tx1"/>
                           </a:solidFill>
                           <a:latin typeface="Adobe Clean" panose="020B0503020404020204" pitchFamily="34" charset="0"/>
                         </a:rPr>
-                        <a:t>Americas</a:t>
+                        <a:t>Amériques</a:t>
                       </a:r>
                     </a:p>
                   </a:txBody>
@@ -10848,78 +9386,30 @@
                     <a:p>
                       <a:pPr algn="ctr"/>
                       <a:r>
-                        <a:rPr lang="en-US" sz="1100" dirty="0">
+                        <a:rPr lang="fr-FR" sz="1100" dirty="0">
                           <a:solidFill>
                             <a:schemeClr val="tx1"/>
                           </a:solidFill>
                           <a:latin typeface="Adobe Clean" panose="020B0503020404020204" pitchFamily="34" charset="0"/>
                         </a:rPr>
-                        <a:t>Europe, Middle East &amp; Africa</a:t>
+                        <a:t>Europe, Moyen-Orient </a:t>
                       </a:r>
-                    </a:p>
-                  </a:txBody>
-                  <a:tcPr anchor="ctr">
-                    <a:lnL w="12700" cap="flat" cmpd="sng" algn="ctr">
-                      <a:solidFill>
-                        <a:schemeClr val="bg1">
-                          <a:lumMod val="85000"/>
-                        </a:schemeClr>
-                      </a:solidFill>
-                      <a:prstDash val="solid"/>
-                      <a:round/>
-                      <a:headEnd type="none" w="med" len="med"/>
-                      <a:tailEnd type="none" w="med" len="med"/>
-                    </a:lnL>
-                    <a:lnR w="12700" cap="flat" cmpd="sng" algn="ctr">
-                      <a:solidFill>
-                        <a:schemeClr val="bg1">
-                          <a:lumMod val="85000"/>
-                        </a:schemeClr>
-                      </a:solidFill>
-                      <a:prstDash val="solid"/>
-                      <a:round/>
-                      <a:headEnd type="none" w="med" len="med"/>
-                      <a:tailEnd type="none" w="med" len="med"/>
-                    </a:lnR>
-                    <a:lnT w="12700" cap="flat" cmpd="sng" algn="ctr">
-                      <a:solidFill>
-                        <a:schemeClr val="bg1">
-                          <a:lumMod val="85000"/>
-                        </a:schemeClr>
-                      </a:solidFill>
-                      <a:prstDash val="solid"/>
-                      <a:round/>
-                      <a:headEnd type="none" w="med" len="med"/>
-                      <a:tailEnd type="none" w="med" len="med"/>
-                    </a:lnT>
-                    <a:lnB w="12700" cap="flat" cmpd="sng" algn="ctr">
-                      <a:solidFill>
-                        <a:schemeClr val="bg1">
-                          <a:lumMod val="85000"/>
-                        </a:schemeClr>
-                      </a:solidFill>
-                      <a:prstDash val="solid"/>
-                      <a:round/>
-                      <a:headEnd type="none" w="med" len="med"/>
-                      <a:tailEnd type="none" w="med" len="med"/>
-                    </a:lnB>
-                    <a:noFill/>
-                  </a:tcPr>
-                </a:tc>
-                <a:tc>
-                  <a:txBody>
-                    <a:bodyPr/>
-                    <a:lstStyle/>
-                    <a:p>
-                      <a:pPr algn="ctr"/>
-                      <a:r>
-                        <a:rPr lang="en-US" sz="1100" dirty="0">
+                      <a:br>
+                        <a:rPr lang="fr-FR" sz="1100" dirty="0">
                           <a:solidFill>
                             <a:schemeClr val="tx1"/>
                           </a:solidFill>
                           <a:latin typeface="Adobe Clean" panose="020B0503020404020204" pitchFamily="34" charset="0"/>
                         </a:rPr>
-                        <a:t>Asia Pacific</a:t>
+                      </a:br>
+                      <a:r>
+                        <a:rPr lang="fr-FR" sz="1100" dirty="0">
+                          <a:solidFill>
+                            <a:schemeClr val="tx1"/>
+                          </a:solidFill>
+                          <a:latin typeface="Adobe Clean" panose="020B0503020404020204" pitchFamily="34" charset="0"/>
+                        </a:rPr>
+                        <a:t>et Afrique</a:t>
                       </a:r>
                     </a:p>
                   </a:txBody>
@@ -10978,16 +9468,81 @@
                     <a:p>
                       <a:pPr algn="ctr"/>
                       <a:r>
-                        <a:rPr lang="en-US" sz="1100" dirty="0">
+                        <a:rPr lang="fr-FR" sz="1100">
+                          <a:solidFill>
+                            <a:schemeClr val="tx1"/>
+                          </a:solidFill>
+                          <a:latin typeface="Adobe Clean" panose="020B0503020404020204" pitchFamily="34" charset="0"/>
+                        </a:rPr>
+                        <a:t>Asie-Pacifique</a:t>
+                      </a:r>
+                    </a:p>
+                  </a:txBody>
+                  <a:tcPr anchor="ctr">
+                    <a:lnL w="12700" cap="flat" cmpd="sng" algn="ctr">
+                      <a:solidFill>
+                        <a:schemeClr val="bg1">
+                          <a:lumMod val="85000"/>
+                        </a:schemeClr>
+                      </a:solidFill>
+                      <a:prstDash val="solid"/>
+                      <a:round/>
+                      <a:headEnd type="none" w="med" len="med"/>
+                      <a:tailEnd type="none" w="med" len="med"/>
+                    </a:lnL>
+                    <a:lnR w="12700" cap="flat" cmpd="sng" algn="ctr">
+                      <a:solidFill>
+                        <a:schemeClr val="bg1">
+                          <a:lumMod val="85000"/>
+                        </a:schemeClr>
+                      </a:solidFill>
+                      <a:prstDash val="solid"/>
+                      <a:round/>
+                      <a:headEnd type="none" w="med" len="med"/>
+                      <a:tailEnd type="none" w="med" len="med"/>
+                    </a:lnR>
+                    <a:lnT w="12700" cap="flat" cmpd="sng" algn="ctr">
+                      <a:solidFill>
+                        <a:schemeClr val="bg1">
+                          <a:lumMod val="85000"/>
+                        </a:schemeClr>
+                      </a:solidFill>
+                      <a:prstDash val="solid"/>
+                      <a:round/>
+                      <a:headEnd type="none" w="med" len="med"/>
+                      <a:tailEnd type="none" w="med" len="med"/>
+                    </a:lnT>
+                    <a:lnB w="12700" cap="flat" cmpd="sng" algn="ctr">
+                      <a:solidFill>
+                        <a:schemeClr val="bg1">
+                          <a:lumMod val="85000"/>
+                        </a:schemeClr>
+                      </a:solidFill>
+                      <a:prstDash val="solid"/>
+                      <a:round/>
+                      <a:headEnd type="none" w="med" len="med"/>
+                      <a:tailEnd type="none" w="med" len="med"/>
+                    </a:lnB>
+                    <a:noFill/>
+                  </a:tcPr>
+                </a:tc>
+                <a:tc>
+                  <a:txBody>
+                    <a:bodyPr/>
+                    <a:lstStyle/>
+                    <a:p>
+                      <a:pPr algn="ctr"/>
+                      <a:r>
+                        <a:rPr lang="fr-FR" sz="1100">
                           <a:solidFill>
                             <a:schemeClr val="tx1"/>
                           </a:solidFill>
                           <a:latin typeface="Adobe Clean"/>
                         </a:rPr>
-                        <a:t>Japan </a:t>
+                        <a:t>Japon </a:t>
                       </a:r>
                       <a:r>
-                        <a:rPr lang="en-US" sz="1100" baseline="30000" dirty="0">
+                        <a:rPr lang="fr-FR" sz="1100" baseline="30000">
                           <a:solidFill>
                             <a:schemeClr val="tx1"/>
                           </a:solidFill>
@@ -10995,12 +9550,6 @@
                         </a:rPr>
                         <a:t>1 </a:t>
                       </a:r>
-                      <a:endParaRPr lang="en-US" sz="1100" dirty="0">
-                        <a:solidFill>
-                          <a:schemeClr val="tx1"/>
-                        </a:solidFill>
-                        <a:latin typeface="Adobe Clean" panose="020B0503020404020204" pitchFamily="34" charset="0"/>
-                      </a:endParaRPr>
                     </a:p>
                   </a:txBody>
                   <a:tcPr anchor="ctr">
@@ -11065,13 +9614,13 @@
                     <a:p>
                       <a:pPr algn="ctr"/>
                       <a:r>
-                        <a:rPr lang="en-US" sz="1100" dirty="0">
+                        <a:rPr lang="fr-FR" sz="1100">
                           <a:solidFill>
                             <a:schemeClr val="tx1"/>
                           </a:solidFill>
                           <a:latin typeface="Adobe Clean" panose="020B0503020404020204" pitchFamily="34" charset="0"/>
                         </a:rPr>
-                        <a:t>6 am – 5:30 pm</a:t>
+                        <a:t>6 h 00 à 17 h 30</a:t>
                       </a:r>
                     </a:p>
                   </a:txBody>
@@ -11130,13 +9679,13 @@
                     <a:p>
                       <a:pPr algn="ctr"/>
                       <a:r>
-                        <a:rPr lang="en-US" sz="1100" dirty="0">
+                        <a:rPr lang="fr-FR" sz="1100">
                           <a:solidFill>
                             <a:schemeClr val="tx1"/>
                           </a:solidFill>
                           <a:latin typeface="Adobe Clean" panose="020B0503020404020204" pitchFamily="34" charset="0"/>
                         </a:rPr>
-                        <a:t>9 am – 5 pm</a:t>
+                        <a:t>9 h 00 à 17 h 00</a:t>
                       </a:r>
                     </a:p>
                   </a:txBody>
@@ -11195,13 +9744,13 @@
                     <a:p>
                       <a:pPr algn="ctr"/>
                       <a:r>
-                        <a:rPr lang="en-US" sz="1100" dirty="0">
+                        <a:rPr lang="fr-FR" sz="1100">
                           <a:solidFill>
                             <a:schemeClr val="tx1"/>
                           </a:solidFill>
                           <a:latin typeface="Adobe Clean" panose="020B0503020404020204" pitchFamily="34" charset="0"/>
                         </a:rPr>
-                        <a:t>9 am – 5 pm</a:t>
+                        <a:t>9 h 00 à 17 h 00</a:t>
                       </a:r>
                     </a:p>
                   </a:txBody>
@@ -11260,13 +9809,13 @@
                     <a:p>
                       <a:pPr algn="ctr"/>
                       <a:r>
-                        <a:rPr lang="en-US" sz="1100" dirty="0">
+                        <a:rPr lang="fr-FR" sz="1100">
                           <a:solidFill>
                             <a:schemeClr val="tx1"/>
                           </a:solidFill>
                           <a:latin typeface="Adobe Clean" panose="020B0503020404020204" pitchFamily="34" charset="0"/>
                         </a:rPr>
-                        <a:t>9 am – 5:30 pm</a:t>
+                        <a:t>9 h 00 à 17 h 30</a:t>
                       </a:r>
                     </a:p>
                   </a:txBody>
@@ -11346,20 +9895,14 @@
                         <a:buNone/>
                       </a:pPr>
                       <a:r>
-                        <a:rPr lang="en-US" sz="1100" dirty="0">
+                        <a:rPr lang="fr-FR" sz="1100" dirty="0">
                           <a:solidFill>
                             <a:schemeClr val="tx1"/>
                           </a:solidFill>
                           <a:latin typeface="Adobe Clean"/>
                         </a:rPr>
-                        <a:t>Language support is only available in English and Japanese.</a:t>
+                        <a:t>L’assistance linguistique est uniquement disponible en anglais et en japonais.</a:t>
                       </a:r>
-                      <a:endParaRPr lang="en-US" sz="1100" dirty="0">
-                        <a:solidFill>
-                          <a:schemeClr val="tx1"/>
-                        </a:solidFill>
-                        <a:latin typeface="Adobe Clean" panose="020B0503020404020204" pitchFamily="34" charset="0"/>
-                      </a:endParaRPr>
                     </a:p>
                     <a:p>
                       <a:pPr marL="0" marR="0" lvl="0" indent="0" algn="ctr" defTabSz="914400" eaLnBrk="1" fontAlgn="auto" latinLnBrk="0" hangingPunct="1">
@@ -11380,17 +9923,17 @@
                         <a:defRPr/>
                       </a:pPr>
                       <a:r>
-                        <a:rPr lang="en-US" sz="1100" i="1" dirty="0">
+                        <a:rPr lang="fr-FR" sz="1100" i="1" dirty="0">
                           <a:solidFill>
                             <a:schemeClr val="tx1"/>
                           </a:solidFill>
                           <a:latin typeface="Adobe Clean"/>
                         </a:rPr>
-                        <a:t>*Adobe Commerce excludes Japanese language support.</a:t>
+                        <a:t>*Adobe Commerce exclut l’assistance linguistique japonaise.</a:t>
                       </a:r>
                     </a:p>
                     <a:p>
-                      <a:pPr algn="ctr"/>
+                      <a:pPr algn="l" rtl="0"/>
                       <a:endParaRPr kumimoji="0" lang="en-US" sz="1100" b="1" i="0" u="none" strike="noStrike" kern="0" cap="none" spc="0" normalizeH="0" baseline="30000" noProof="0" dirty="0">
                         <a:ln>
                           <a:noFill/>
@@ -11409,7 +9952,7 @@
                     <a:p>
                       <a:pPr algn="ctr"/>
                       <a:r>
-                        <a:rPr lang="en-US" sz="1100" i="0" dirty="0">
+                        <a:rPr lang="fr-FR" sz="1100" i="0" dirty="0">
                           <a:solidFill>
                             <a:schemeClr val="tx1"/>
                           </a:solidFill>
@@ -11418,7 +9961,7 @@
                         <a:t> </a:t>
                       </a:r>
                       <a:r>
-                        <a:rPr lang="en-US" sz="1100" i="0" baseline="30000" dirty="0">
+                        <a:rPr lang="fr-FR" sz="1100" i="0" baseline="30000" dirty="0">
                           <a:solidFill>
                             <a:schemeClr val="tx1"/>
                           </a:solidFill>
@@ -11427,23 +9970,17 @@
                         <a:t>1 </a:t>
                       </a:r>
                       <a:r>
-                        <a:rPr lang="en-US" sz="1100" i="0" dirty="0">
+                        <a:rPr lang="fr-FR" sz="1100" i="0" dirty="0">
                           <a:solidFill>
                             <a:schemeClr val="tx1"/>
                           </a:solidFill>
                           <a:latin typeface="Adobe Clean"/>
                         </a:rPr>
-                        <a:t>P2, P3, P4 cases are limited to business hours only in Japan.</a:t>
+                        <a:t>Les cas P2, P3 et P4 sont limités aux heures ouvrables uniquement au Japon.</a:t>
                       </a:r>
-                      <a:endParaRPr lang="en-US" sz="1100" b="1" i="0" dirty="0">
-                        <a:solidFill>
-                          <a:schemeClr val="tx1"/>
-                        </a:solidFill>
-                        <a:latin typeface="Adobe Clean"/>
-                      </a:endParaRPr>
-                    </a:p>
-                    <a:p>
-                      <a:pPr algn="ctr"/>
+                    </a:p>
+                    <a:p>
+                      <a:pPr algn="l" rtl="0"/>
                       <a:endParaRPr lang="en-US" sz="1100" dirty="0">
                         <a:solidFill>
                           <a:schemeClr val="tx1"/>
@@ -11791,8 +10328,8 @@
         </p:nvSpPr>
         <p:spPr>
           <a:xfrm>
-            <a:off x="2840871" y="8528519"/>
-            <a:ext cx="810895" cy="385445"/>
+            <a:off x="2743200" y="8528519"/>
+            <a:ext cx="969129" cy="382797"/>
           </a:xfrm>
           <a:prstGeom prst="rect">
             <a:avLst/>
@@ -11804,7 +10341,7 @@
           </a:bodyPr>
           <a:lstStyle/>
           <a:p>
-            <a:pPr marL="139065" marR="5080" indent="-139065">
+            <a:pPr marR="5080" algn="ctr">
               <a:lnSpc>
                 <a:spcPts val="1390"/>
               </a:lnSpc>
@@ -11813,129 +10350,15 @@
               </a:spcBef>
             </a:pPr>
             <a:r>
-              <a:rPr sz="1200" b="1" spc="-15" dirty="0">
+              <a:rPr lang="fr-FR" sz="1200" b="1" dirty="0">
                 <a:solidFill>
                   <a:srgbClr val="FFFFFF"/>
                 </a:solidFill>
                 <a:latin typeface="Adobe Clean"/>
                 <a:cs typeface="Adobe Clean"/>
               </a:rPr>
-              <a:t>U</a:t>
+              <a:t>Expertise incomparable</a:t>
             </a:r>
-            <a:r>
-              <a:rPr sz="1200" b="1" spc="-20" dirty="0">
-                <a:solidFill>
-                  <a:srgbClr val="FFFFFF"/>
-                </a:solidFill>
-                <a:latin typeface="Adobe Clean"/>
-                <a:cs typeface="Adobe Clean"/>
-              </a:rPr>
-              <a:t>n</a:t>
-            </a:r>
-            <a:r>
-              <a:rPr sz="1200" b="1" spc="-25" dirty="0">
-                <a:solidFill>
-                  <a:srgbClr val="FFFFFF"/>
-                </a:solidFill>
-                <a:latin typeface="Adobe Clean"/>
-                <a:cs typeface="Adobe Clean"/>
-              </a:rPr>
-              <a:t>p</a:t>
-            </a:r>
-            <a:r>
-              <a:rPr sz="1200" b="1" spc="-15" dirty="0">
-                <a:solidFill>
-                  <a:srgbClr val="FFFFFF"/>
-                </a:solidFill>
-                <a:latin typeface="Adobe Clean"/>
-                <a:cs typeface="Adobe Clean"/>
-              </a:rPr>
-              <a:t>a</a:t>
-            </a:r>
-            <a:r>
-              <a:rPr sz="1200" b="1" spc="-25" dirty="0">
-                <a:solidFill>
-                  <a:srgbClr val="FFFFFF"/>
-                </a:solidFill>
-                <a:latin typeface="Adobe Clean"/>
-                <a:cs typeface="Adobe Clean"/>
-              </a:rPr>
-              <a:t>r</a:t>
-            </a:r>
-            <a:r>
-              <a:rPr sz="1200" b="1" spc="-15" dirty="0">
-                <a:solidFill>
-                  <a:srgbClr val="FFFFFF"/>
-                </a:solidFill>
-                <a:latin typeface="Adobe Clean"/>
-                <a:cs typeface="Adobe Clean"/>
-              </a:rPr>
-              <a:t>a</a:t>
-            </a:r>
-            <a:r>
-              <a:rPr sz="1200" b="1" spc="-30" dirty="0">
-                <a:solidFill>
-                  <a:srgbClr val="FFFFFF"/>
-                </a:solidFill>
-                <a:latin typeface="Adobe Clean"/>
-                <a:cs typeface="Adobe Clean"/>
-              </a:rPr>
-              <a:t>ll</a:t>
-            </a:r>
-            <a:r>
-              <a:rPr sz="1200" b="1" spc="-25" dirty="0">
-                <a:solidFill>
-                  <a:srgbClr val="FFFFFF"/>
-                </a:solidFill>
-                <a:latin typeface="Adobe Clean"/>
-                <a:cs typeface="Adobe Clean"/>
-              </a:rPr>
-              <a:t>e</a:t>
-            </a:r>
-            <a:r>
-              <a:rPr sz="1200" b="1" spc="-30" dirty="0">
-                <a:solidFill>
-                  <a:srgbClr val="FFFFFF"/>
-                </a:solidFill>
-                <a:latin typeface="Adobe Clean"/>
-                <a:cs typeface="Adobe Clean"/>
-              </a:rPr>
-              <a:t>l</a:t>
-            </a:r>
-            <a:r>
-              <a:rPr sz="1200" b="1" spc="-25" dirty="0">
-                <a:solidFill>
-                  <a:srgbClr val="FFFFFF"/>
-                </a:solidFill>
-                <a:latin typeface="Adobe Clean"/>
-                <a:cs typeface="Adobe Clean"/>
-              </a:rPr>
-              <a:t>e</a:t>
-            </a:r>
-            <a:r>
-              <a:rPr sz="1200" b="1" dirty="0">
-                <a:solidFill>
-                  <a:srgbClr val="FFFFFF"/>
-                </a:solidFill>
-                <a:latin typeface="Adobe Clean"/>
-                <a:cs typeface="Adobe Clean"/>
-              </a:rPr>
-              <a:t>d  </a:t>
-            </a:r>
-            <a:r>
-              <a:rPr sz="1200" b="1" spc="-25" dirty="0">
-                <a:solidFill>
-                  <a:srgbClr val="FFFFFF"/>
-                </a:solidFill>
-                <a:latin typeface="Adobe Clean"/>
-                <a:cs typeface="Adobe Clean"/>
-              </a:rPr>
-              <a:t>Expertise</a:t>
-            </a:r>
-            <a:endParaRPr sz="1200" dirty="0">
-              <a:latin typeface="Adobe Clean"/>
-              <a:cs typeface="Adobe Clean"/>
-            </a:endParaRPr>
           </a:p>
         </p:txBody>
       </p:sp>
@@ -11966,7 +10389,7 @@
           </a:bodyPr>
           <a:lstStyle/>
           <a:p>
-            <a:pPr marL="139065" marR="5080" indent="-139065">
+            <a:pPr marR="5080" algn="ctr">
               <a:lnSpc>
                 <a:spcPts val="1390"/>
               </a:lnSpc>
@@ -11975,19 +10398,15 @@
               </a:spcBef>
             </a:pPr>
             <a:r>
-              <a:rPr lang="en-US" sz="1200" b="1" spc="-15" dirty="0">
+              <a:rPr lang="fr-FR" sz="1200" b="1" dirty="0">
                 <a:solidFill>
                   <a:srgbClr val="FFFFFF"/>
                 </a:solidFill>
                 <a:latin typeface="Adobe Clean"/>
                 <a:cs typeface="Adobe Clean"/>
               </a:rPr>
-              <a:t>Accelerated Support</a:t>
+              <a:t>Assistance accélérée</a:t>
             </a:r>
-            <a:endParaRPr sz="1200" dirty="0">
-              <a:latin typeface="Adobe Clean"/>
-              <a:cs typeface="Adobe Clean"/>
-            </a:endParaRPr>
           </a:p>
         </p:txBody>
       </p:sp>
@@ -12005,8 +10424,8 @@
         </p:nvSpPr>
         <p:spPr>
           <a:xfrm>
-            <a:off x="6624119" y="8543943"/>
-            <a:ext cx="510540" cy="385445"/>
+            <a:off x="6504305" y="8543943"/>
+            <a:ext cx="810895" cy="382797"/>
           </a:xfrm>
           <a:prstGeom prst="rect">
             <a:avLst/>
@@ -12018,7 +10437,7 @@
           </a:bodyPr>
           <a:lstStyle/>
           <a:p>
-            <a:pPr marL="50800" marR="5080" indent="-51435">
+            <a:pPr marR="5080" algn="ctr">
               <a:lnSpc>
                 <a:spcPts val="1390"/>
               </a:lnSpc>
@@ -12027,109 +10446,15 @@
               </a:spcBef>
             </a:pPr>
             <a:r>
-              <a:rPr sz="1200" b="1" spc="-50" dirty="0">
+              <a:rPr lang="fr-FR" sz="1200" b="1" dirty="0">
                 <a:solidFill>
                   <a:srgbClr val="FFFFFF"/>
                 </a:solidFill>
                 <a:latin typeface="Adobe Clean"/>
                 <a:cs typeface="Adobe Clean"/>
               </a:rPr>
-              <a:t>S</a:t>
+              <a:t>Conseil stratégique</a:t>
             </a:r>
-            <a:r>
-              <a:rPr sz="1200" b="1" spc="-20" dirty="0">
-                <a:solidFill>
-                  <a:srgbClr val="FFFFFF"/>
-                </a:solidFill>
-                <a:latin typeface="Adobe Clean"/>
-                <a:cs typeface="Adobe Clean"/>
-              </a:rPr>
-              <a:t>t</a:t>
-            </a:r>
-            <a:r>
-              <a:rPr sz="1200" b="1" spc="-75" dirty="0">
-                <a:solidFill>
-                  <a:srgbClr val="FFFFFF"/>
-                </a:solidFill>
-                <a:latin typeface="Adobe Clean"/>
-                <a:cs typeface="Adobe Clean"/>
-              </a:rPr>
-              <a:t>r</a:t>
-            </a:r>
-            <a:r>
-              <a:rPr sz="1200" b="1" spc="-90" dirty="0">
-                <a:solidFill>
-                  <a:srgbClr val="FFFFFF"/>
-                </a:solidFill>
-                <a:latin typeface="Adobe Clean"/>
-                <a:cs typeface="Adobe Clean"/>
-              </a:rPr>
-              <a:t>a</a:t>
-            </a:r>
-            <a:r>
-              <a:rPr sz="1200" b="1" spc="-55" dirty="0">
-                <a:solidFill>
-                  <a:srgbClr val="FFFFFF"/>
-                </a:solidFill>
-                <a:latin typeface="Adobe Clean"/>
-                <a:cs typeface="Adobe Clean"/>
-              </a:rPr>
-              <a:t>t</a:t>
-            </a:r>
-            <a:r>
-              <a:rPr sz="1200" b="1" spc="-100" dirty="0">
-                <a:solidFill>
-                  <a:srgbClr val="FFFFFF"/>
-                </a:solidFill>
-                <a:latin typeface="Adobe Clean"/>
-                <a:cs typeface="Adobe Clean"/>
-              </a:rPr>
-              <a:t>e</a:t>
-            </a:r>
-            <a:r>
-              <a:rPr sz="1200" b="1" spc="-80" dirty="0">
-                <a:solidFill>
-                  <a:srgbClr val="FFFFFF"/>
-                </a:solidFill>
-                <a:latin typeface="Adobe Clean"/>
-                <a:cs typeface="Adobe Clean"/>
-              </a:rPr>
-              <a:t>g</a:t>
-            </a:r>
-            <a:r>
-              <a:rPr sz="1200" b="1" spc="-35" dirty="0">
-                <a:solidFill>
-                  <a:srgbClr val="FFFFFF"/>
-                </a:solidFill>
-                <a:latin typeface="Adobe Clean"/>
-                <a:cs typeface="Adobe Clean"/>
-              </a:rPr>
-              <a:t>i</a:t>
-            </a:r>
-            <a:r>
-              <a:rPr sz="1200" b="1" dirty="0">
-                <a:solidFill>
-                  <a:srgbClr val="FFFFFF"/>
-                </a:solidFill>
-                <a:latin typeface="Adobe Clean"/>
-                <a:cs typeface="Adobe Clean"/>
-              </a:rPr>
-              <a:t>c  </a:t>
-            </a:r>
-            <a:r>
-              <a:rPr sz="1200" b="1" spc="-45" dirty="0">
-                <a:solidFill>
-                  <a:srgbClr val="FFFFFF"/>
-                </a:solidFill>
-                <a:latin typeface="Adobe Clean"/>
-                <a:cs typeface="Adobe Clean"/>
-              </a:rPr>
-              <a:t>Advice</a:t>
-            </a:r>
-            <a:endParaRPr sz="1200" dirty="0">
-              <a:latin typeface="Adobe Clean"/>
-              <a:cs typeface="Adobe Clean"/>
-            </a:endParaRPr>
           </a:p>
         </p:txBody>
       </p:sp>
@@ -12155,7 +10480,7 @@
         </p:nvGraphicFramePr>
         <p:xfrm>
           <a:off x="194236" y="1059345"/>
-          <a:ext cx="7368291" cy="3235960"/>
+          <a:ext cx="7368291" cy="3870960"/>
         </p:xfrm>
         <a:graphic>
           <a:graphicData uri="http://schemas.openxmlformats.org/drawingml/2006/table">
@@ -12186,7 +10511,7 @@
                     <a:lstStyle/>
                     <a:p>
                       <a:r>
-                        <a:rPr lang="en-US" sz="1100" b="0" dirty="0">
+                        <a:rPr lang="fr-FR" sz="1100" b="0">
                           <a:solidFill>
                             <a:schemeClr val="tx1"/>
                           </a:solidFill>
@@ -12197,14 +10522,6 @@
                         </a:rPr>
                         <a:t>Experience League</a:t>
                       </a:r>
-                      <a:endParaRPr lang="en-US" sz="1100" b="0" dirty="0">
-                        <a:solidFill>
-                          <a:schemeClr val="tx1"/>
-                        </a:solidFill>
-                        <a:latin typeface="Adobe Clean" panose="020B0503020404020204" pitchFamily="34" charset="0"/>
-                        <a:ea typeface="+mn-ea"/>
-                        <a:cs typeface="+mn-cs"/>
-                      </a:endParaRPr>
                     </a:p>
                   </a:txBody>
                   <a:tcPr marL="47625" marR="47625" marT="0" marB="0" anchor="ctr">
@@ -12278,7 +10595,7 @@
                         <a:defRPr/>
                       </a:pPr>
                       <a:r>
-                        <a:rPr lang="en-US" sz="1000" b="0" kern="1200" dirty="0">
+                        <a:rPr lang="fr-FR" sz="1000" b="0" dirty="0" err="1">
                           <a:solidFill>
                             <a:srgbClr val="000000"/>
                           </a:solidFill>
@@ -12286,7 +10603,18 @@
                           <a:ea typeface="+mn-ea"/>
                           <a:cs typeface="+mn-cs"/>
                         </a:rPr>
-                        <a:t>Experience League is how Adobe helps businesses achieve the value they expect from their Adobe investment. It’s the unified place where customers can learn, connect, and grow along a personalized path to success that includes self-help tutorials, product documentation, instructor-led training, community and technical support. </a:t>
+                        <a:t>Experience</a:t>
+                      </a:r>
+                      <a:r>
+                        <a:rPr lang="fr-FR" sz="1000" b="0" dirty="0">
+                          <a:solidFill>
+                            <a:srgbClr val="000000"/>
+                          </a:solidFill>
+                          <a:latin typeface="Adobe Clean Light" panose="020B0303020404020204" pitchFamily="34" charset="0"/>
+                          <a:ea typeface="+mn-ea"/>
+                          <a:cs typeface="+mn-cs"/>
+                        </a:rPr>
+                        <a:t> League est la manière dont Adobe aide les entreprises à atteindre la valeur qu’elles attendent de leur investissement dans Adobe. Il s’agit de l’endroit commun où les clients peuvent apprendre, se mettre en relation les uns avec les autres et grandir le long d’un chemin personnalisé vers le succès. Il comprend des tutoriels automatiques, de la documentation sur les produits, une formation dispensée par un instructeur, une communauté et une assistance technique. </a:t>
                       </a:r>
                     </a:p>
                   </a:txBody>
@@ -12368,39 +10696,28 @@
                         <a:defRPr/>
                       </a:pPr>
                       <a:r>
-                        <a:rPr lang="en-US" sz="1100" dirty="0">
+                        <a:rPr lang="fr-FR" sz="1100">
                           <a:solidFill>
                             <a:schemeClr val="dk1"/>
                           </a:solidFill>
-                          <a:effectLst/>
                           <a:latin typeface="Adobe Clean" panose="020B0503020404020204" pitchFamily="34" charset="0"/>
                           <a:ea typeface="+mn-ea"/>
                           <a:cs typeface="+mn-cs"/>
                           <a:hlinkClick r:id="rId8"/>
                         </a:rPr>
-                        <a:t>Training</a:t>
+                        <a:t>Formation</a:t>
                       </a:r>
                       <a:r>
-                        <a:rPr lang="en-US" sz="1100" dirty="0">
+                        <a:rPr lang="fr-FR" sz="1100">
                           <a:solidFill>
                             <a:schemeClr val="dk1"/>
                           </a:solidFill>
-                          <a:effectLst/>
                           <a:latin typeface="Adobe Clean" panose="020B0503020404020204" pitchFamily="34" charset="0"/>
                           <a:ea typeface="+mn-ea"/>
                           <a:cs typeface="+mn-cs"/>
                         </a:rPr>
                         <a:t> </a:t>
                       </a:r>
-                      <a:endParaRPr lang="en-US" sz="1100" dirty="0">
-                        <a:solidFill>
-                          <a:schemeClr val="tx1"/>
-                        </a:solidFill>
-                        <a:effectLst/>
-                        <a:latin typeface="Adobe Clean" panose="020B0503020404020204" pitchFamily="34" charset="0"/>
-                        <a:ea typeface="+mn-ea"/>
-                        <a:cs typeface="+mn-cs"/>
-                      </a:endParaRPr>
                     </a:p>
                   </a:txBody>
                   <a:tcPr anchor="ctr">
@@ -12474,7 +10791,7 @@
                         <a:defRPr/>
                       </a:pPr>
                       <a:r>
-                        <a:rPr lang="en-US" sz="1000" kern="1200" dirty="0">
+                        <a:rPr lang="fr-FR" sz="1000" dirty="0">
                           <a:solidFill>
                             <a:srgbClr val="000000"/>
                           </a:solidFill>
@@ -12482,7 +10799,29 @@
                           <a:ea typeface="+mn-ea"/>
                           <a:cs typeface="+mn-cs"/>
                         </a:rPr>
-                        <a:t>Adobe Digital Learning Services courses are accessible from Experience League. Learning courses integrate both on-demand and instructor-led lessons.  Here you can accrue skills that have recognized market value and position them to drive success in your organizations.</a:t>
+                        <a:t>Les cours sur les services de formation numérique d’Adobe sont accessibles depuis </a:t>
+                      </a:r>
+                      <a:r>
+                        <a:rPr lang="fr-FR" sz="1000" dirty="0" err="1">
+                          <a:solidFill>
+                            <a:srgbClr val="000000"/>
+                          </a:solidFill>
+                          <a:latin typeface="Adobe Clean Light" panose="020B0303020404020204" pitchFamily="34" charset="0"/>
+                          <a:ea typeface="+mn-ea"/>
+                          <a:cs typeface="+mn-cs"/>
+                        </a:rPr>
+                        <a:t>Experience</a:t>
+                      </a:r>
+                      <a:r>
+                        <a:rPr lang="fr-FR" sz="1000" dirty="0">
+                          <a:solidFill>
+                            <a:srgbClr val="000000"/>
+                          </a:solidFill>
+                          <a:latin typeface="Adobe Clean Light" panose="020B0303020404020204" pitchFamily="34" charset="0"/>
+                          <a:ea typeface="+mn-ea"/>
+                          <a:cs typeface="+mn-cs"/>
+                        </a:rPr>
+                        <a:t> League. Les cours de formation regroupent des cours à la demande et des cours dispensés par un instructeur.  Grâce à ces cours, vous pouvez acquérir des compétences qui présentent une valeur marchande reconnue et les disposer de manière à stimuler le succès de vos entreprises.</a:t>
                       </a:r>
                     </a:p>
                   </a:txBody>
@@ -12564,27 +10903,17 @@
                         <a:defRPr/>
                       </a:pPr>
                       <a:r>
-                        <a:rPr lang="en-US" sz="1100" dirty="0">
+                        <a:rPr lang="fr-FR" sz="1100" dirty="0">
                           <a:solidFill>
                             <a:schemeClr val="tx1"/>
                           </a:solidFill>
-                          <a:effectLst/>
                           <a:latin typeface="Adobe Clean" panose="020B0503020404020204" pitchFamily="34" charset="0"/>
                           <a:ea typeface="+mn-ea"/>
                           <a:cs typeface="+mn-cs"/>
                           <a:hlinkClick r:id="rId9"/>
                         </a:rPr>
-                        <a:t>Production Issues &amp; System Outages</a:t>
+                        <a:t>Problèmes de production et panne du système</a:t>
                       </a:r>
-                      <a:endParaRPr lang="en-US" sz="1100" dirty="0">
-                        <a:solidFill>
-                          <a:schemeClr val="tx1"/>
-                        </a:solidFill>
-                        <a:effectLst/>
-                        <a:latin typeface="Adobe Clean" panose="020B0503020404020204" pitchFamily="34" charset="0"/>
-                        <a:ea typeface="+mn-ea"/>
-                        <a:cs typeface="+mn-cs"/>
-                      </a:endParaRPr>
                     </a:p>
                   </a:txBody>
                   <a:tcPr anchor="ctr">
@@ -12658,7 +10987,7 @@
                         <a:defRPr/>
                       </a:pPr>
                       <a:r>
-                        <a:rPr lang="en-US" sz="1000" kern="1200" dirty="0">
+                        <a:rPr lang="fr-FR" sz="1000">
                           <a:solidFill>
                             <a:srgbClr val="000000"/>
                           </a:solidFill>
@@ -12666,7 +10995,7 @@
                           <a:ea typeface="+mn-ea"/>
                           <a:cs typeface="+mn-cs"/>
                         </a:rPr>
-                        <a:t>Status.adobe.com conveys the health information of all Adobe products and services that are deployed in multi-tenant environments. Customers can choose their subscription preferences to get email notifications whenever Adobe creates, updates or resolves a product event. This can include scheduled maintenance or service issues of varying levels of severity. </a:t>
+                        <a:t>Status.adobe.com transmet les informations d’intégrité de tous les produits et services d’Adobe déployés dans des environnements multi-entité. Les clients peuvent choisir leurs préférences d’abonnement afin de recevoir des notifications par e-mail chaque fois qu’Adobe crée, met à jour ou résout un événement de produit. Cet événement peut inclure des problèmes de maintenance planifiée ou de service présentant différents niveaux de gravité. </a:t>
                       </a:r>
                     </a:p>
                   </a:txBody>
@@ -12748,27 +11077,17 @@
                         <a:defRPr/>
                       </a:pPr>
                       <a:r>
-                        <a:rPr lang="en-US" sz="1100" dirty="0">
+                        <a:rPr lang="fr-FR" sz="1100">
                           <a:solidFill>
                             <a:schemeClr val="tx1"/>
                           </a:solidFill>
-                          <a:effectLst/>
                           <a:latin typeface="Adobe Clean" panose="020B0503020404020204" pitchFamily="34" charset="0"/>
                           <a:ea typeface="+mn-ea"/>
                           <a:cs typeface="+mn-cs"/>
                           <a:hlinkClick r:id="rId10"/>
                         </a:rPr>
-                        <a:t>Terms and Conditions</a:t>
+                        <a:t>Termes et conditions</a:t>
                       </a:r>
-                      <a:endParaRPr lang="en-US" sz="1100" dirty="0">
-                        <a:solidFill>
-                          <a:schemeClr val="tx1"/>
-                        </a:solidFill>
-                        <a:effectLst/>
-                        <a:latin typeface="Adobe Clean" panose="020B0503020404020204" pitchFamily="34" charset="0"/>
-                        <a:ea typeface="+mn-ea"/>
-                        <a:cs typeface="+mn-cs"/>
-                      </a:endParaRPr>
                     </a:p>
                   </a:txBody>
                   <a:tcPr anchor="ctr">
@@ -12825,7 +11144,7 @@
                     <a:lstStyle/>
                     <a:p>
                       <a:r>
-                        <a:rPr lang="en-US" sz="1000" kern="1200" dirty="0">
+                        <a:rPr lang="fr-FR" sz="1000" dirty="0">
                           <a:solidFill>
                             <a:srgbClr val="000000"/>
                           </a:solidFill>
@@ -12833,7 +11152,7 @@
                           <a:ea typeface="+mn-ea"/>
                           <a:cs typeface="+mn-cs"/>
                         </a:rPr>
-                        <a:t>Terms and conditions detailing Support Services offerings.</a:t>
+                        <a:t>Il s’agit des termes et conditions détaillant les offres des services d’assistance.</a:t>
                       </a:r>
                     </a:p>
                   </a:txBody>
@@ -13604,9 +11923,12 @@
 </file>
 
 <file path=customXml/item1.xml><?xml version="1.0" encoding="utf-8"?>
-<p:properties xmlns:p="http://schemas.microsoft.com/office/2006/metadata/properties" xmlns:xsi="http://www.w3.org/2001/XMLSchema-instance" xmlns:pc="http://schemas.microsoft.com/office/infopath/2007/PartnerControls">
-  <documentManagement/>
-</p:properties>
+<?mso-contentType ?>
+<FormTemplates xmlns="http://schemas.microsoft.com/sharepoint/v3/contenttype/forms">
+  <Display>DocumentLibraryForm</Display>
+  <Edit>DocumentLibraryForm</Edit>
+  <New>DocumentLibraryForm</New>
+</FormTemplates>
 </file>
 
 <file path=customXml/item2.xml><?xml version="1.0" encoding="utf-8"?>
@@ -13815,27 +12137,15 @@
 </file>
 
 <file path=customXml/item3.xml><?xml version="1.0" encoding="utf-8"?>
-<?mso-contentType ?>
-<FormTemplates xmlns="http://schemas.microsoft.com/sharepoint/v3/contenttype/forms">
-  <Display>DocumentLibraryForm</Display>
-  <Edit>DocumentLibraryForm</Edit>
-  <New>DocumentLibraryForm</New>
-</FormTemplates>
+<p:properties xmlns:p="http://schemas.microsoft.com/office/2006/metadata/properties" xmlns:xsi="http://www.w3.org/2001/XMLSchema-instance" xmlns:pc="http://schemas.microsoft.com/office/infopath/2007/PartnerControls">
+  <documentManagement/>
+</p:properties>
 </file>
 
 <file path=customXml/itemProps1.xml><?xml version="1.0" encoding="utf-8"?>
-<ds:datastoreItem xmlns:ds="http://schemas.openxmlformats.org/officeDocument/2006/customXml" ds:itemID="{8D12BD98-169B-4BEE-86DF-4C9641DF23C4}">
+<ds:datastoreItem xmlns:ds="http://schemas.openxmlformats.org/officeDocument/2006/customXml" ds:itemID="{AC92E7FA-19A2-4675-9C77-2C92D8A268D1}">
   <ds:schemaRefs>
-    <ds:schemaRef ds:uri="http://schemas.microsoft.com/office/2006/documentManagement/types"/>
-    <ds:schemaRef ds:uri="http://purl.org/dc/dcmitype/"/>
-    <ds:schemaRef ds:uri="http://schemas.openxmlformats.org/package/2006/metadata/core-properties"/>
-    <ds:schemaRef ds:uri="http://schemas.microsoft.com/office/infopath/2007/PartnerControls"/>
-    <ds:schemaRef ds:uri="http://www.w3.org/XML/1998/namespace"/>
-    <ds:schemaRef ds:uri="http://schemas.microsoft.com/office/2006/metadata/properties"/>
-    <ds:schemaRef ds:uri="8a053bff-88be-49e4-9a87-e748e18b8b62"/>
-    <ds:schemaRef ds:uri="6c8368ec-3776-49b5-a5bb-90648cf9530f"/>
-    <ds:schemaRef ds:uri="http://purl.org/dc/terms/"/>
-    <ds:schemaRef ds:uri="http://purl.org/dc/elements/1.1/"/>
+    <ds:schemaRef ds:uri="http://schemas.microsoft.com/sharepoint/v3/contenttype/forms"/>
   </ds:schemaRefs>
 </ds:datastoreItem>
 </file>
@@ -13860,9 +12170,18 @@
 </file>
 
 <file path=customXml/itemProps3.xml><?xml version="1.0" encoding="utf-8"?>
-<ds:datastoreItem xmlns:ds="http://schemas.openxmlformats.org/officeDocument/2006/customXml" ds:itemID="{AC92E7FA-19A2-4675-9C77-2C92D8A268D1}">
+<ds:datastoreItem xmlns:ds="http://schemas.openxmlformats.org/officeDocument/2006/customXml" ds:itemID="{8D12BD98-169B-4BEE-86DF-4C9641DF23C4}">
   <ds:schemaRefs>
-    <ds:schemaRef ds:uri="http://schemas.microsoft.com/sharepoint/v3/contenttype/forms"/>
+    <ds:schemaRef ds:uri="http://schemas.microsoft.com/office/2006/documentManagement/types"/>
+    <ds:schemaRef ds:uri="http://purl.org/dc/dcmitype/"/>
+    <ds:schemaRef ds:uri="http://schemas.openxmlformats.org/package/2006/metadata/core-properties"/>
+    <ds:schemaRef ds:uri="http://schemas.microsoft.com/office/infopath/2007/PartnerControls"/>
+    <ds:schemaRef ds:uri="http://www.w3.org/XML/1998/namespace"/>
+    <ds:schemaRef ds:uri="http://schemas.microsoft.com/office/2006/metadata/properties"/>
+    <ds:schemaRef ds:uri="8a053bff-88be-49e4-9a87-e748e18b8b62"/>
+    <ds:schemaRef ds:uri="6c8368ec-3776-49b5-a5bb-90648cf9530f"/>
+    <ds:schemaRef ds:uri="http://purl.org/dc/terms/"/>
+    <ds:schemaRef ds:uri="http://purl.org/dc/elements/1.1/"/>
   </ds:schemaRefs>
 </ds:datastoreItem>
 </file>